--- a/session2/Debugging Workshop 2.pptx
+++ b/session2/Debugging Workshop 2.pptx
@@ -5,15 +5,21 @@
     <p:sldMasterId id="2147483648" r:id="rId1"/>
   </p:sldMasterIdLst>
   <p:notesMasterIdLst>
-    <p:notesMasterId r:id="rId8"/>
+    <p:notesMasterId r:id="rId14"/>
   </p:notesMasterIdLst>
   <p:sldIdLst>
     <p:sldId id="256" r:id="rId2"/>
-    <p:sldId id="289" r:id="rId3"/>
-    <p:sldId id="257" r:id="rId4"/>
-    <p:sldId id="290" r:id="rId5"/>
-    <p:sldId id="287" r:id="rId6"/>
-    <p:sldId id="288" r:id="rId7"/>
+    <p:sldId id="291" r:id="rId3"/>
+    <p:sldId id="289" r:id="rId4"/>
+    <p:sldId id="293" r:id="rId5"/>
+    <p:sldId id="257" r:id="rId6"/>
+    <p:sldId id="294" r:id="rId7"/>
+    <p:sldId id="295" r:id="rId8"/>
+    <p:sldId id="290" r:id="rId9"/>
+    <p:sldId id="292" r:id="rId10"/>
+    <p:sldId id="296" r:id="rId11"/>
+    <p:sldId id="287" r:id="rId12"/>
+    <p:sldId id="288" r:id="rId13"/>
   </p:sldIdLst>
   <p:sldSz cx="9144000" cy="6858000" type="screen4x3"/>
   <p:notesSz cx="6858000" cy="9144000"/>
@@ -242,7 +248,7 @@
               <a:pPr>
                 <a:defRPr/>
               </a:pPr>
-              <a:t>2015/11/25 Wednesday</a:t>
+              <a:t>2015/11/26 Thursday</a:t>
             </a:fld>
             <a:endParaRPr lang="zh-CN" altLang="en-US"/>
           </a:p>
@@ -743,7 +749,7 @@
               <a:pPr>
                 <a:defRPr/>
               </a:pPr>
-              <a:t>2015/11/25 Wednesday</a:t>
+              <a:t>2015/11/26 Thursday</a:t>
             </a:fld>
             <a:endParaRPr lang="zh-CN" altLang="en-US"/>
           </a:p>
@@ -935,7 +941,7 @@
               <a:pPr>
                 <a:defRPr/>
               </a:pPr>
-              <a:t>2015/11/25 Wednesday</a:t>
+              <a:t>2015/11/26 Thursday</a:t>
             </a:fld>
             <a:endParaRPr lang="zh-CN" altLang="en-US"/>
           </a:p>
@@ -1137,7 +1143,7 @@
               <a:pPr>
                 <a:defRPr/>
               </a:pPr>
-              <a:t>2015/11/25 Wednesday</a:t>
+              <a:t>2015/11/26 Thursday</a:t>
             </a:fld>
             <a:endParaRPr lang="zh-CN" altLang="en-US"/>
           </a:p>
@@ -1329,7 +1335,7 @@
               <a:pPr>
                 <a:defRPr/>
               </a:pPr>
-              <a:t>2015/11/25 Wednesday</a:t>
+              <a:t>2015/11/26 Thursday</a:t>
             </a:fld>
             <a:endParaRPr lang="zh-CN" altLang="en-US"/>
           </a:p>
@@ -1597,7 +1603,7 @@
               <a:pPr>
                 <a:defRPr/>
               </a:pPr>
-              <a:t>2015/11/25 Wednesday</a:t>
+              <a:t>2015/11/26 Thursday</a:t>
             </a:fld>
             <a:endParaRPr lang="zh-CN" altLang="en-US"/>
           </a:p>
@@ -1907,7 +1913,7 @@
               <a:pPr>
                 <a:defRPr/>
               </a:pPr>
-              <a:t>2015/11/25 Wednesday</a:t>
+              <a:t>2015/11/26 Thursday</a:t>
             </a:fld>
             <a:endParaRPr lang="zh-CN" altLang="en-US"/>
           </a:p>
@@ -2351,7 +2357,7 @@
               <a:pPr>
                 <a:defRPr/>
               </a:pPr>
-              <a:t>2015/11/25 Wednesday</a:t>
+              <a:t>2015/11/26 Thursday</a:t>
             </a:fld>
             <a:endParaRPr lang="zh-CN" altLang="en-US"/>
           </a:p>
@@ -2491,7 +2497,7 @@
               <a:pPr>
                 <a:defRPr/>
               </a:pPr>
-              <a:t>2015/11/25 Wednesday</a:t>
+              <a:t>2015/11/26 Thursday</a:t>
             </a:fld>
             <a:endParaRPr lang="zh-CN" altLang="en-US"/>
           </a:p>
@@ -2608,7 +2614,7 @@
               <a:pPr>
                 <a:defRPr/>
               </a:pPr>
-              <a:t>2015/11/25 Wednesday</a:t>
+              <a:t>2015/11/26 Thursday</a:t>
             </a:fld>
             <a:endParaRPr lang="zh-CN" altLang="en-US"/>
           </a:p>
@@ -2907,7 +2913,7 @@
               <a:pPr>
                 <a:defRPr/>
               </a:pPr>
-              <a:t>2015/11/25 Wednesday</a:t>
+              <a:t>2015/11/26 Thursday</a:t>
             </a:fld>
             <a:endParaRPr lang="zh-CN" altLang="en-US"/>
           </a:p>
@@ -3185,7 +3191,7 @@
               <a:pPr>
                 <a:defRPr/>
               </a:pPr>
-              <a:t>2015/11/25 Wednesday</a:t>
+              <a:t>2015/11/26 Thursday</a:t>
             </a:fld>
             <a:endParaRPr lang="zh-CN" altLang="en-US"/>
           </a:p>
@@ -3441,7 +3447,7 @@
               <a:pPr>
                 <a:defRPr/>
               </a:pPr>
-              <a:t>2015/11/25 Wednesday</a:t>
+              <a:t>2015/11/26 Thursday</a:t>
             </a:fld>
             <a:endParaRPr lang="zh-CN" altLang="en-US"/>
           </a:p>
@@ -4091,7 +4097,820 @@
 </p:sld>
 </file>
 
+<file path=ppt/slides/slide10.xml><?xml version="1.0" encoding="utf-8"?>
+<p:sld xmlns:a="http://schemas.openxmlformats.org/drawingml/2006/main" xmlns:r="http://schemas.openxmlformats.org/officeDocument/2006/relationships" xmlns:p="http://schemas.openxmlformats.org/presentationml/2006/main">
+  <p:cSld>
+    <p:spTree>
+      <p:nvGrpSpPr>
+        <p:cNvPr id="1" name=""/>
+        <p:cNvGrpSpPr/>
+        <p:nvPr/>
+      </p:nvGrpSpPr>
+      <p:grpSpPr>
+        <a:xfrm>
+          <a:off x="0" y="0"/>
+          <a:ext cx="0" cy="0"/>
+          <a:chOff x="0" y="0"/>
+          <a:chExt cx="0" cy="0"/>
+        </a:xfrm>
+      </p:grpSpPr>
+      <p:sp>
+        <p:nvSpPr>
+          <p:cNvPr id="3074" name="TextBox 5" hidden="1"/>
+          <p:cNvSpPr txBox="1">
+            <a:spLocks noChangeArrowheads="1"/>
+          </p:cNvSpPr>
+          <p:nvPr/>
+        </p:nvSpPr>
+        <p:spPr bwMode="auto">
+          <a:xfrm>
+            <a:off x="1939925" y="1954213"/>
+            <a:ext cx="1943100" cy="369887"/>
+          </a:xfrm>
+          <a:prstGeom prst="rect">
+            <a:avLst/>
+          </a:prstGeom>
+          <a:noFill/>
+          <a:ln w="9525">
+            <a:noFill/>
+            <a:miter lim="800000"/>
+            <a:headEnd/>
+            <a:tailEnd/>
+          </a:ln>
+        </p:spPr>
+        <p:txBody>
+          <a:bodyPr>
+            <a:spAutoFit/>
+          </a:bodyPr>
+          <a:lstStyle/>
+          <a:p>
+            <a:r>
+              <a:rPr lang="zh-CN" altLang="en-US">
+                <a:latin typeface="微软雅黑" pitchFamily="34" charset="-122"/>
+                <a:ea typeface="微软雅黑" pitchFamily="34" charset="-122"/>
+              </a:rPr>
+              <a:t>点击添加文本</a:t>
+            </a:r>
+          </a:p>
+        </p:txBody>
+      </p:sp>
+      <p:sp>
+        <p:nvSpPr>
+          <p:cNvPr id="3075" name="矩形 6" hidden="1"/>
+          <p:cNvSpPr>
+            <a:spLocks noChangeArrowheads="1"/>
+          </p:cNvSpPr>
+          <p:nvPr/>
+        </p:nvSpPr>
+        <p:spPr bwMode="auto">
+          <a:xfrm>
+            <a:off x="1939925" y="3025775"/>
+            <a:ext cx="1471613" cy="646113"/>
+          </a:xfrm>
+          <a:prstGeom prst="rect">
+            <a:avLst/>
+          </a:prstGeom>
+          <a:noFill/>
+          <a:ln w="9525">
+            <a:noFill/>
+            <a:miter lim="800000"/>
+            <a:headEnd/>
+            <a:tailEnd/>
+          </a:ln>
+        </p:spPr>
+        <p:txBody>
+          <a:bodyPr>
+            <a:spAutoFit/>
+          </a:bodyPr>
+          <a:lstStyle/>
+          <a:p>
+            <a:r>
+              <a:rPr lang="zh-CN" altLang="en-US">
+                <a:latin typeface="微软雅黑" pitchFamily="34" charset="-122"/>
+                <a:ea typeface="微软雅黑" pitchFamily="34" charset="-122"/>
+              </a:rPr>
+              <a:t>点击添加文本</a:t>
+            </a:r>
+          </a:p>
+        </p:txBody>
+      </p:sp>
+      <p:sp>
+        <p:nvSpPr>
+          <p:cNvPr id="3076" name="矩形 7" hidden="1"/>
+          <p:cNvSpPr>
+            <a:spLocks noChangeArrowheads="1"/>
+          </p:cNvSpPr>
+          <p:nvPr/>
+        </p:nvSpPr>
+        <p:spPr bwMode="auto">
+          <a:xfrm>
+            <a:off x="2011363" y="4240213"/>
+            <a:ext cx="1471612" cy="646112"/>
+          </a:xfrm>
+          <a:prstGeom prst="rect">
+            <a:avLst/>
+          </a:prstGeom>
+          <a:noFill/>
+          <a:ln w="9525">
+            <a:noFill/>
+            <a:miter lim="800000"/>
+            <a:headEnd/>
+            <a:tailEnd/>
+          </a:ln>
+        </p:spPr>
+        <p:txBody>
+          <a:bodyPr>
+            <a:spAutoFit/>
+          </a:bodyPr>
+          <a:lstStyle/>
+          <a:p>
+            <a:r>
+              <a:rPr lang="zh-CN" altLang="en-US">
+                <a:latin typeface="微软雅黑" pitchFamily="34" charset="-122"/>
+                <a:ea typeface="微软雅黑" pitchFamily="34" charset="-122"/>
+              </a:rPr>
+              <a:t>点击添加文本</a:t>
+            </a:r>
+          </a:p>
+        </p:txBody>
+      </p:sp>
+      <p:sp>
+        <p:nvSpPr>
+          <p:cNvPr id="3077" name="矩形 8" hidden="1"/>
+          <p:cNvSpPr>
+            <a:spLocks noChangeArrowheads="1"/>
+          </p:cNvSpPr>
+          <p:nvPr/>
+        </p:nvSpPr>
+        <p:spPr bwMode="auto">
+          <a:xfrm>
+            <a:off x="2011363" y="5526088"/>
+            <a:ext cx="1471612" cy="646112"/>
+          </a:xfrm>
+          <a:prstGeom prst="rect">
+            <a:avLst/>
+          </a:prstGeom>
+          <a:noFill/>
+          <a:ln w="9525">
+            <a:noFill/>
+            <a:miter lim="800000"/>
+            <a:headEnd/>
+            <a:tailEnd/>
+          </a:ln>
+        </p:spPr>
+        <p:txBody>
+          <a:bodyPr>
+            <a:spAutoFit/>
+          </a:bodyPr>
+          <a:lstStyle/>
+          <a:p>
+            <a:r>
+              <a:rPr lang="zh-CN" altLang="en-US">
+                <a:latin typeface="微软雅黑" pitchFamily="34" charset="-122"/>
+                <a:ea typeface="微软雅黑" pitchFamily="34" charset="-122"/>
+              </a:rPr>
+              <a:t>点击添加文本</a:t>
+            </a:r>
+          </a:p>
+        </p:txBody>
+      </p:sp>
+      <p:sp>
+        <p:nvSpPr>
+          <p:cNvPr id="11" name="TextBox 12"/>
+          <p:cNvSpPr txBox="1">
+            <a:spLocks noChangeArrowheads="1"/>
+          </p:cNvSpPr>
+          <p:nvPr/>
+        </p:nvSpPr>
+        <p:spPr bwMode="auto">
+          <a:xfrm>
+            <a:off x="323528" y="500063"/>
+            <a:ext cx="7888361" cy="523220"/>
+          </a:xfrm>
+          <a:prstGeom prst="rect">
+            <a:avLst/>
+          </a:prstGeom>
+          <a:noFill/>
+          <a:ln w="9525">
+            <a:noFill/>
+            <a:miter lim="800000"/>
+            <a:headEnd/>
+            <a:tailEnd/>
+          </a:ln>
+        </p:spPr>
+        <p:txBody>
+          <a:bodyPr wrap="square">
+            <a:spAutoFit/>
+          </a:bodyPr>
+          <a:lstStyle/>
+          <a:p>
+            <a:r>
+              <a:rPr lang="zh-CN" altLang="en-US" sz="2800" dirty="0" smtClean="0">
+                <a:latin typeface="微软雅黑" pitchFamily="34" charset="-122"/>
+                <a:ea typeface="微软雅黑" pitchFamily="34" charset="-122"/>
+              </a:rPr>
+              <a:t>练习四</a:t>
+            </a:r>
+            <a:endParaRPr lang="zh-CN" altLang="en-US" sz="2800" dirty="0">
+              <a:latin typeface="微软雅黑" pitchFamily="34" charset="-122"/>
+              <a:ea typeface="微软雅黑" pitchFamily="34" charset="-122"/>
+            </a:endParaRPr>
+          </a:p>
+        </p:txBody>
+      </p:sp>
+      <p:pic>
+        <p:nvPicPr>
+          <p:cNvPr id="4098" name="Picture 2"/>
+          <p:cNvPicPr>
+            <a:picLocks noChangeAspect="1" noChangeArrowheads="1"/>
+          </p:cNvPicPr>
+          <p:nvPr/>
+        </p:nvPicPr>
+        <p:blipFill>
+          <a:blip r:embed="rId2" cstate="print"/>
+          <a:srcRect/>
+          <a:stretch>
+            <a:fillRect/>
+          </a:stretch>
+        </p:blipFill>
+        <p:spPr bwMode="auto">
+          <a:xfrm>
+            <a:off x="323528" y="1227554"/>
+            <a:ext cx="5551710" cy="5081766"/>
+          </a:xfrm>
+          <a:prstGeom prst="rect">
+            <a:avLst/>
+          </a:prstGeom>
+          <a:noFill/>
+          <a:ln w="9525">
+            <a:noFill/>
+            <a:miter lim="800000"/>
+            <a:headEnd/>
+            <a:tailEnd/>
+          </a:ln>
+        </p:spPr>
+      </p:pic>
+      <p:sp>
+        <p:nvSpPr>
+          <p:cNvPr id="9" name="内容占位符 2"/>
+          <p:cNvSpPr txBox="1">
+            <a:spLocks/>
+          </p:cNvSpPr>
+          <p:nvPr/>
+        </p:nvSpPr>
+        <p:spPr bwMode="auto">
+          <a:xfrm>
+            <a:off x="4967536" y="1124744"/>
+            <a:ext cx="4176464" cy="748680"/>
+          </a:xfrm>
+          <a:prstGeom prst="rect">
+            <a:avLst/>
+          </a:prstGeom>
+          <a:noFill/>
+          <a:ln w="9525">
+            <a:noFill/>
+            <a:miter lim="800000"/>
+            <a:headEnd/>
+            <a:tailEnd/>
+          </a:ln>
+        </p:spPr>
+        <p:txBody>
+          <a:bodyPr vert="horz" wrap="square" lIns="91440" tIns="45720" rIns="91440" bIns="45720" numCol="1" anchor="t" anchorCtr="0" compatLnSpc="1">
+            <a:prstTxWarp prst="textNoShape">
+              <a:avLst/>
+            </a:prstTxWarp>
+          </a:bodyPr>
+          <a:lstStyle/>
+          <a:p>
+            <a:pPr marL="0" marR="0" lvl="0" indent="0" defTabSz="914400" rtl="0" eaLnBrk="0" fontAlgn="base" latinLnBrk="0" hangingPunct="0">
+              <a:lnSpc>
+                <a:spcPct val="100000"/>
+              </a:lnSpc>
+              <a:spcBef>
+                <a:spcPct val="20000"/>
+              </a:spcBef>
+              <a:spcAft>
+                <a:spcPct val="0"/>
+              </a:spcAft>
+              <a:buClrTx/>
+              <a:buSzTx/>
+              <a:buFont typeface="Arial" pitchFamily="34" charset="0"/>
+              <a:buNone/>
+              <a:tabLst/>
+              <a:defRPr/>
+            </a:pPr>
+            <a:r>
+              <a:rPr kumimoji="0" lang="zh-CN" altLang="en-US" sz="2400" b="1" i="0" u="none" strike="noStrike" kern="1200" cap="none" spc="0" normalizeH="0" baseline="0" noProof="0" dirty="0" smtClean="0">
+                <a:ln>
+                  <a:noFill/>
+                </a:ln>
+                <a:solidFill>
+                  <a:schemeClr val="tx1">
+                    <a:tint val="75000"/>
+                  </a:schemeClr>
+                </a:solidFill>
+                <a:effectLst/>
+                <a:uLnTx/>
+                <a:uFillTx/>
+                <a:latin typeface="+mn-lt"/>
+                <a:ea typeface="+mn-ea"/>
+                <a:cs typeface="+mn-cs"/>
+              </a:rPr>
+              <a:t>画出</a:t>
+            </a:r>
+            <a:r>
+              <a:rPr kumimoji="0" lang="en-US" altLang="zh-CN" sz="2400" b="1" i="0" u="none" strike="noStrike" kern="1200" cap="none" spc="0" normalizeH="0" baseline="0" noProof="0" dirty="0" smtClean="0">
+                <a:ln>
+                  <a:noFill/>
+                </a:ln>
+                <a:solidFill>
+                  <a:schemeClr val="tx1">
+                    <a:tint val="75000"/>
+                  </a:schemeClr>
+                </a:solidFill>
+                <a:effectLst/>
+                <a:uLnTx/>
+                <a:uFillTx/>
+                <a:latin typeface="+mn-lt"/>
+                <a:ea typeface="+mn-ea"/>
+                <a:cs typeface="+mn-cs"/>
+              </a:rPr>
+              <a:t>xml</a:t>
+            </a:r>
+            <a:r>
+              <a:rPr kumimoji="0" lang="zh-CN" altLang="en-US" sz="2400" b="1" i="0" u="none" strike="noStrike" kern="1200" cap="none" spc="0" normalizeH="0" baseline="0" noProof="0" dirty="0" smtClean="0">
+                <a:ln>
+                  <a:noFill/>
+                </a:ln>
+                <a:solidFill>
+                  <a:schemeClr val="tx1">
+                    <a:tint val="75000"/>
+                  </a:schemeClr>
+                </a:solidFill>
+                <a:effectLst/>
+                <a:uLnTx/>
+                <a:uFillTx/>
+                <a:latin typeface="+mn-lt"/>
+                <a:ea typeface="+mn-ea"/>
+                <a:cs typeface="+mn-cs"/>
+              </a:rPr>
+              <a:t>节点内存布局</a:t>
+            </a:r>
+            <a:endParaRPr kumimoji="0" lang="zh-CN" altLang="en-US" sz="2400" b="1" i="0" u="none" strike="noStrike" kern="1200" cap="none" spc="0" normalizeH="0" baseline="0" noProof="0" dirty="0">
+              <a:ln>
+                <a:noFill/>
+              </a:ln>
+              <a:solidFill>
+                <a:schemeClr val="tx1">
+                  <a:tint val="75000"/>
+                </a:schemeClr>
+              </a:solidFill>
+              <a:effectLst/>
+              <a:uLnTx/>
+              <a:uFillTx/>
+              <a:latin typeface="+mn-lt"/>
+              <a:ea typeface="+mn-ea"/>
+              <a:cs typeface="+mn-cs"/>
+            </a:endParaRPr>
+          </a:p>
+        </p:txBody>
+      </p:sp>
+    </p:spTree>
+  </p:cSld>
+  <p:clrMapOvr>
+    <a:masterClrMapping/>
+  </p:clrMapOvr>
+</p:sld>
+</file>
+
+<file path=ppt/slides/slide11.xml><?xml version="1.0" encoding="utf-8"?>
+<p:sld xmlns:a="http://schemas.openxmlformats.org/drawingml/2006/main" xmlns:r="http://schemas.openxmlformats.org/officeDocument/2006/relationships" xmlns:p="http://schemas.openxmlformats.org/presentationml/2006/main">
+  <p:cSld>
+    <p:spTree>
+      <p:nvGrpSpPr>
+        <p:cNvPr id="1" name=""/>
+        <p:cNvGrpSpPr/>
+        <p:nvPr/>
+      </p:nvGrpSpPr>
+      <p:grpSpPr>
+        <a:xfrm>
+          <a:off x="0" y="0"/>
+          <a:ext cx="0" cy="0"/>
+          <a:chOff x="0" y="0"/>
+          <a:chExt cx="0" cy="0"/>
+        </a:xfrm>
+      </p:grpSpPr>
+      <p:sp>
+        <p:nvSpPr>
+          <p:cNvPr id="2" name="标题 1"/>
+          <p:cNvSpPr>
+            <a:spLocks noGrp="1"/>
+          </p:cNvSpPr>
+          <p:nvPr>
+            <p:ph type="title"/>
+          </p:nvPr>
+        </p:nvSpPr>
+        <p:spPr/>
+        <p:txBody>
+          <a:bodyPr/>
+          <a:lstStyle/>
+          <a:p>
+            <a:r>
+              <a:rPr lang="en-US" altLang="zh-CN" dirty="0" smtClean="0"/>
+              <a:t>Q &amp; A</a:t>
+            </a:r>
+            <a:endParaRPr lang="zh-CN" altLang="en-US" dirty="0"/>
+          </a:p>
+        </p:txBody>
+      </p:sp>
+    </p:spTree>
+  </p:cSld>
+  <p:clrMapOvr>
+    <a:masterClrMapping/>
+  </p:clrMapOvr>
+</p:sld>
+</file>
+
+<file path=ppt/slides/slide12.xml><?xml version="1.0" encoding="utf-8"?>
+<p:sld xmlns:a="http://schemas.openxmlformats.org/drawingml/2006/main" xmlns:r="http://schemas.openxmlformats.org/officeDocument/2006/relationships" xmlns:p="http://schemas.openxmlformats.org/presentationml/2006/main">
+  <p:cSld>
+    <p:spTree>
+      <p:nvGrpSpPr>
+        <p:cNvPr id="1" name=""/>
+        <p:cNvGrpSpPr/>
+        <p:nvPr/>
+      </p:nvGrpSpPr>
+      <p:grpSpPr>
+        <a:xfrm>
+          <a:off x="0" y="0"/>
+          <a:ext cx="0" cy="0"/>
+          <a:chOff x="0" y="0"/>
+          <a:chExt cx="0" cy="0"/>
+        </a:xfrm>
+      </p:grpSpPr>
+      <p:sp>
+        <p:nvSpPr>
+          <p:cNvPr id="2" name="标题 1"/>
+          <p:cNvSpPr>
+            <a:spLocks noGrp="1"/>
+          </p:cNvSpPr>
+          <p:nvPr>
+            <p:ph type="title"/>
+          </p:nvPr>
+        </p:nvSpPr>
+        <p:spPr/>
+        <p:txBody>
+          <a:bodyPr/>
+          <a:lstStyle/>
+          <a:p>
+            <a:r>
+              <a:rPr lang="en-US" altLang="zh-CN" dirty="0" smtClean="0"/>
+              <a:t>Thank You</a:t>
+            </a:r>
+            <a:endParaRPr lang="zh-CN" altLang="en-US" dirty="0"/>
+          </a:p>
+        </p:txBody>
+      </p:sp>
+    </p:spTree>
+  </p:cSld>
+  <p:clrMapOvr>
+    <a:masterClrMapping/>
+  </p:clrMapOvr>
+</p:sld>
+</file>
+
 <file path=ppt/slides/slide2.xml><?xml version="1.0" encoding="utf-8"?>
+<p:sld xmlns:a="http://schemas.openxmlformats.org/drawingml/2006/main" xmlns:r="http://schemas.openxmlformats.org/officeDocument/2006/relationships" xmlns:p="http://schemas.openxmlformats.org/presentationml/2006/main">
+  <p:cSld>
+    <p:spTree>
+      <p:nvGrpSpPr>
+        <p:cNvPr id="1" name=""/>
+        <p:cNvGrpSpPr/>
+        <p:nvPr/>
+      </p:nvGrpSpPr>
+      <p:grpSpPr>
+        <a:xfrm>
+          <a:off x="0" y="0"/>
+          <a:ext cx="0" cy="0"/>
+          <a:chOff x="0" y="0"/>
+          <a:chExt cx="0" cy="0"/>
+        </a:xfrm>
+      </p:grpSpPr>
+      <p:sp>
+        <p:nvSpPr>
+          <p:cNvPr id="3074" name="TextBox 5" hidden="1"/>
+          <p:cNvSpPr txBox="1">
+            <a:spLocks noChangeArrowheads="1"/>
+          </p:cNvSpPr>
+          <p:nvPr/>
+        </p:nvSpPr>
+        <p:spPr bwMode="auto">
+          <a:xfrm>
+            <a:off x="1939925" y="1954213"/>
+            <a:ext cx="1943100" cy="369887"/>
+          </a:xfrm>
+          <a:prstGeom prst="rect">
+            <a:avLst/>
+          </a:prstGeom>
+          <a:noFill/>
+          <a:ln w="9525">
+            <a:noFill/>
+            <a:miter lim="800000"/>
+            <a:headEnd/>
+            <a:tailEnd/>
+          </a:ln>
+        </p:spPr>
+        <p:txBody>
+          <a:bodyPr>
+            <a:spAutoFit/>
+          </a:bodyPr>
+          <a:lstStyle/>
+          <a:p>
+            <a:r>
+              <a:rPr lang="zh-CN" altLang="en-US">
+                <a:latin typeface="微软雅黑" pitchFamily="34" charset="-122"/>
+                <a:ea typeface="微软雅黑" pitchFamily="34" charset="-122"/>
+              </a:rPr>
+              <a:t>点击添加文本</a:t>
+            </a:r>
+          </a:p>
+        </p:txBody>
+      </p:sp>
+      <p:sp>
+        <p:nvSpPr>
+          <p:cNvPr id="3075" name="矩形 6" hidden="1"/>
+          <p:cNvSpPr>
+            <a:spLocks noChangeArrowheads="1"/>
+          </p:cNvSpPr>
+          <p:nvPr/>
+        </p:nvSpPr>
+        <p:spPr bwMode="auto">
+          <a:xfrm>
+            <a:off x="1939925" y="3025775"/>
+            <a:ext cx="1471613" cy="646113"/>
+          </a:xfrm>
+          <a:prstGeom prst="rect">
+            <a:avLst/>
+          </a:prstGeom>
+          <a:noFill/>
+          <a:ln w="9525">
+            <a:noFill/>
+            <a:miter lim="800000"/>
+            <a:headEnd/>
+            <a:tailEnd/>
+          </a:ln>
+        </p:spPr>
+        <p:txBody>
+          <a:bodyPr>
+            <a:spAutoFit/>
+          </a:bodyPr>
+          <a:lstStyle/>
+          <a:p>
+            <a:r>
+              <a:rPr lang="zh-CN" altLang="en-US">
+                <a:latin typeface="微软雅黑" pitchFamily="34" charset="-122"/>
+                <a:ea typeface="微软雅黑" pitchFamily="34" charset="-122"/>
+              </a:rPr>
+              <a:t>点击添加文本</a:t>
+            </a:r>
+          </a:p>
+        </p:txBody>
+      </p:sp>
+      <p:sp>
+        <p:nvSpPr>
+          <p:cNvPr id="3076" name="矩形 7" hidden="1"/>
+          <p:cNvSpPr>
+            <a:spLocks noChangeArrowheads="1"/>
+          </p:cNvSpPr>
+          <p:nvPr/>
+        </p:nvSpPr>
+        <p:spPr bwMode="auto">
+          <a:xfrm>
+            <a:off x="2011363" y="4240213"/>
+            <a:ext cx="1471612" cy="646112"/>
+          </a:xfrm>
+          <a:prstGeom prst="rect">
+            <a:avLst/>
+          </a:prstGeom>
+          <a:noFill/>
+          <a:ln w="9525">
+            <a:noFill/>
+            <a:miter lim="800000"/>
+            <a:headEnd/>
+            <a:tailEnd/>
+          </a:ln>
+        </p:spPr>
+        <p:txBody>
+          <a:bodyPr>
+            <a:spAutoFit/>
+          </a:bodyPr>
+          <a:lstStyle/>
+          <a:p>
+            <a:r>
+              <a:rPr lang="zh-CN" altLang="en-US">
+                <a:latin typeface="微软雅黑" pitchFamily="34" charset="-122"/>
+                <a:ea typeface="微软雅黑" pitchFamily="34" charset="-122"/>
+              </a:rPr>
+              <a:t>点击添加文本</a:t>
+            </a:r>
+          </a:p>
+        </p:txBody>
+      </p:sp>
+      <p:sp>
+        <p:nvSpPr>
+          <p:cNvPr id="3077" name="矩形 8" hidden="1"/>
+          <p:cNvSpPr>
+            <a:spLocks noChangeArrowheads="1"/>
+          </p:cNvSpPr>
+          <p:nvPr/>
+        </p:nvSpPr>
+        <p:spPr bwMode="auto">
+          <a:xfrm>
+            <a:off x="2011363" y="5526088"/>
+            <a:ext cx="1471612" cy="646112"/>
+          </a:xfrm>
+          <a:prstGeom prst="rect">
+            <a:avLst/>
+          </a:prstGeom>
+          <a:noFill/>
+          <a:ln w="9525">
+            <a:noFill/>
+            <a:miter lim="800000"/>
+            <a:headEnd/>
+            <a:tailEnd/>
+          </a:ln>
+        </p:spPr>
+        <p:txBody>
+          <a:bodyPr>
+            <a:spAutoFit/>
+          </a:bodyPr>
+          <a:lstStyle/>
+          <a:p>
+            <a:r>
+              <a:rPr lang="zh-CN" altLang="en-US">
+                <a:latin typeface="微软雅黑" pitchFamily="34" charset="-122"/>
+                <a:ea typeface="微软雅黑" pitchFamily="34" charset="-122"/>
+              </a:rPr>
+              <a:t>点击添加文本</a:t>
+            </a:r>
+          </a:p>
+        </p:txBody>
+      </p:sp>
+      <p:sp>
+        <p:nvSpPr>
+          <p:cNvPr id="3078" name="TextBox 12"/>
+          <p:cNvSpPr txBox="1">
+            <a:spLocks noChangeArrowheads="1"/>
+          </p:cNvSpPr>
+          <p:nvPr/>
+        </p:nvSpPr>
+        <p:spPr bwMode="auto">
+          <a:xfrm>
+            <a:off x="500063" y="500063"/>
+            <a:ext cx="7888361" cy="523220"/>
+          </a:xfrm>
+          <a:prstGeom prst="rect">
+            <a:avLst/>
+          </a:prstGeom>
+          <a:noFill/>
+          <a:ln w="9525">
+            <a:noFill/>
+            <a:miter lim="800000"/>
+            <a:headEnd/>
+            <a:tailEnd/>
+          </a:ln>
+        </p:spPr>
+        <p:txBody>
+          <a:bodyPr wrap="square">
+            <a:spAutoFit/>
+          </a:bodyPr>
+          <a:lstStyle/>
+          <a:p>
+            <a:r>
+              <a:rPr lang="en-US" altLang="zh-CN" sz="2800" dirty="0" smtClean="0">
+                <a:latin typeface="微软雅黑" pitchFamily="34" charset="-122"/>
+                <a:ea typeface="微软雅黑" pitchFamily="34" charset="-122"/>
+              </a:rPr>
+              <a:t>S</a:t>
+            </a:r>
+            <a:r>
+              <a:rPr lang="en-US" altLang="zh-CN" sz="2800" dirty="0" smtClean="0">
+                <a:latin typeface="微软雅黑" pitchFamily="34" charset="-122"/>
+                <a:ea typeface="微软雅黑" pitchFamily="34" charset="-122"/>
+              </a:rPr>
+              <a:t>tring </a:t>
+            </a:r>
+            <a:endParaRPr lang="zh-CN" altLang="en-US" sz="2800" dirty="0">
+              <a:latin typeface="微软雅黑" pitchFamily="34" charset="-122"/>
+              <a:ea typeface="微软雅黑" pitchFamily="34" charset="-122"/>
+            </a:endParaRPr>
+          </a:p>
+        </p:txBody>
+      </p:sp>
+      <p:pic>
+        <p:nvPicPr>
+          <p:cNvPr id="1028" name="Picture 4"/>
+          <p:cNvPicPr>
+            <a:picLocks noChangeAspect="1" noChangeArrowheads="1"/>
+          </p:cNvPicPr>
+          <p:nvPr/>
+        </p:nvPicPr>
+        <p:blipFill>
+          <a:blip r:embed="rId2" cstate="print"/>
+          <a:srcRect/>
+          <a:stretch>
+            <a:fillRect/>
+          </a:stretch>
+        </p:blipFill>
+        <p:spPr bwMode="auto">
+          <a:xfrm>
+            <a:off x="899592" y="1700808"/>
+            <a:ext cx="3028950" cy="1562100"/>
+          </a:xfrm>
+          <a:prstGeom prst="rect">
+            <a:avLst/>
+          </a:prstGeom>
+          <a:noFill/>
+          <a:ln w="9525">
+            <a:noFill/>
+            <a:miter lim="800000"/>
+            <a:headEnd/>
+            <a:tailEnd/>
+          </a:ln>
+        </p:spPr>
+      </p:pic>
+      <p:sp>
+        <p:nvSpPr>
+          <p:cNvPr id="13" name="TextBox 12"/>
+          <p:cNvSpPr txBox="1"/>
+          <p:nvPr/>
+        </p:nvSpPr>
+        <p:spPr>
+          <a:xfrm>
+            <a:off x="4572000" y="2204864"/>
+            <a:ext cx="3570208" cy="646331"/>
+          </a:xfrm>
+          <a:prstGeom prst="rect">
+            <a:avLst/>
+          </a:prstGeom>
+          <a:noFill/>
+        </p:spPr>
+        <p:txBody>
+          <a:bodyPr wrap="none" rtlCol="0">
+            <a:spAutoFit/>
+          </a:bodyPr>
+          <a:lstStyle/>
+          <a:p>
+            <a:pPr marL="342900" indent="-342900">
+              <a:buAutoNum type="arabicPeriod"/>
+            </a:pPr>
+            <a:r>
+              <a:rPr lang="zh-CN" altLang="en-US" dirty="0" smtClean="0"/>
+              <a:t>用</a:t>
+            </a:r>
+            <a:r>
+              <a:rPr lang="en-US" altLang="zh-CN" dirty="0" smtClean="0"/>
+              <a:t>help x</a:t>
+            </a:r>
+            <a:r>
+              <a:rPr lang="zh-CN" altLang="en-US" dirty="0" smtClean="0"/>
+              <a:t>观察</a:t>
+            </a:r>
+            <a:r>
+              <a:rPr lang="en-US" altLang="zh-CN" dirty="0" smtClean="0"/>
+              <a:t>x</a:t>
+            </a:r>
+            <a:r>
+              <a:rPr lang="zh-CN" altLang="en-US" dirty="0" smtClean="0"/>
+              <a:t>命令的使用格式</a:t>
+            </a:r>
+            <a:endParaRPr lang="en-US" altLang="zh-CN" dirty="0" smtClean="0"/>
+          </a:p>
+          <a:p>
+            <a:pPr marL="342900" indent="-342900">
+              <a:buAutoNum type="arabicPeriod"/>
+            </a:pPr>
+            <a:r>
+              <a:rPr lang="zh-CN" altLang="en-US" dirty="0" smtClean="0"/>
+              <a:t>用恰当的格式观察</a:t>
+            </a:r>
+            <a:r>
+              <a:rPr lang="en-US" altLang="zh-CN" dirty="0" smtClean="0"/>
+              <a:t>p</a:t>
+            </a:r>
+            <a:endParaRPr lang="zh-CN" altLang="en-US" dirty="0"/>
+          </a:p>
+        </p:txBody>
+      </p:sp>
+    </p:spTree>
+  </p:cSld>
+  <p:clrMapOvr>
+    <a:masterClrMapping/>
+  </p:clrMapOvr>
+</p:sld>
+</file>
+
+<file path=ppt/slides/slide3.xml><?xml version="1.0" encoding="utf-8"?>
 <p:sld xmlns:a="http://schemas.openxmlformats.org/drawingml/2006/main" xmlns:r="http://schemas.openxmlformats.org/officeDocument/2006/relationships" xmlns:p="http://schemas.openxmlformats.org/presentationml/2006/main">
   <p:cSld>
     <p:spTree>
@@ -4376,52 +5195,6 @@
           </a:ln>
         </p:spPr>
       </p:pic>
-      <p:sp>
-        <p:nvSpPr>
-          <p:cNvPr id="31" name="TextBox 30"/>
-          <p:cNvSpPr txBox="1"/>
-          <p:nvPr/>
-        </p:nvSpPr>
-        <p:spPr>
-          <a:xfrm>
-            <a:off x="899592" y="5157192"/>
-            <a:ext cx="4647426" cy="369332"/>
-          </a:xfrm>
-          <a:prstGeom prst="rect">
-            <a:avLst/>
-          </a:prstGeom>
-          <a:noFill/>
-        </p:spPr>
-        <p:txBody>
-          <a:bodyPr wrap="none" rtlCol="0">
-            <a:spAutoFit/>
-          </a:bodyPr>
-          <a:lstStyle/>
-          <a:p>
-            <a:r>
-              <a:rPr lang="zh-CN" altLang="en-US" dirty="0" smtClean="0"/>
-              <a:t>用</a:t>
-            </a:r>
-            <a:r>
-              <a:rPr lang="en-US" altLang="zh-CN" dirty="0" smtClean="0"/>
-              <a:t>x</a:t>
-            </a:r>
-            <a:r>
-              <a:rPr lang="zh-CN" altLang="en-US" dirty="0" smtClean="0"/>
-              <a:t>命令观察</a:t>
-            </a:r>
-            <a:r>
-              <a:rPr lang="en-US" altLang="zh-CN" dirty="0" smtClean="0"/>
-              <a:t>pointer_arr</a:t>
-            </a:r>
-            <a:r>
-              <a:rPr lang="zh-CN" altLang="en-US" dirty="0" smtClean="0"/>
-              <a:t>中随机生成的字符串</a:t>
-            </a:r>
-            <a:endParaRPr lang="zh-CN" altLang="en-US" dirty="0"/>
-          </a:p>
-        </p:txBody>
-      </p:sp>
     </p:spTree>
   </p:cSld>
   <p:clrMapOvr>
@@ -4430,7 +5203,87 @@
 </p:sld>
 </file>
 
-<file path=ppt/slides/slide3.xml><?xml version="1.0" encoding="utf-8"?>
+<file path=ppt/slides/slide4.xml><?xml version="1.0" encoding="utf-8"?>
+<p:sld xmlns:a="http://schemas.openxmlformats.org/drawingml/2006/main" xmlns:r="http://schemas.openxmlformats.org/officeDocument/2006/relationships" xmlns:p="http://schemas.openxmlformats.org/presentationml/2006/main">
+  <p:cSld>
+    <p:spTree>
+      <p:nvGrpSpPr>
+        <p:cNvPr id="1" name=""/>
+        <p:cNvGrpSpPr/>
+        <p:nvPr/>
+      </p:nvGrpSpPr>
+      <p:grpSpPr>
+        <a:xfrm>
+          <a:off x="0" y="0"/>
+          <a:ext cx="0" cy="0"/>
+          <a:chOff x="0" y="0"/>
+          <a:chExt cx="0" cy="0"/>
+        </a:xfrm>
+      </p:grpSpPr>
+      <p:sp>
+        <p:nvSpPr>
+          <p:cNvPr id="2" name="标题 1"/>
+          <p:cNvSpPr>
+            <a:spLocks noGrp="1"/>
+          </p:cNvSpPr>
+          <p:nvPr>
+            <p:ph type="title"/>
+          </p:nvPr>
+        </p:nvSpPr>
+        <p:spPr/>
+        <p:txBody>
+          <a:bodyPr/>
+          <a:lstStyle/>
+          <a:p>
+            <a:pPr algn="l"/>
+            <a:r>
+              <a:rPr lang="zh-CN" altLang="en-US" dirty="0" smtClean="0"/>
+              <a:t>练习一</a:t>
+            </a:r>
+            <a:endParaRPr lang="zh-CN" altLang="en-US" dirty="0"/>
+          </a:p>
+        </p:txBody>
+      </p:sp>
+      <p:sp>
+        <p:nvSpPr>
+          <p:cNvPr id="3" name="内容占位符 2"/>
+          <p:cNvSpPr>
+            <a:spLocks noGrp="1"/>
+          </p:cNvSpPr>
+          <p:nvPr>
+            <p:ph idx="1"/>
+          </p:nvPr>
+        </p:nvSpPr>
+        <p:spPr/>
+        <p:txBody>
+          <a:bodyPr/>
+          <a:lstStyle/>
+          <a:p>
+            <a:r>
+              <a:rPr lang="zh-CN" altLang="en-US" sz="2800" dirty="0" smtClean="0"/>
+              <a:t>调试</a:t>
+            </a:r>
+            <a:r>
+              <a:rPr lang="en-US" altLang="zh-CN" sz="2800" dirty="0" err="1" smtClean="0"/>
+              <a:t>pointer_array</a:t>
+            </a:r>
+            <a:r>
+              <a:rPr lang="zh-CN" altLang="en-US" sz="2800" dirty="0" smtClean="0"/>
+              <a:t>，观察生成的随机字符串</a:t>
+            </a:r>
+            <a:endParaRPr lang="zh-CN" altLang="en-US" sz="2800" dirty="0"/>
+          </a:p>
+        </p:txBody>
+      </p:sp>
+    </p:spTree>
+  </p:cSld>
+  <p:clrMapOvr>
+    <a:masterClrMapping/>
+  </p:clrMapOvr>
+</p:sld>
+</file>
+
+<file path=ppt/slides/slide5.xml><?xml version="1.0" encoding="utf-8"?>
 <p:sld xmlns:a="http://schemas.openxmlformats.org/drawingml/2006/main" xmlns:r="http://schemas.openxmlformats.org/officeDocument/2006/relationships" xmlns:p="http://schemas.openxmlformats.org/presentationml/2006/main">
   <p:cSld>
     <p:bg>
@@ -4661,150 +5514,6 @@
             <a:endParaRPr lang="zh-CN" altLang="en-US" sz="2800" dirty="0">
               <a:latin typeface="微软雅黑" pitchFamily="34" charset="-122"/>
               <a:ea typeface="微软雅黑" pitchFamily="34" charset="-122"/>
-            </a:endParaRPr>
-          </a:p>
-        </p:txBody>
-      </p:sp>
-      <p:sp>
-        <p:nvSpPr>
-          <p:cNvPr id="12" name="内容占位符 2"/>
-          <p:cNvSpPr txBox="1">
-            <a:spLocks/>
-          </p:cNvSpPr>
-          <p:nvPr/>
-        </p:nvSpPr>
-        <p:spPr bwMode="auto">
-          <a:xfrm>
-            <a:off x="4572000" y="5373216"/>
-            <a:ext cx="4392488" cy="469311"/>
-          </a:xfrm>
-          <a:prstGeom prst="rect">
-            <a:avLst/>
-          </a:prstGeom>
-          <a:noFill/>
-          <a:ln w="9525">
-            <a:noFill/>
-            <a:miter lim="800000"/>
-            <a:headEnd/>
-            <a:tailEnd/>
-          </a:ln>
-        </p:spPr>
-        <p:txBody>
-          <a:bodyPr vert="horz" wrap="square" lIns="91440" tIns="45720" rIns="91440" bIns="45720" numCol="1" anchor="t" anchorCtr="0" compatLnSpc="1">
-            <a:prstTxWarp prst="textNoShape">
-              <a:avLst/>
-            </a:prstTxWarp>
-          </a:bodyPr>
-          <a:lstStyle/>
-          <a:p>
-            <a:pPr marL="0" marR="0" lvl="0" indent="0" algn="ctr" defTabSz="914400" rtl="0" eaLnBrk="0" fontAlgn="base" latinLnBrk="0" hangingPunct="0">
-              <a:lnSpc>
-                <a:spcPct val="100000"/>
-              </a:lnSpc>
-              <a:spcBef>
-                <a:spcPct val="20000"/>
-              </a:spcBef>
-              <a:spcAft>
-                <a:spcPct val="0"/>
-              </a:spcAft>
-              <a:buClrTx/>
-              <a:buSzTx/>
-              <a:buFont typeface="Arial" pitchFamily="34" charset="0"/>
-              <a:buNone/>
-              <a:tabLst/>
-              <a:defRPr/>
-            </a:pPr>
-            <a:r>
-              <a:rPr kumimoji="0" lang="en-US" altLang="zh-CN" sz="2400" b="0" i="0" u="none" strike="noStrike" kern="1200" cap="none" spc="0" normalizeH="0" baseline="0" noProof="0" dirty="0" smtClean="0">
-                <a:ln>
-                  <a:noFill/>
-                </a:ln>
-                <a:solidFill>
-                  <a:schemeClr val="tx1">
-                    <a:tint val="75000"/>
-                  </a:schemeClr>
-                </a:solidFill>
-                <a:effectLst/>
-                <a:uLnTx/>
-                <a:uFillTx/>
-                <a:latin typeface="微软雅黑" panose="020B0503020204020204" pitchFamily="34" charset="-122"/>
-                <a:ea typeface="微软雅黑" panose="020B0503020204020204" pitchFamily="34" charset="-122"/>
-                <a:cs typeface="+mn-cs"/>
-              </a:rPr>
-              <a:t>(</a:t>
-            </a:r>
-            <a:r>
-              <a:rPr kumimoji="0" lang="en-US" altLang="zh-CN" sz="2400" b="0" i="0" u="none" strike="noStrike" kern="1200" cap="none" spc="0" normalizeH="0" baseline="0" noProof="0" dirty="0" err="1" smtClean="0">
-                <a:ln>
-                  <a:noFill/>
-                </a:ln>
-                <a:solidFill>
-                  <a:schemeClr val="tx1">
-                    <a:tint val="75000"/>
-                  </a:schemeClr>
-                </a:solidFill>
-                <a:effectLst/>
-                <a:uLnTx/>
-                <a:uFillTx/>
-                <a:latin typeface="微软雅黑" panose="020B0503020204020204" pitchFamily="34" charset="-122"/>
-                <a:ea typeface="微软雅黑" panose="020B0503020204020204" pitchFamily="34" charset="-122"/>
-                <a:cs typeface="+mn-cs"/>
-              </a:rPr>
-              <a:t>gdb</a:t>
-            </a:r>
-            <a:r>
-              <a:rPr kumimoji="0" lang="en-US" altLang="zh-CN" sz="2400" b="0" i="0" u="none" strike="noStrike" kern="1200" cap="none" spc="0" normalizeH="0" baseline="0" noProof="0" dirty="0" smtClean="0">
-                <a:ln>
-                  <a:noFill/>
-                </a:ln>
-                <a:solidFill>
-                  <a:schemeClr val="tx1">
-                    <a:tint val="75000"/>
-                  </a:schemeClr>
-                </a:solidFill>
-                <a:effectLst/>
-                <a:uLnTx/>
-                <a:uFillTx/>
-                <a:latin typeface="微软雅黑" panose="020B0503020204020204" pitchFamily="34" charset="-122"/>
-                <a:ea typeface="微软雅黑" panose="020B0503020204020204" pitchFamily="34" charset="-122"/>
-                <a:cs typeface="+mn-cs"/>
-              </a:rPr>
-              <a:t>) set print pretty on</a:t>
-            </a:r>
-          </a:p>
-          <a:p>
-            <a:pPr marL="0" marR="0" lvl="0" indent="0" algn="ctr" defTabSz="914400" rtl="0" eaLnBrk="0" fontAlgn="base" latinLnBrk="0" hangingPunct="0">
-              <a:lnSpc>
-                <a:spcPct val="100000"/>
-              </a:lnSpc>
-              <a:spcBef>
-                <a:spcPct val="20000"/>
-              </a:spcBef>
-              <a:spcAft>
-                <a:spcPct val="0"/>
-              </a:spcAft>
-              <a:buClrTx/>
-              <a:buSzTx/>
-              <a:buFont typeface="Arial" pitchFamily="34" charset="0"/>
-              <a:buNone/>
-              <a:tabLst/>
-              <a:defRPr/>
-            </a:pPr>
-            <a:endParaRPr kumimoji="0" lang="zh-CN" altLang="en-US" sz="3200" b="0" i="0" u="none" strike="noStrike" kern="1200" cap="none" spc="0" normalizeH="0" baseline="0" noProof="0" dirty="0">
-              <a:ln>
-                <a:noFill/>
-              </a:ln>
-              <a:solidFill>
-                <a:schemeClr val="tx1">
-                  <a:tint val="75000"/>
-                </a:schemeClr>
-              </a:solidFill>
-              <a:effectLst/>
-              <a:uLnTx/>
-              <a:uFillTx/>
-              <a:latin typeface="微软雅黑" panose="020B0503020204020204" pitchFamily="34" charset="-122"/>
-              <a:ea typeface="微软雅黑" panose="020B0503020204020204" pitchFamily="34" charset="-122"/>
-              <a:cs typeface="+mn-cs"/>
             </a:endParaRPr>
           </a:p>
         </p:txBody>
@@ -5514,7 +6223,256 @@
 </p:sld>
 </file>
 
-<file path=ppt/slides/slide4.xml><?xml version="1.0" encoding="utf-8"?>
+<file path=ppt/slides/slide6.xml><?xml version="1.0" encoding="utf-8"?>
+<p:sld xmlns:a="http://schemas.openxmlformats.org/drawingml/2006/main" xmlns:r="http://schemas.openxmlformats.org/officeDocument/2006/relationships" xmlns:p="http://schemas.openxmlformats.org/presentationml/2006/main">
+  <p:cSld>
+    <p:spTree>
+      <p:nvGrpSpPr>
+        <p:cNvPr id="1" name=""/>
+        <p:cNvGrpSpPr/>
+        <p:nvPr/>
+      </p:nvGrpSpPr>
+      <p:grpSpPr>
+        <a:xfrm>
+          <a:off x="0" y="0"/>
+          <a:ext cx="0" cy="0"/>
+          <a:chOff x="0" y="0"/>
+          <a:chExt cx="0" cy="0"/>
+        </a:xfrm>
+      </p:grpSpPr>
+      <p:sp>
+        <p:nvSpPr>
+          <p:cNvPr id="2" name="标题 1"/>
+          <p:cNvSpPr>
+            <a:spLocks noGrp="1"/>
+          </p:cNvSpPr>
+          <p:nvPr>
+            <p:ph type="title"/>
+          </p:nvPr>
+        </p:nvSpPr>
+        <p:spPr/>
+        <p:txBody>
+          <a:bodyPr/>
+          <a:lstStyle/>
+          <a:p>
+            <a:pPr algn="l"/>
+            <a:r>
+              <a:rPr lang="zh-CN" altLang="en-US" dirty="0" smtClean="0"/>
+              <a:t>练习二</a:t>
+            </a:r>
+            <a:endParaRPr lang="zh-CN" altLang="en-US" dirty="0"/>
+          </a:p>
+        </p:txBody>
+      </p:sp>
+      <p:sp>
+        <p:nvSpPr>
+          <p:cNvPr id="3" name="内容占位符 2"/>
+          <p:cNvSpPr>
+            <a:spLocks noGrp="1"/>
+          </p:cNvSpPr>
+          <p:nvPr>
+            <p:ph idx="1"/>
+          </p:nvPr>
+        </p:nvSpPr>
+        <p:spPr/>
+        <p:txBody>
+          <a:bodyPr/>
+          <a:lstStyle/>
+          <a:p>
+            <a:r>
+              <a:rPr lang="zh-CN" altLang="en-US" sz="2800" dirty="0" smtClean="0"/>
+              <a:t>调试</a:t>
+            </a:r>
+            <a:r>
+              <a:rPr lang="en-US" altLang="zh-CN" sz="2800" dirty="0" err="1" smtClean="0"/>
+              <a:t>sample_array</a:t>
+            </a:r>
+            <a:r>
+              <a:rPr lang="zh-CN" altLang="en-US" sz="2800" dirty="0" smtClean="0"/>
+              <a:t>写</a:t>
+            </a:r>
+            <a:r>
+              <a:rPr lang="zh-CN" altLang="en-US" sz="2800" dirty="0" smtClean="0"/>
+              <a:t>出生成的</a:t>
+            </a:r>
+            <a:r>
+              <a:rPr lang="en-US" altLang="zh-CN" sz="2800" dirty="0" smtClean="0"/>
+              <a:t>10</a:t>
+            </a:r>
+            <a:r>
+              <a:rPr lang="zh-CN" altLang="en-US" sz="2800" dirty="0" smtClean="0"/>
+              <a:t>个</a:t>
+            </a:r>
+            <a:r>
+              <a:rPr lang="en-US" altLang="zh-CN" sz="2800" dirty="0" smtClean="0"/>
+              <a:t>Sample</a:t>
+            </a:r>
+            <a:r>
+              <a:rPr lang="zh-CN" altLang="en-US" sz="2800" dirty="0" smtClean="0"/>
+              <a:t>变量</a:t>
+            </a:r>
+            <a:endParaRPr lang="zh-CN" altLang="en-US" sz="2800" dirty="0"/>
+          </a:p>
+        </p:txBody>
+      </p:sp>
+    </p:spTree>
+  </p:cSld>
+  <p:clrMapOvr>
+    <a:masterClrMapping/>
+  </p:clrMapOvr>
+</p:sld>
+</file>
+
+<file path=ppt/slides/slide7.xml><?xml version="1.0" encoding="utf-8"?>
+<p:sld xmlns:a="http://schemas.openxmlformats.org/drawingml/2006/main" xmlns:r="http://schemas.openxmlformats.org/officeDocument/2006/relationships" xmlns:p="http://schemas.openxmlformats.org/presentationml/2006/main">
+  <p:cSld>
+    <p:spTree>
+      <p:nvGrpSpPr>
+        <p:cNvPr id="1" name=""/>
+        <p:cNvGrpSpPr/>
+        <p:nvPr/>
+      </p:nvGrpSpPr>
+      <p:grpSpPr>
+        <a:xfrm>
+          <a:off x="0" y="0"/>
+          <a:ext cx="0" cy="0"/>
+          <a:chOff x="0" y="0"/>
+          <a:chExt cx="0" cy="0"/>
+        </a:xfrm>
+      </p:grpSpPr>
+      <p:sp>
+        <p:nvSpPr>
+          <p:cNvPr id="2" name="标题 1"/>
+          <p:cNvSpPr>
+            <a:spLocks noGrp="1"/>
+          </p:cNvSpPr>
+          <p:nvPr>
+            <p:ph type="title"/>
+          </p:nvPr>
+        </p:nvSpPr>
+        <p:spPr/>
+        <p:txBody>
+          <a:bodyPr/>
+          <a:lstStyle/>
+          <a:p>
+            <a:pPr algn="l"/>
+            <a:r>
+              <a:rPr lang="zh-CN" altLang="en-US" dirty="0" smtClean="0"/>
+              <a:t>练习三</a:t>
+            </a:r>
+            <a:endParaRPr lang="zh-CN" altLang="en-US" dirty="0"/>
+          </a:p>
+        </p:txBody>
+      </p:sp>
+      <p:sp>
+        <p:nvSpPr>
+          <p:cNvPr id="3" name="内容占位符 2"/>
+          <p:cNvSpPr>
+            <a:spLocks noGrp="1"/>
+          </p:cNvSpPr>
+          <p:nvPr>
+            <p:ph idx="1"/>
+          </p:nvPr>
+        </p:nvSpPr>
+        <p:spPr>
+          <a:xfrm>
+            <a:off x="457200" y="1600201"/>
+            <a:ext cx="7427168" cy="748680"/>
+          </a:xfrm>
+        </p:spPr>
+        <p:txBody>
+          <a:bodyPr/>
+          <a:lstStyle/>
+          <a:p>
+            <a:r>
+              <a:rPr lang="zh-CN" altLang="en-US" dirty="0" smtClean="0"/>
+              <a:t>找出第</a:t>
+            </a:r>
+            <a:r>
+              <a:rPr lang="en-US" altLang="zh-CN" dirty="0" smtClean="0"/>
+              <a:t>99</a:t>
+            </a:r>
+            <a:r>
+              <a:rPr lang="zh-CN" altLang="en-US" dirty="0" smtClean="0"/>
+              <a:t>个学生的信息</a:t>
+            </a:r>
+            <a:endParaRPr lang="zh-CN" altLang="en-US" dirty="0"/>
+          </a:p>
+        </p:txBody>
+      </p:sp>
+      <p:pic>
+        <p:nvPicPr>
+          <p:cNvPr id="2050" name="Picture 2"/>
+          <p:cNvPicPr>
+            <a:picLocks noChangeAspect="1" noChangeArrowheads="1"/>
+          </p:cNvPicPr>
+          <p:nvPr/>
+        </p:nvPicPr>
+        <p:blipFill>
+          <a:blip r:embed="rId2" cstate="print"/>
+          <a:srcRect/>
+          <a:stretch>
+            <a:fillRect/>
+          </a:stretch>
+        </p:blipFill>
+        <p:spPr bwMode="auto">
+          <a:xfrm>
+            <a:off x="683568" y="2636912"/>
+            <a:ext cx="2057400" cy="1685925"/>
+          </a:xfrm>
+          <a:prstGeom prst="rect">
+            <a:avLst/>
+          </a:prstGeom>
+          <a:noFill/>
+          <a:ln w="9525">
+            <a:noFill/>
+            <a:miter lim="800000"/>
+            <a:headEnd/>
+            <a:tailEnd/>
+          </a:ln>
+        </p:spPr>
+      </p:pic>
+      <p:pic>
+        <p:nvPicPr>
+          <p:cNvPr id="2052" name="Picture 4"/>
+          <p:cNvPicPr>
+            <a:picLocks noChangeAspect="1" noChangeArrowheads="1"/>
+          </p:cNvPicPr>
+          <p:nvPr/>
+        </p:nvPicPr>
+        <p:blipFill>
+          <a:blip r:embed="rId3" cstate="print"/>
+          <a:srcRect/>
+          <a:stretch>
+            <a:fillRect/>
+          </a:stretch>
+        </p:blipFill>
+        <p:spPr bwMode="auto">
+          <a:xfrm>
+            <a:off x="3779912" y="2492896"/>
+            <a:ext cx="3886200" cy="3152775"/>
+          </a:xfrm>
+          <a:prstGeom prst="rect">
+            <a:avLst/>
+          </a:prstGeom>
+          <a:noFill/>
+          <a:ln w="9525">
+            <a:noFill/>
+            <a:miter lim="800000"/>
+            <a:headEnd/>
+            <a:tailEnd/>
+          </a:ln>
+        </p:spPr>
+      </p:pic>
+    </p:spTree>
+  </p:cSld>
+  <p:clrMapOvr>
+    <a:masterClrMapping/>
+  </p:clrMapOvr>
+</p:sld>
+</file>
+
+<file path=ppt/slides/slide8.xml><?xml version="1.0" encoding="utf-8"?>
 <p:sld xmlns:a="http://schemas.openxmlformats.org/drawingml/2006/main" xmlns:r="http://schemas.openxmlformats.org/officeDocument/2006/relationships" xmlns:p="http://schemas.openxmlformats.org/presentationml/2006/main">
   <p:cSld>
     <p:spTree>
@@ -5758,14 +6716,7 @@
                 <a:latin typeface="微软雅黑" pitchFamily="34" charset="-122"/>
                 <a:ea typeface="微软雅黑" pitchFamily="34" charset="-122"/>
               </a:rPr>
-              <a:t>分</a:t>
-            </a:r>
-            <a:r>
-              <a:rPr lang="zh-CN" altLang="en-US" sz="2800" dirty="0" smtClean="0">
-                <a:latin typeface="微软雅黑" pitchFamily="34" charset="-122"/>
-                <a:ea typeface="微软雅黑" pitchFamily="34" charset="-122"/>
-              </a:rPr>
-              <a:t>析</a:t>
+              <a:t>分析</a:t>
             </a:r>
             <a:r>
               <a:rPr lang="en-US" altLang="zh-CN" sz="2800" dirty="0" err="1" smtClean="0">
@@ -5866,7 +6817,7 @@
 </p:sld>
 </file>
 
-<file path=ppt/slides/slide5.xml><?xml version="1.0" encoding="utf-8"?>
+<file path=ppt/slides/slide9.xml><?xml version="1.0" encoding="utf-8"?>
 <p:sld xmlns:a="http://schemas.openxmlformats.org/drawingml/2006/main" xmlns:r="http://schemas.openxmlformats.org/officeDocument/2006/relationships" xmlns:p="http://schemas.openxmlformats.org/presentationml/2006/main">
   <p:cSld>
     <p:spTree>
@@ -5885,75 +6836,297 @@
       </p:grpSpPr>
       <p:sp>
         <p:nvSpPr>
-          <p:cNvPr id="2" name="标题 1"/>
-          <p:cNvSpPr>
-            <a:spLocks noGrp="1"/>
-          </p:cNvSpPr>
-          <p:nvPr>
-            <p:ph type="title"/>
-          </p:nvPr>
-        </p:nvSpPr>
-        <p:spPr/>
-        <p:txBody>
-          <a:bodyPr/>
+          <p:cNvPr id="3074" name="TextBox 5" hidden="1"/>
+          <p:cNvSpPr txBox="1">
+            <a:spLocks noChangeArrowheads="1"/>
+          </p:cNvSpPr>
+          <p:nvPr/>
+        </p:nvSpPr>
+        <p:spPr bwMode="auto">
+          <a:xfrm>
+            <a:off x="1939925" y="1954213"/>
+            <a:ext cx="1943100" cy="369887"/>
+          </a:xfrm>
+          <a:prstGeom prst="rect">
+            <a:avLst/>
+          </a:prstGeom>
+          <a:noFill/>
+          <a:ln w="9525">
+            <a:noFill/>
+            <a:miter lim="800000"/>
+            <a:headEnd/>
+            <a:tailEnd/>
+          </a:ln>
+        </p:spPr>
+        <p:txBody>
+          <a:bodyPr>
+            <a:spAutoFit/>
+          </a:bodyPr>
           <a:lstStyle/>
           <a:p>
             <a:r>
-              <a:rPr lang="en-US" altLang="zh-CN" dirty="0" smtClean="0"/>
-              <a:t>Q &amp; A</a:t>
-            </a:r>
-            <a:endParaRPr lang="zh-CN" altLang="en-US" dirty="0"/>
-          </a:p>
-        </p:txBody>
-      </p:sp>
-    </p:spTree>
-  </p:cSld>
-  <p:clrMapOvr>
-    <a:masterClrMapping/>
-  </p:clrMapOvr>
-</p:sld>
-</file>
-
-<file path=ppt/slides/slide6.xml><?xml version="1.0" encoding="utf-8"?>
-<p:sld xmlns:a="http://schemas.openxmlformats.org/drawingml/2006/main" xmlns:r="http://schemas.openxmlformats.org/officeDocument/2006/relationships" xmlns:p="http://schemas.openxmlformats.org/presentationml/2006/main">
-  <p:cSld>
-    <p:spTree>
-      <p:nvGrpSpPr>
-        <p:cNvPr id="1" name=""/>
-        <p:cNvGrpSpPr/>
-        <p:nvPr/>
-      </p:nvGrpSpPr>
-      <p:grpSpPr>
-        <a:xfrm>
-          <a:off x="0" y="0"/>
-          <a:ext cx="0" cy="0"/>
-          <a:chOff x="0" y="0"/>
-          <a:chExt cx="0" cy="0"/>
-        </a:xfrm>
-      </p:grpSpPr>
-      <p:sp>
-        <p:nvSpPr>
-          <p:cNvPr id="2" name="标题 1"/>
-          <p:cNvSpPr>
-            <a:spLocks noGrp="1"/>
-          </p:cNvSpPr>
-          <p:nvPr>
-            <p:ph type="title"/>
-          </p:nvPr>
-        </p:nvSpPr>
-        <p:spPr/>
-        <p:txBody>
-          <a:bodyPr/>
+              <a:rPr lang="zh-CN" altLang="en-US">
+                <a:latin typeface="微软雅黑" pitchFamily="34" charset="-122"/>
+                <a:ea typeface="微软雅黑" pitchFamily="34" charset="-122"/>
+              </a:rPr>
+              <a:t>点击添加文本</a:t>
+            </a:r>
+          </a:p>
+        </p:txBody>
+      </p:sp>
+      <p:sp>
+        <p:nvSpPr>
+          <p:cNvPr id="3075" name="矩形 6" hidden="1"/>
+          <p:cNvSpPr>
+            <a:spLocks noChangeArrowheads="1"/>
+          </p:cNvSpPr>
+          <p:nvPr/>
+        </p:nvSpPr>
+        <p:spPr bwMode="auto">
+          <a:xfrm>
+            <a:off x="1939925" y="3025775"/>
+            <a:ext cx="1471613" cy="646113"/>
+          </a:xfrm>
+          <a:prstGeom prst="rect">
+            <a:avLst/>
+          </a:prstGeom>
+          <a:noFill/>
+          <a:ln w="9525">
+            <a:noFill/>
+            <a:miter lim="800000"/>
+            <a:headEnd/>
+            <a:tailEnd/>
+          </a:ln>
+        </p:spPr>
+        <p:txBody>
+          <a:bodyPr>
+            <a:spAutoFit/>
+          </a:bodyPr>
           <a:lstStyle/>
           <a:p>
             <a:r>
-              <a:rPr lang="en-US" altLang="zh-CN" dirty="0" smtClean="0"/>
-              <a:t>Thank You</a:t>
-            </a:r>
-            <a:endParaRPr lang="zh-CN" altLang="en-US" dirty="0"/>
-          </a:p>
-        </p:txBody>
-      </p:sp>
+              <a:rPr lang="zh-CN" altLang="en-US">
+                <a:latin typeface="微软雅黑" pitchFamily="34" charset="-122"/>
+                <a:ea typeface="微软雅黑" pitchFamily="34" charset="-122"/>
+              </a:rPr>
+              <a:t>点击添加文本</a:t>
+            </a:r>
+          </a:p>
+        </p:txBody>
+      </p:sp>
+      <p:sp>
+        <p:nvSpPr>
+          <p:cNvPr id="3076" name="矩形 7" hidden="1"/>
+          <p:cNvSpPr>
+            <a:spLocks noChangeArrowheads="1"/>
+          </p:cNvSpPr>
+          <p:nvPr/>
+        </p:nvSpPr>
+        <p:spPr bwMode="auto">
+          <a:xfrm>
+            <a:off x="2011363" y="4240213"/>
+            <a:ext cx="1471612" cy="646112"/>
+          </a:xfrm>
+          <a:prstGeom prst="rect">
+            <a:avLst/>
+          </a:prstGeom>
+          <a:noFill/>
+          <a:ln w="9525">
+            <a:noFill/>
+            <a:miter lim="800000"/>
+            <a:headEnd/>
+            <a:tailEnd/>
+          </a:ln>
+        </p:spPr>
+        <p:txBody>
+          <a:bodyPr>
+            <a:spAutoFit/>
+          </a:bodyPr>
+          <a:lstStyle/>
+          <a:p>
+            <a:r>
+              <a:rPr lang="zh-CN" altLang="en-US">
+                <a:latin typeface="微软雅黑" pitchFamily="34" charset="-122"/>
+                <a:ea typeface="微软雅黑" pitchFamily="34" charset="-122"/>
+              </a:rPr>
+              <a:t>点击添加文本</a:t>
+            </a:r>
+          </a:p>
+        </p:txBody>
+      </p:sp>
+      <p:sp>
+        <p:nvSpPr>
+          <p:cNvPr id="3077" name="矩形 8" hidden="1"/>
+          <p:cNvSpPr>
+            <a:spLocks noChangeArrowheads="1"/>
+          </p:cNvSpPr>
+          <p:nvPr/>
+        </p:nvSpPr>
+        <p:spPr bwMode="auto">
+          <a:xfrm>
+            <a:off x="2011363" y="5526088"/>
+            <a:ext cx="1471612" cy="646112"/>
+          </a:xfrm>
+          <a:prstGeom prst="rect">
+            <a:avLst/>
+          </a:prstGeom>
+          <a:noFill/>
+          <a:ln w="9525">
+            <a:noFill/>
+            <a:miter lim="800000"/>
+            <a:headEnd/>
+            <a:tailEnd/>
+          </a:ln>
+        </p:spPr>
+        <p:txBody>
+          <a:bodyPr>
+            <a:spAutoFit/>
+          </a:bodyPr>
+          <a:lstStyle/>
+          <a:p>
+            <a:r>
+              <a:rPr lang="zh-CN" altLang="en-US">
+                <a:latin typeface="微软雅黑" pitchFamily="34" charset="-122"/>
+                <a:ea typeface="微软雅黑" pitchFamily="34" charset="-122"/>
+              </a:rPr>
+              <a:t>点击添加文本</a:t>
+            </a:r>
+          </a:p>
+        </p:txBody>
+      </p:sp>
+      <p:sp>
+        <p:nvSpPr>
+          <p:cNvPr id="11" name="TextBox 12"/>
+          <p:cNvSpPr txBox="1">
+            <a:spLocks noChangeArrowheads="1"/>
+          </p:cNvSpPr>
+          <p:nvPr/>
+        </p:nvSpPr>
+        <p:spPr bwMode="auto">
+          <a:xfrm>
+            <a:off x="323528" y="500063"/>
+            <a:ext cx="7888361" cy="523220"/>
+          </a:xfrm>
+          <a:prstGeom prst="rect">
+            <a:avLst/>
+          </a:prstGeom>
+          <a:noFill/>
+          <a:ln w="9525">
+            <a:noFill/>
+            <a:miter lim="800000"/>
+            <a:headEnd/>
+            <a:tailEnd/>
+          </a:ln>
+        </p:spPr>
+        <p:txBody>
+          <a:bodyPr wrap="square">
+            <a:spAutoFit/>
+          </a:bodyPr>
+          <a:lstStyle/>
+          <a:p>
+            <a:r>
+              <a:rPr lang="zh-CN" altLang="en-US" sz="2800" dirty="0" smtClean="0">
+                <a:latin typeface="微软雅黑" pitchFamily="34" charset="-122"/>
+                <a:ea typeface="微软雅黑" pitchFamily="34" charset="-122"/>
+              </a:rPr>
+              <a:t>分</a:t>
+            </a:r>
+            <a:r>
+              <a:rPr lang="zh-CN" altLang="en-US" sz="2800" dirty="0" smtClean="0">
+                <a:latin typeface="微软雅黑" pitchFamily="34" charset="-122"/>
+                <a:ea typeface="微软雅黑" pitchFamily="34" charset="-122"/>
+              </a:rPr>
+              <a:t>析</a:t>
+            </a:r>
+            <a:r>
+              <a:rPr lang="en-US" altLang="zh-CN" sz="2800" i="1" dirty="0" err="1" smtClean="0"/>
+              <a:t>xmlNode</a:t>
+            </a:r>
+            <a:r>
+              <a:rPr lang="zh-CN" altLang="en-US" sz="2800" dirty="0" smtClean="0">
+                <a:latin typeface="微软雅黑" pitchFamily="34" charset="-122"/>
+                <a:ea typeface="微软雅黑" pitchFamily="34" charset="-122"/>
+              </a:rPr>
+              <a:t>内</a:t>
+            </a:r>
+            <a:r>
+              <a:rPr lang="zh-CN" altLang="en-US" sz="2800" dirty="0" smtClean="0">
+                <a:latin typeface="微软雅黑" pitchFamily="34" charset="-122"/>
+                <a:ea typeface="微软雅黑" pitchFamily="34" charset="-122"/>
+              </a:rPr>
+              <a:t>存结构</a:t>
+            </a:r>
+            <a:endParaRPr lang="zh-CN" altLang="en-US" sz="2800" dirty="0">
+              <a:latin typeface="微软雅黑" pitchFamily="34" charset="-122"/>
+              <a:ea typeface="微软雅黑" pitchFamily="34" charset="-122"/>
+            </a:endParaRPr>
+          </a:p>
+        </p:txBody>
+      </p:sp>
+      <p:pic>
+        <p:nvPicPr>
+          <p:cNvPr id="2" name="Picture 2"/>
+          <p:cNvPicPr>
+            <a:picLocks noChangeAspect="1" noChangeArrowheads="1"/>
+          </p:cNvPicPr>
+          <p:nvPr/>
+        </p:nvPicPr>
+        <p:blipFill>
+          <a:blip r:embed="rId2" cstate="print"/>
+          <a:srcRect/>
+          <a:stretch>
+            <a:fillRect/>
+          </a:stretch>
+        </p:blipFill>
+        <p:spPr bwMode="auto">
+          <a:xfrm>
+            <a:off x="895350" y="1268760"/>
+            <a:ext cx="3676650" cy="4514850"/>
+          </a:xfrm>
+          <a:prstGeom prst="rect">
+            <a:avLst/>
+          </a:prstGeom>
+          <a:noFill/>
+          <a:ln w="9525">
+            <a:noFill/>
+            <a:miter lim="800000"/>
+            <a:headEnd/>
+            <a:tailEnd/>
+          </a:ln>
+        </p:spPr>
+      </p:pic>
+      <p:pic>
+        <p:nvPicPr>
+          <p:cNvPr id="4" name="Picture 3"/>
+          <p:cNvPicPr>
+            <a:picLocks noChangeAspect="1" noChangeArrowheads="1"/>
+          </p:cNvPicPr>
+          <p:nvPr/>
+        </p:nvPicPr>
+        <p:blipFill>
+          <a:blip r:embed="rId3" cstate="print"/>
+          <a:srcRect/>
+          <a:stretch>
+            <a:fillRect/>
+          </a:stretch>
+        </p:blipFill>
+        <p:spPr bwMode="auto">
+          <a:xfrm>
+            <a:off x="4427984" y="1196752"/>
+            <a:ext cx="4555205" cy="4704556"/>
+          </a:xfrm>
+          <a:prstGeom prst="rect">
+            <a:avLst/>
+          </a:prstGeom>
+          <a:noFill/>
+          <a:ln w="9525">
+            <a:noFill/>
+            <a:miter lim="800000"/>
+            <a:headEnd/>
+            <a:tailEnd/>
+          </a:ln>
+        </p:spPr>
+      </p:pic>
     </p:spTree>
   </p:cSld>
   <p:clrMapOvr>

--- a/session2/Debugging Workshop 2.pptx
+++ b/session2/Debugging Workshop 2.pptx
@@ -248,7 +248,7 @@
               <a:pPr>
                 <a:defRPr/>
               </a:pPr>
-              <a:t>2015/11/26 Thursday</a:t>
+              <a:t>2015/12/4 Friday</a:t>
             </a:fld>
             <a:endParaRPr lang="zh-CN" altLang="en-US"/>
           </a:p>
@@ -749,7 +749,7 @@
               <a:pPr>
                 <a:defRPr/>
               </a:pPr>
-              <a:t>2015/11/26 Thursday</a:t>
+              <a:t>2015/12/4 Friday</a:t>
             </a:fld>
             <a:endParaRPr lang="zh-CN" altLang="en-US"/>
           </a:p>
@@ -941,7 +941,7 @@
               <a:pPr>
                 <a:defRPr/>
               </a:pPr>
-              <a:t>2015/11/26 Thursday</a:t>
+              <a:t>2015/12/4 Friday</a:t>
             </a:fld>
             <a:endParaRPr lang="zh-CN" altLang="en-US"/>
           </a:p>
@@ -1143,7 +1143,7 @@
               <a:pPr>
                 <a:defRPr/>
               </a:pPr>
-              <a:t>2015/11/26 Thursday</a:t>
+              <a:t>2015/12/4 Friday</a:t>
             </a:fld>
             <a:endParaRPr lang="zh-CN" altLang="en-US"/>
           </a:p>
@@ -1335,7 +1335,7 @@
               <a:pPr>
                 <a:defRPr/>
               </a:pPr>
-              <a:t>2015/11/26 Thursday</a:t>
+              <a:t>2015/12/4 Friday</a:t>
             </a:fld>
             <a:endParaRPr lang="zh-CN" altLang="en-US"/>
           </a:p>
@@ -1603,7 +1603,7 @@
               <a:pPr>
                 <a:defRPr/>
               </a:pPr>
-              <a:t>2015/11/26 Thursday</a:t>
+              <a:t>2015/12/4 Friday</a:t>
             </a:fld>
             <a:endParaRPr lang="zh-CN" altLang="en-US"/>
           </a:p>
@@ -1913,7 +1913,7 @@
               <a:pPr>
                 <a:defRPr/>
               </a:pPr>
-              <a:t>2015/11/26 Thursday</a:t>
+              <a:t>2015/12/4 Friday</a:t>
             </a:fld>
             <a:endParaRPr lang="zh-CN" altLang="en-US"/>
           </a:p>
@@ -2357,7 +2357,7 @@
               <a:pPr>
                 <a:defRPr/>
               </a:pPr>
-              <a:t>2015/11/26 Thursday</a:t>
+              <a:t>2015/12/4 Friday</a:t>
             </a:fld>
             <a:endParaRPr lang="zh-CN" altLang="en-US"/>
           </a:p>
@@ -2497,7 +2497,7 @@
               <a:pPr>
                 <a:defRPr/>
               </a:pPr>
-              <a:t>2015/11/26 Thursday</a:t>
+              <a:t>2015/12/4 Friday</a:t>
             </a:fld>
             <a:endParaRPr lang="zh-CN" altLang="en-US"/>
           </a:p>
@@ -2614,7 +2614,7 @@
               <a:pPr>
                 <a:defRPr/>
               </a:pPr>
-              <a:t>2015/11/26 Thursday</a:t>
+              <a:t>2015/12/4 Friday</a:t>
             </a:fld>
             <a:endParaRPr lang="zh-CN" altLang="en-US"/>
           </a:p>
@@ -2913,7 +2913,7 @@
               <a:pPr>
                 <a:defRPr/>
               </a:pPr>
-              <a:t>2015/11/26 Thursday</a:t>
+              <a:t>2015/12/4 Friday</a:t>
             </a:fld>
             <a:endParaRPr lang="zh-CN" altLang="en-US"/>
           </a:p>
@@ -3191,7 +3191,7 @@
               <a:pPr>
                 <a:defRPr/>
               </a:pPr>
-              <a:t>2015/11/26 Thursday</a:t>
+              <a:t>2015/12/4 Friday</a:t>
             </a:fld>
             <a:endParaRPr lang="zh-CN" altLang="en-US"/>
           </a:p>
@@ -3447,7 +3447,7 @@
               <a:pPr>
                 <a:defRPr/>
               </a:pPr>
-              <a:t>2015/11/26 Thursday</a:t>
+              <a:t>2015/12/4 Friday</a:t>
             </a:fld>
             <a:endParaRPr lang="zh-CN" altLang="en-US"/>
           </a:p>
@@ -4791,14 +4791,7 @@
                 <a:latin typeface="微软雅黑" pitchFamily="34" charset="-122"/>
                 <a:ea typeface="微软雅黑" pitchFamily="34" charset="-122"/>
               </a:rPr>
-              <a:t>S</a:t>
-            </a:r>
-            <a:r>
-              <a:rPr lang="en-US" altLang="zh-CN" sz="2800" dirty="0" smtClean="0">
-                <a:latin typeface="微软雅黑" pitchFamily="34" charset="-122"/>
-                <a:ea typeface="微软雅黑" pitchFamily="34" charset="-122"/>
-              </a:rPr>
-              <a:t>tring </a:t>
+              <a:t>String </a:t>
             </a:r>
             <a:endParaRPr lang="zh-CN" altLang="en-US" sz="2800" dirty="0">
               <a:latin typeface="微软雅黑" pitchFamily="34" charset="-122"/>
@@ -6289,11 +6282,7 @@
             </a:r>
             <a:r>
               <a:rPr lang="zh-CN" altLang="en-US" sz="2800" dirty="0" smtClean="0"/>
-              <a:t>写</a:t>
-            </a:r>
-            <a:r>
-              <a:rPr lang="zh-CN" altLang="en-US" sz="2800" dirty="0" smtClean="0"/>
-              <a:t>出生成的</a:t>
+              <a:t>写出生成的</a:t>
             </a:r>
             <a:r>
               <a:rPr lang="en-US" altLang="zh-CN" sz="2800" dirty="0" smtClean="0"/>
@@ -7029,32 +7018,18 @@
                 <a:latin typeface="微软雅黑" pitchFamily="34" charset="-122"/>
                 <a:ea typeface="微软雅黑" pitchFamily="34" charset="-122"/>
               </a:rPr>
-              <a:t>分</a:t>
+              <a:t>分析</a:t>
+            </a:r>
+            <a:r>
+              <a:rPr lang="en-US" altLang="zh-CN" sz="2800" i="1" dirty="0" err="1" smtClean="0"/>
+              <a:t>xmlNode</a:t>
             </a:r>
             <a:r>
               <a:rPr lang="zh-CN" altLang="en-US" sz="2800" dirty="0" smtClean="0">
                 <a:latin typeface="微软雅黑" pitchFamily="34" charset="-122"/>
                 <a:ea typeface="微软雅黑" pitchFamily="34" charset="-122"/>
               </a:rPr>
-              <a:t>析</a:t>
-            </a:r>
-            <a:r>
-              <a:rPr lang="en-US" altLang="zh-CN" sz="2800" i="1" dirty="0" err="1" smtClean="0"/>
-              <a:t>xmlNode</a:t>
-            </a:r>
-            <a:r>
-              <a:rPr lang="zh-CN" altLang="en-US" sz="2800" dirty="0" smtClean="0">
-                <a:latin typeface="微软雅黑" pitchFamily="34" charset="-122"/>
-                <a:ea typeface="微软雅黑" pitchFamily="34" charset="-122"/>
-              </a:rPr>
-              <a:t>内</a:t>
-            </a:r>
-            <a:r>
-              <a:rPr lang="zh-CN" altLang="en-US" sz="2800" dirty="0" smtClean="0">
-                <a:latin typeface="微软雅黑" pitchFamily="34" charset="-122"/>
-                <a:ea typeface="微软雅黑" pitchFamily="34" charset="-122"/>
-              </a:rPr>
-              <a:t>存结构</a:t>
+              <a:t>内存结构</a:t>
             </a:r>
             <a:endParaRPr lang="zh-CN" altLang="en-US" sz="2800" dirty="0">
               <a:latin typeface="微软雅黑" pitchFamily="34" charset="-122"/>

--- a/session2/Debugging Workshop 2.pptx
+++ b/session2/Debugging Workshop 2.pptx
@@ -5,7 +5,7 @@
     <p:sldMasterId id="2147483648" r:id="rId1"/>
   </p:sldMasterIdLst>
   <p:notesMasterIdLst>
-    <p:notesMasterId r:id="rId14"/>
+    <p:notesMasterId r:id="rId16"/>
   </p:notesMasterIdLst>
   <p:sldIdLst>
     <p:sldId id="256" r:id="rId2"/>
@@ -17,9 +17,11 @@
     <p:sldId id="295" r:id="rId8"/>
     <p:sldId id="290" r:id="rId9"/>
     <p:sldId id="292" r:id="rId10"/>
-    <p:sldId id="296" r:id="rId11"/>
-    <p:sldId id="287" r:id="rId12"/>
-    <p:sldId id="288" r:id="rId13"/>
+    <p:sldId id="297" r:id="rId11"/>
+    <p:sldId id="298" r:id="rId12"/>
+    <p:sldId id="296" r:id="rId13"/>
+    <p:sldId id="287" r:id="rId14"/>
+    <p:sldId id="288" r:id="rId15"/>
   </p:sldIdLst>
   <p:sldSz cx="9144000" cy="6858000" type="screen4x3"/>
   <p:notesSz cx="6858000" cy="9144000"/>
@@ -4116,362 +4118,1171 @@
       </p:grpSpPr>
       <p:sp>
         <p:nvSpPr>
-          <p:cNvPr id="3074" name="TextBox 5" hidden="1"/>
-          <p:cNvSpPr txBox="1">
-            <a:spLocks noChangeArrowheads="1"/>
-          </p:cNvSpPr>
+          <p:cNvPr id="4" name="TextBox 3"/>
+          <p:cNvSpPr txBox="1"/>
           <p:nvPr/>
         </p:nvSpPr>
-        <p:spPr bwMode="auto">
+        <p:spPr>
           <a:xfrm>
-            <a:off x="1939925" y="1954213"/>
-            <a:ext cx="1943100" cy="369887"/>
+            <a:off x="395536" y="692696"/>
+            <a:ext cx="4390946" cy="369332"/>
           </a:xfrm>
           <a:prstGeom prst="rect">
             <a:avLst/>
           </a:prstGeom>
           <a:noFill/>
-          <a:ln w="9525">
-            <a:noFill/>
-            <a:miter lim="800000"/>
-            <a:headEnd/>
-            <a:tailEnd/>
-          </a:ln>
         </p:spPr>
         <p:txBody>
-          <a:bodyPr>
+          <a:bodyPr wrap="none" rtlCol="0">
             <a:spAutoFit/>
           </a:bodyPr>
           <a:lstStyle/>
           <a:p>
             <a:r>
-              <a:rPr lang="zh-CN" altLang="en-US">
-                <a:latin typeface="微软雅黑" pitchFamily="34" charset="-122"/>
-                <a:ea typeface="微软雅黑" pitchFamily="34" charset="-122"/>
-              </a:rPr>
-              <a:t>点击添加文本</a:t>
-            </a:r>
-          </a:p>
-        </p:txBody>
-      </p:sp>
-      <p:sp>
-        <p:nvSpPr>
-          <p:cNvPr id="3075" name="矩形 6" hidden="1"/>
-          <p:cNvSpPr>
-            <a:spLocks noChangeArrowheads="1"/>
-          </p:cNvSpPr>
+              <a:rPr lang="en-US" altLang="zh-CN" dirty="0" err="1" smtClean="0"/>
+              <a:t>xmlDocSetRootElement</a:t>
+            </a:r>
+            <a:r>
+              <a:rPr lang="en-US" altLang="zh-CN" dirty="0" smtClean="0"/>
+              <a:t>(doc, </a:t>
+            </a:r>
+            <a:r>
+              <a:rPr lang="en-US" altLang="zh-CN" dirty="0" err="1" smtClean="0"/>
+              <a:t>root_node</a:t>
+            </a:r>
+            <a:r>
+              <a:rPr lang="en-US" altLang="zh-CN" dirty="0" smtClean="0"/>
+              <a:t>);</a:t>
+            </a:r>
+            <a:endParaRPr lang="zh-CN" altLang="en-US" dirty="0"/>
+          </a:p>
+        </p:txBody>
+      </p:sp>
+      <p:sp>
+        <p:nvSpPr>
+          <p:cNvPr id="5" name="矩形 4"/>
+          <p:cNvSpPr/>
           <p:nvPr/>
         </p:nvSpPr>
-        <p:spPr bwMode="auto">
+        <p:spPr>
           <a:xfrm>
-            <a:off x="1939925" y="3025775"/>
-            <a:ext cx="1471613" cy="646113"/>
+            <a:off x="899592" y="1988840"/>
+            <a:ext cx="1152128" cy="360040"/>
           </a:xfrm>
           <a:prstGeom prst="rect">
             <a:avLst/>
           </a:prstGeom>
           <a:noFill/>
-          <a:ln w="9525">
-            <a:noFill/>
-            <a:miter lim="800000"/>
-            <a:headEnd/>
-            <a:tailEnd/>
+          <a:ln>
+            <a:solidFill>
+              <a:schemeClr val="tx1"/>
+            </a:solidFill>
           </a:ln>
         </p:spPr>
-        <p:txBody>
-          <a:bodyPr>
-            <a:spAutoFit/>
-          </a:bodyPr>
+        <p:style>
+          <a:lnRef idx="2">
+            <a:schemeClr val="accent1">
+              <a:shade val="50000"/>
+            </a:schemeClr>
+          </a:lnRef>
+          <a:fillRef idx="1">
+            <a:schemeClr val="accent1"/>
+          </a:fillRef>
+          <a:effectRef idx="0">
+            <a:schemeClr val="accent1"/>
+          </a:effectRef>
+          <a:fontRef idx="minor">
+            <a:schemeClr val="lt1"/>
+          </a:fontRef>
+        </p:style>
+        <p:txBody>
+          <a:bodyPr rtlCol="0" anchor="ctr"/>
           <a:lstStyle/>
           <a:p>
-            <a:r>
-              <a:rPr lang="zh-CN" altLang="en-US">
-                <a:latin typeface="微软雅黑" pitchFamily="34" charset="-122"/>
-                <a:ea typeface="微软雅黑" pitchFamily="34" charset="-122"/>
-              </a:rPr>
-              <a:t>点击添加文本</a:t>
-            </a:r>
-          </a:p>
-        </p:txBody>
-      </p:sp>
-      <p:sp>
-        <p:nvSpPr>
-          <p:cNvPr id="3076" name="矩形 7" hidden="1"/>
-          <p:cNvSpPr>
-            <a:spLocks noChangeArrowheads="1"/>
-          </p:cNvSpPr>
+            <a:pPr algn="ctr"/>
+            <a:endParaRPr lang="zh-CN" altLang="en-US"/>
+          </a:p>
+        </p:txBody>
+      </p:sp>
+      <p:sp>
+        <p:nvSpPr>
+          <p:cNvPr id="6" name="矩形 5"/>
+          <p:cNvSpPr/>
           <p:nvPr/>
         </p:nvSpPr>
-        <p:spPr bwMode="auto">
+        <p:spPr>
           <a:xfrm>
-            <a:off x="2011363" y="4240213"/>
-            <a:ext cx="1471612" cy="646112"/>
+            <a:off x="899592" y="2348880"/>
+            <a:ext cx="1152128" cy="360040"/>
           </a:xfrm>
           <a:prstGeom prst="rect">
             <a:avLst/>
           </a:prstGeom>
           <a:noFill/>
-          <a:ln w="9525">
-            <a:noFill/>
-            <a:miter lim="800000"/>
-            <a:headEnd/>
-            <a:tailEnd/>
+          <a:ln>
+            <a:solidFill>
+              <a:schemeClr val="tx1"/>
+            </a:solidFill>
           </a:ln>
         </p:spPr>
-        <p:txBody>
-          <a:bodyPr>
-            <a:spAutoFit/>
-          </a:bodyPr>
+        <p:style>
+          <a:lnRef idx="2">
+            <a:schemeClr val="accent1">
+              <a:shade val="50000"/>
+            </a:schemeClr>
+          </a:lnRef>
+          <a:fillRef idx="1">
+            <a:schemeClr val="accent1"/>
+          </a:fillRef>
+          <a:effectRef idx="0">
+            <a:schemeClr val="accent1"/>
+          </a:effectRef>
+          <a:fontRef idx="minor">
+            <a:schemeClr val="lt1"/>
+          </a:fontRef>
+        </p:style>
+        <p:txBody>
+          <a:bodyPr rtlCol="0" anchor="ctr"/>
           <a:lstStyle/>
           <a:p>
-            <a:r>
-              <a:rPr lang="zh-CN" altLang="en-US">
-                <a:latin typeface="微软雅黑" pitchFamily="34" charset="-122"/>
-                <a:ea typeface="微软雅黑" pitchFamily="34" charset="-122"/>
+            <a:pPr algn="ctr"/>
+            <a:r>
+              <a:rPr lang="en-US" altLang="zh-CN" dirty="0" smtClean="0">
+                <a:solidFill>
+                  <a:schemeClr val="tx1"/>
+                </a:solidFill>
               </a:rPr>
-              <a:t>点击添加文本</a:t>
-            </a:r>
-          </a:p>
-        </p:txBody>
-      </p:sp>
-      <p:sp>
-        <p:nvSpPr>
-          <p:cNvPr id="3077" name="矩形 8" hidden="1"/>
-          <p:cNvSpPr>
-            <a:spLocks noChangeArrowheads="1"/>
-          </p:cNvSpPr>
+              <a:t>…</a:t>
+            </a:r>
+            <a:endParaRPr lang="zh-CN" altLang="en-US" dirty="0">
+              <a:solidFill>
+                <a:schemeClr val="tx1"/>
+              </a:solidFill>
+            </a:endParaRPr>
+          </a:p>
+        </p:txBody>
+      </p:sp>
+      <p:sp>
+        <p:nvSpPr>
+          <p:cNvPr id="7" name="矩形 6"/>
+          <p:cNvSpPr/>
           <p:nvPr/>
         </p:nvSpPr>
-        <p:spPr bwMode="auto">
+        <p:spPr>
           <a:xfrm>
-            <a:off x="2011363" y="5526088"/>
-            <a:ext cx="1471612" cy="646112"/>
+            <a:off x="899592" y="2708920"/>
+            <a:ext cx="1152128" cy="360040"/>
           </a:xfrm>
           <a:prstGeom prst="rect">
             <a:avLst/>
           </a:prstGeom>
           <a:noFill/>
-          <a:ln w="9525">
-            <a:noFill/>
-            <a:miter lim="800000"/>
-            <a:headEnd/>
-            <a:tailEnd/>
+          <a:ln>
+            <a:solidFill>
+              <a:schemeClr val="tx1"/>
+            </a:solidFill>
           </a:ln>
         </p:spPr>
-        <p:txBody>
-          <a:bodyPr>
-            <a:spAutoFit/>
-          </a:bodyPr>
+        <p:style>
+          <a:lnRef idx="2">
+            <a:schemeClr val="accent1">
+              <a:shade val="50000"/>
+            </a:schemeClr>
+          </a:lnRef>
+          <a:fillRef idx="1">
+            <a:schemeClr val="accent1"/>
+          </a:fillRef>
+          <a:effectRef idx="0">
+            <a:schemeClr val="accent1"/>
+          </a:effectRef>
+          <a:fontRef idx="minor">
+            <a:schemeClr val="lt1"/>
+          </a:fontRef>
+        </p:style>
+        <p:txBody>
+          <a:bodyPr rtlCol="0" anchor="ctr"/>
           <a:lstStyle/>
           <a:p>
-            <a:r>
-              <a:rPr lang="zh-CN" altLang="en-US">
-                <a:latin typeface="微软雅黑" pitchFamily="34" charset="-122"/>
-                <a:ea typeface="微软雅黑" pitchFamily="34" charset="-122"/>
+            <a:pPr algn="ctr"/>
+            <a:r>
+              <a:rPr lang="en-US" altLang="zh-CN" dirty="0" smtClean="0">
+                <a:solidFill>
+                  <a:schemeClr val="tx1"/>
+                </a:solidFill>
               </a:rPr>
-              <a:t>点击添加文本</a:t>
-            </a:r>
-          </a:p>
-        </p:txBody>
-      </p:sp>
-      <p:sp>
-        <p:nvSpPr>
-          <p:cNvPr id="11" name="TextBox 12"/>
-          <p:cNvSpPr txBox="1">
-            <a:spLocks noChangeArrowheads="1"/>
-          </p:cNvSpPr>
+              <a:t>children</a:t>
+            </a:r>
+            <a:endParaRPr lang="zh-CN" altLang="en-US" dirty="0">
+              <a:solidFill>
+                <a:schemeClr val="tx1"/>
+              </a:solidFill>
+            </a:endParaRPr>
+          </a:p>
+        </p:txBody>
+      </p:sp>
+      <p:sp>
+        <p:nvSpPr>
+          <p:cNvPr id="8" name="矩形 7"/>
+          <p:cNvSpPr/>
           <p:nvPr/>
         </p:nvSpPr>
-        <p:spPr bwMode="auto">
+        <p:spPr>
           <a:xfrm>
-            <a:off x="323528" y="500063"/>
-            <a:ext cx="7888361" cy="523220"/>
+            <a:off x="899592" y="3068960"/>
+            <a:ext cx="1152128" cy="360040"/>
           </a:xfrm>
           <a:prstGeom prst="rect">
             <a:avLst/>
           </a:prstGeom>
           <a:noFill/>
-          <a:ln w="9525">
-            <a:noFill/>
-            <a:miter lim="800000"/>
-            <a:headEnd/>
-            <a:tailEnd/>
+          <a:ln>
+            <a:solidFill>
+              <a:schemeClr val="tx1"/>
+            </a:solidFill>
           </a:ln>
         </p:spPr>
-        <p:txBody>
-          <a:bodyPr wrap="square">
-            <a:spAutoFit/>
-          </a:bodyPr>
+        <p:style>
+          <a:lnRef idx="2">
+            <a:schemeClr val="accent1">
+              <a:shade val="50000"/>
+            </a:schemeClr>
+          </a:lnRef>
+          <a:fillRef idx="1">
+            <a:schemeClr val="accent1"/>
+          </a:fillRef>
+          <a:effectRef idx="0">
+            <a:schemeClr val="accent1"/>
+          </a:effectRef>
+          <a:fontRef idx="minor">
+            <a:schemeClr val="lt1"/>
+          </a:fontRef>
+        </p:style>
+        <p:txBody>
+          <a:bodyPr rtlCol="0" anchor="ctr"/>
           <a:lstStyle/>
           <a:p>
-            <a:r>
-              <a:rPr lang="zh-CN" altLang="en-US" sz="2800" dirty="0" smtClean="0">
-                <a:latin typeface="微软雅黑" pitchFamily="34" charset="-122"/>
-                <a:ea typeface="微软雅黑" pitchFamily="34" charset="-122"/>
+            <a:pPr algn="ctr"/>
+            <a:r>
+              <a:rPr lang="en-US" altLang="zh-CN" dirty="0" smtClean="0">
+                <a:solidFill>
+                  <a:schemeClr val="tx1"/>
+                </a:solidFill>
               </a:rPr>
-              <a:t>练习四</a:t>
-            </a:r>
-            <a:endParaRPr lang="zh-CN" altLang="en-US" sz="2800" dirty="0">
-              <a:latin typeface="微软雅黑" pitchFamily="34" charset="-122"/>
-              <a:ea typeface="微软雅黑" pitchFamily="34" charset="-122"/>
+              <a:t>last</a:t>
+            </a:r>
+            <a:endParaRPr lang="zh-CN" altLang="en-US" dirty="0">
+              <a:solidFill>
+                <a:schemeClr val="tx1"/>
+              </a:solidFill>
             </a:endParaRPr>
           </a:p>
         </p:txBody>
       </p:sp>
-      <p:pic>
-        <p:nvPicPr>
-          <p:cNvPr id="4098" name="Picture 2"/>
-          <p:cNvPicPr>
-            <a:picLocks noChangeAspect="1" noChangeArrowheads="1"/>
-          </p:cNvPicPr>
+      <p:sp>
+        <p:nvSpPr>
+          <p:cNvPr id="9" name="矩形 8"/>
+          <p:cNvSpPr/>
           <p:nvPr/>
-        </p:nvPicPr>
-        <p:blipFill>
-          <a:blip r:embed="rId2" cstate="print"/>
-          <a:srcRect/>
-          <a:stretch>
-            <a:fillRect/>
-          </a:stretch>
-        </p:blipFill>
-        <p:spPr bwMode="auto">
+        </p:nvSpPr>
+        <p:spPr>
           <a:xfrm>
-            <a:off x="323528" y="1227554"/>
-            <a:ext cx="5551710" cy="5081766"/>
+            <a:off x="899592" y="3429000"/>
+            <a:ext cx="1152128" cy="360040"/>
           </a:xfrm>
           <a:prstGeom prst="rect">
             <a:avLst/>
           </a:prstGeom>
           <a:noFill/>
-          <a:ln w="9525">
-            <a:noFill/>
-            <a:miter lim="800000"/>
-            <a:headEnd/>
-            <a:tailEnd/>
+          <a:ln>
+            <a:solidFill>
+              <a:schemeClr val="tx1"/>
+            </a:solidFill>
           </a:ln>
         </p:spPr>
-      </p:pic>
-      <p:sp>
-        <p:nvSpPr>
-          <p:cNvPr id="9" name="内容占位符 2"/>
-          <p:cNvSpPr txBox="1">
-            <a:spLocks/>
-          </p:cNvSpPr>
+        <p:style>
+          <a:lnRef idx="2">
+            <a:schemeClr val="accent1">
+              <a:shade val="50000"/>
+            </a:schemeClr>
+          </a:lnRef>
+          <a:fillRef idx="1">
+            <a:schemeClr val="accent1"/>
+          </a:fillRef>
+          <a:effectRef idx="0">
+            <a:schemeClr val="accent1"/>
+          </a:effectRef>
+          <a:fontRef idx="minor">
+            <a:schemeClr val="lt1"/>
+          </a:fontRef>
+        </p:style>
+        <p:txBody>
+          <a:bodyPr rtlCol="0" anchor="ctr"/>
+          <a:lstStyle/>
+          <a:p>
+            <a:pPr algn="ctr"/>
+            <a:r>
+              <a:rPr lang="en-US" altLang="zh-CN" dirty="0" smtClean="0">
+                <a:solidFill>
+                  <a:schemeClr val="tx1"/>
+                </a:solidFill>
+              </a:rPr>
+              <a:t>…</a:t>
+            </a:r>
+            <a:endParaRPr lang="zh-CN" altLang="en-US" dirty="0">
+              <a:solidFill>
+                <a:schemeClr val="tx1"/>
+              </a:solidFill>
+            </a:endParaRPr>
+          </a:p>
+        </p:txBody>
+      </p:sp>
+      <p:sp>
+        <p:nvSpPr>
+          <p:cNvPr id="10" name="矩形 9"/>
+          <p:cNvSpPr/>
           <p:nvPr/>
         </p:nvSpPr>
-        <p:spPr bwMode="auto">
+        <p:spPr>
           <a:xfrm>
-            <a:off x="4967536" y="1124744"/>
-            <a:ext cx="4176464" cy="748680"/>
+            <a:off x="899592" y="3789040"/>
+            <a:ext cx="1152128" cy="360040"/>
           </a:xfrm>
           <a:prstGeom prst="rect">
             <a:avLst/>
           </a:prstGeom>
           <a:noFill/>
-          <a:ln w="9525">
-            <a:noFill/>
-            <a:miter lim="800000"/>
-            <a:headEnd/>
-            <a:tailEnd/>
+          <a:ln>
+            <a:solidFill>
+              <a:schemeClr val="tx1"/>
+            </a:solidFill>
           </a:ln>
         </p:spPr>
-        <p:txBody>
-          <a:bodyPr vert="horz" wrap="square" lIns="91440" tIns="45720" rIns="91440" bIns="45720" numCol="1" anchor="t" anchorCtr="0" compatLnSpc="1">
-            <a:prstTxWarp prst="textNoShape">
-              <a:avLst/>
-            </a:prstTxWarp>
+        <p:style>
+          <a:lnRef idx="2">
+            <a:schemeClr val="accent1">
+              <a:shade val="50000"/>
+            </a:schemeClr>
+          </a:lnRef>
+          <a:fillRef idx="1">
+            <a:schemeClr val="accent1"/>
+          </a:fillRef>
+          <a:effectRef idx="0">
+            <a:schemeClr val="accent1"/>
+          </a:effectRef>
+          <a:fontRef idx="minor">
+            <a:schemeClr val="lt1"/>
+          </a:fontRef>
+        </p:style>
+        <p:txBody>
+          <a:bodyPr rtlCol="0" anchor="ctr"/>
+          <a:lstStyle/>
+          <a:p>
+            <a:pPr algn="ctr"/>
+            <a:endParaRPr lang="zh-CN" altLang="en-US"/>
+          </a:p>
+        </p:txBody>
+      </p:sp>
+      <p:sp>
+        <p:nvSpPr>
+          <p:cNvPr id="11" name="矩形 10"/>
+          <p:cNvSpPr/>
+          <p:nvPr/>
+        </p:nvSpPr>
+        <p:spPr>
+          <a:xfrm>
+            <a:off x="899592" y="4149080"/>
+            <a:ext cx="1152128" cy="360040"/>
+          </a:xfrm>
+          <a:prstGeom prst="rect">
+            <a:avLst/>
+          </a:prstGeom>
+          <a:noFill/>
+          <a:ln>
+            <a:solidFill>
+              <a:schemeClr val="tx1"/>
+            </a:solidFill>
+          </a:ln>
+        </p:spPr>
+        <p:style>
+          <a:lnRef idx="2">
+            <a:schemeClr val="accent1">
+              <a:shade val="50000"/>
+            </a:schemeClr>
+          </a:lnRef>
+          <a:fillRef idx="1">
+            <a:schemeClr val="accent1"/>
+          </a:fillRef>
+          <a:effectRef idx="0">
+            <a:schemeClr val="accent1"/>
+          </a:effectRef>
+          <a:fontRef idx="minor">
+            <a:schemeClr val="lt1"/>
+          </a:fontRef>
+        </p:style>
+        <p:txBody>
+          <a:bodyPr rtlCol="0" anchor="ctr"/>
+          <a:lstStyle/>
+          <a:p>
+            <a:pPr algn="ctr"/>
+            <a:endParaRPr lang="zh-CN" altLang="en-US"/>
+          </a:p>
+        </p:txBody>
+      </p:sp>
+      <p:sp>
+        <p:nvSpPr>
+          <p:cNvPr id="12" name="矩形 11"/>
+          <p:cNvSpPr/>
+          <p:nvPr/>
+        </p:nvSpPr>
+        <p:spPr>
+          <a:xfrm>
+            <a:off x="899592" y="4509120"/>
+            <a:ext cx="1152128" cy="360040"/>
+          </a:xfrm>
+          <a:prstGeom prst="rect">
+            <a:avLst/>
+          </a:prstGeom>
+          <a:noFill/>
+          <a:ln>
+            <a:solidFill>
+              <a:schemeClr val="tx1"/>
+            </a:solidFill>
+          </a:ln>
+        </p:spPr>
+        <p:style>
+          <a:lnRef idx="2">
+            <a:schemeClr val="accent1">
+              <a:shade val="50000"/>
+            </a:schemeClr>
+          </a:lnRef>
+          <a:fillRef idx="1">
+            <a:schemeClr val="accent1"/>
+          </a:fillRef>
+          <a:effectRef idx="0">
+            <a:schemeClr val="accent1"/>
+          </a:effectRef>
+          <a:fontRef idx="minor">
+            <a:schemeClr val="lt1"/>
+          </a:fontRef>
+        </p:style>
+        <p:txBody>
+          <a:bodyPr rtlCol="0" anchor="ctr"/>
+          <a:lstStyle/>
+          <a:p>
+            <a:pPr algn="ctr"/>
+            <a:endParaRPr lang="zh-CN" altLang="en-US"/>
+          </a:p>
+        </p:txBody>
+      </p:sp>
+      <p:sp>
+        <p:nvSpPr>
+          <p:cNvPr id="13" name="TextBox 12"/>
+          <p:cNvSpPr txBox="1"/>
+          <p:nvPr/>
+        </p:nvSpPr>
+        <p:spPr>
+          <a:xfrm>
+            <a:off x="1014511" y="1700808"/>
+            <a:ext cx="893193" cy="276999"/>
+          </a:xfrm>
+          <a:prstGeom prst="rect">
+            <a:avLst/>
+          </a:prstGeom>
+          <a:noFill/>
+        </p:spPr>
+        <p:txBody>
+          <a:bodyPr wrap="none" rtlCol="0">
+            <a:spAutoFit/>
           </a:bodyPr>
           <a:lstStyle/>
           <a:p>
-            <a:pPr marL="0" marR="0" lvl="0" indent="0" defTabSz="914400" rtl="0" eaLnBrk="0" fontAlgn="base" latinLnBrk="0" hangingPunct="0">
-              <a:lnSpc>
-                <a:spcPct val="100000"/>
-              </a:lnSpc>
-              <a:spcBef>
-                <a:spcPct val="20000"/>
-              </a:spcBef>
-              <a:spcAft>
-                <a:spcPct val="0"/>
-              </a:spcAft>
-              <a:buClrTx/>
-              <a:buSzTx/>
-              <a:buFont typeface="Arial" pitchFamily="34" charset="0"/>
-              <a:buNone/>
-              <a:tabLst/>
-              <a:defRPr/>
-            </a:pPr>
-            <a:r>
-              <a:rPr kumimoji="0" lang="zh-CN" altLang="en-US" sz="2400" b="1" i="0" u="none" strike="noStrike" kern="1200" cap="none" spc="0" normalizeH="0" baseline="0" noProof="0" dirty="0" smtClean="0">
-                <a:ln>
-                  <a:noFill/>
-                </a:ln>
+            <a:r>
+              <a:rPr lang="en-US" altLang="zh-CN" sz="1200" i="1" dirty="0" smtClean="0"/>
+              <a:t>xmlDocPtr</a:t>
+            </a:r>
+            <a:endParaRPr lang="zh-CN" altLang="en-US" sz="1200" dirty="0"/>
+          </a:p>
+        </p:txBody>
+      </p:sp>
+      <p:sp>
+        <p:nvSpPr>
+          <p:cNvPr id="14" name="矩形 13"/>
+          <p:cNvSpPr/>
+          <p:nvPr/>
+        </p:nvSpPr>
+        <p:spPr>
+          <a:xfrm>
+            <a:off x="4480335" y="1988840"/>
+            <a:ext cx="1152128" cy="360040"/>
+          </a:xfrm>
+          <a:prstGeom prst="rect">
+            <a:avLst/>
+          </a:prstGeom>
+          <a:noFill/>
+          <a:ln>
+            <a:solidFill>
+              <a:schemeClr val="tx1"/>
+            </a:solidFill>
+          </a:ln>
+        </p:spPr>
+        <p:style>
+          <a:lnRef idx="2">
+            <a:schemeClr val="accent1">
+              <a:shade val="50000"/>
+            </a:schemeClr>
+          </a:lnRef>
+          <a:fillRef idx="1">
+            <a:schemeClr val="accent1"/>
+          </a:fillRef>
+          <a:effectRef idx="0">
+            <a:schemeClr val="accent1"/>
+          </a:effectRef>
+          <a:fontRef idx="minor">
+            <a:schemeClr val="lt1"/>
+          </a:fontRef>
+        </p:style>
+        <p:txBody>
+          <a:bodyPr rtlCol="0" anchor="ctr"/>
+          <a:lstStyle/>
+          <a:p>
+            <a:pPr algn="ctr"/>
+            <a:endParaRPr lang="zh-CN" altLang="en-US"/>
+          </a:p>
+        </p:txBody>
+      </p:sp>
+      <p:sp>
+        <p:nvSpPr>
+          <p:cNvPr id="15" name="矩形 14"/>
+          <p:cNvSpPr/>
+          <p:nvPr/>
+        </p:nvSpPr>
+        <p:spPr>
+          <a:xfrm>
+            <a:off x="4480335" y="2348880"/>
+            <a:ext cx="1152128" cy="360040"/>
+          </a:xfrm>
+          <a:prstGeom prst="rect">
+            <a:avLst/>
+          </a:prstGeom>
+          <a:noFill/>
+          <a:ln>
+            <a:solidFill>
+              <a:schemeClr val="tx1"/>
+            </a:solidFill>
+          </a:ln>
+        </p:spPr>
+        <p:style>
+          <a:lnRef idx="2">
+            <a:schemeClr val="accent1">
+              <a:shade val="50000"/>
+            </a:schemeClr>
+          </a:lnRef>
+          <a:fillRef idx="1">
+            <a:schemeClr val="accent1"/>
+          </a:fillRef>
+          <a:effectRef idx="0">
+            <a:schemeClr val="accent1"/>
+          </a:effectRef>
+          <a:fontRef idx="minor">
+            <a:schemeClr val="lt1"/>
+          </a:fontRef>
+        </p:style>
+        <p:txBody>
+          <a:bodyPr rtlCol="0" anchor="ctr"/>
+          <a:lstStyle/>
+          <a:p>
+            <a:pPr algn="ctr"/>
+            <a:r>
+              <a:rPr lang="en-US" altLang="zh-CN" dirty="0" smtClean="0">
                 <a:solidFill>
-                  <a:schemeClr val="tx1">
-                    <a:tint val="75000"/>
-                  </a:schemeClr>
+                  <a:schemeClr val="tx1"/>
                 </a:solidFill>
-                <a:effectLst/>
-                <a:uLnTx/>
-                <a:uFillTx/>
-                <a:latin typeface="+mn-lt"/>
-                <a:ea typeface="+mn-ea"/>
-                <a:cs typeface="+mn-cs"/>
               </a:rPr>
-              <a:t>画出</a:t>
-            </a:r>
-            <a:r>
-              <a:rPr kumimoji="0" lang="en-US" altLang="zh-CN" sz="2400" b="1" i="0" u="none" strike="noStrike" kern="1200" cap="none" spc="0" normalizeH="0" baseline="0" noProof="0" dirty="0" smtClean="0">
-                <a:ln>
-                  <a:noFill/>
-                </a:ln>
+              <a:t>name</a:t>
+            </a:r>
+            <a:endParaRPr lang="zh-CN" altLang="en-US" dirty="0">
+              <a:solidFill>
+                <a:schemeClr val="tx1"/>
+              </a:solidFill>
+            </a:endParaRPr>
+          </a:p>
+        </p:txBody>
+      </p:sp>
+      <p:sp>
+        <p:nvSpPr>
+          <p:cNvPr id="16" name="矩形 15"/>
+          <p:cNvSpPr/>
+          <p:nvPr/>
+        </p:nvSpPr>
+        <p:spPr>
+          <a:xfrm>
+            <a:off x="4480335" y="2708920"/>
+            <a:ext cx="1152128" cy="360040"/>
+          </a:xfrm>
+          <a:prstGeom prst="rect">
+            <a:avLst/>
+          </a:prstGeom>
+          <a:noFill/>
+          <a:ln>
+            <a:solidFill>
+              <a:schemeClr val="tx1"/>
+            </a:solidFill>
+          </a:ln>
+        </p:spPr>
+        <p:style>
+          <a:lnRef idx="2">
+            <a:schemeClr val="accent1">
+              <a:shade val="50000"/>
+            </a:schemeClr>
+          </a:lnRef>
+          <a:fillRef idx="1">
+            <a:schemeClr val="accent1"/>
+          </a:fillRef>
+          <a:effectRef idx="0">
+            <a:schemeClr val="accent1"/>
+          </a:effectRef>
+          <a:fontRef idx="minor">
+            <a:schemeClr val="lt1"/>
+          </a:fontRef>
+        </p:style>
+        <p:txBody>
+          <a:bodyPr rtlCol="0" anchor="ctr"/>
+          <a:lstStyle/>
+          <a:p>
+            <a:pPr algn="ctr"/>
+            <a:r>
+              <a:rPr lang="en-US" altLang="zh-CN" dirty="0" smtClean="0">
                 <a:solidFill>
-                  <a:schemeClr val="tx1">
-                    <a:tint val="75000"/>
-                  </a:schemeClr>
+                  <a:schemeClr val="tx1"/>
                 </a:solidFill>
-                <a:effectLst/>
-                <a:uLnTx/>
-                <a:uFillTx/>
-                <a:latin typeface="+mn-lt"/>
-                <a:ea typeface="+mn-ea"/>
-                <a:cs typeface="+mn-cs"/>
               </a:rPr>
-              <a:t>xml</a:t>
-            </a:r>
-            <a:r>
-              <a:rPr kumimoji="0" lang="zh-CN" altLang="en-US" sz="2400" b="1" i="0" u="none" strike="noStrike" kern="1200" cap="none" spc="0" normalizeH="0" baseline="0" noProof="0" dirty="0" smtClean="0">
-                <a:ln>
-                  <a:noFill/>
-                </a:ln>
+              <a:t>…</a:t>
+            </a:r>
+            <a:endParaRPr lang="zh-CN" altLang="en-US" dirty="0">
+              <a:solidFill>
+                <a:schemeClr val="tx1"/>
+              </a:solidFill>
+            </a:endParaRPr>
+          </a:p>
+        </p:txBody>
+      </p:sp>
+      <p:sp>
+        <p:nvSpPr>
+          <p:cNvPr id="17" name="矩形 16"/>
+          <p:cNvSpPr/>
+          <p:nvPr/>
+        </p:nvSpPr>
+        <p:spPr>
+          <a:xfrm>
+            <a:off x="4480335" y="3068960"/>
+            <a:ext cx="1152128" cy="360040"/>
+          </a:xfrm>
+          <a:prstGeom prst="rect">
+            <a:avLst/>
+          </a:prstGeom>
+          <a:noFill/>
+          <a:ln>
+            <a:solidFill>
+              <a:schemeClr val="tx1"/>
+            </a:solidFill>
+          </a:ln>
+        </p:spPr>
+        <p:style>
+          <a:lnRef idx="2">
+            <a:schemeClr val="accent1">
+              <a:shade val="50000"/>
+            </a:schemeClr>
+          </a:lnRef>
+          <a:fillRef idx="1">
+            <a:schemeClr val="accent1"/>
+          </a:fillRef>
+          <a:effectRef idx="0">
+            <a:schemeClr val="accent1"/>
+          </a:effectRef>
+          <a:fontRef idx="minor">
+            <a:schemeClr val="lt1"/>
+          </a:fontRef>
+        </p:style>
+        <p:txBody>
+          <a:bodyPr rtlCol="0" anchor="ctr"/>
+          <a:lstStyle/>
+          <a:p>
+            <a:pPr algn="ctr"/>
+            <a:r>
+              <a:rPr lang="en-US" altLang="zh-CN" dirty="0" smtClean="0">
                 <a:solidFill>
-                  <a:schemeClr val="tx1">
-                    <a:tint val="75000"/>
-                  </a:schemeClr>
+                  <a:schemeClr val="tx1"/>
                 </a:solidFill>
-                <a:effectLst/>
-                <a:uLnTx/>
-                <a:uFillTx/>
-                <a:latin typeface="+mn-lt"/>
-                <a:ea typeface="+mn-ea"/>
-                <a:cs typeface="+mn-cs"/>
               </a:rPr>
-              <a:t>节点内存布局</a:t>
-            </a:r>
-            <a:endParaRPr kumimoji="0" lang="zh-CN" altLang="en-US" sz="2400" b="1" i="0" u="none" strike="noStrike" kern="1200" cap="none" spc="0" normalizeH="0" baseline="0" noProof="0" dirty="0">
-              <a:ln>
-                <a:noFill/>
-              </a:ln>
+              <a:t>parent</a:t>
+            </a:r>
+            <a:endParaRPr lang="zh-CN" altLang="en-US" dirty="0">
               <a:solidFill>
-                <a:schemeClr val="tx1">
-                  <a:tint val="75000"/>
-                </a:schemeClr>
+                <a:schemeClr val="tx1"/>
               </a:solidFill>
-              <a:effectLst/>
-              <a:uLnTx/>
-              <a:uFillTx/>
-              <a:latin typeface="+mn-lt"/>
-              <a:ea typeface="+mn-ea"/>
-              <a:cs typeface="+mn-cs"/>
             </a:endParaRPr>
+          </a:p>
+        </p:txBody>
+      </p:sp>
+      <p:sp>
+        <p:nvSpPr>
+          <p:cNvPr id="18" name="矩形 17"/>
+          <p:cNvSpPr/>
+          <p:nvPr/>
+        </p:nvSpPr>
+        <p:spPr>
+          <a:xfrm>
+            <a:off x="4480335" y="3429000"/>
+            <a:ext cx="1152128" cy="360040"/>
+          </a:xfrm>
+          <a:prstGeom prst="rect">
+            <a:avLst/>
+          </a:prstGeom>
+          <a:noFill/>
+          <a:ln>
+            <a:solidFill>
+              <a:schemeClr val="tx1"/>
+            </a:solidFill>
+          </a:ln>
+        </p:spPr>
+        <p:style>
+          <a:lnRef idx="2">
+            <a:schemeClr val="accent1">
+              <a:shade val="50000"/>
+            </a:schemeClr>
+          </a:lnRef>
+          <a:fillRef idx="1">
+            <a:schemeClr val="accent1"/>
+          </a:fillRef>
+          <a:effectRef idx="0">
+            <a:schemeClr val="accent1"/>
+          </a:effectRef>
+          <a:fontRef idx="minor">
+            <a:schemeClr val="lt1"/>
+          </a:fontRef>
+        </p:style>
+        <p:txBody>
+          <a:bodyPr rtlCol="0" anchor="ctr"/>
+          <a:lstStyle/>
+          <a:p>
+            <a:pPr algn="ctr"/>
+            <a:r>
+              <a:rPr lang="en-US" altLang="zh-CN" dirty="0" smtClean="0">
+                <a:solidFill>
+                  <a:schemeClr val="tx1"/>
+                </a:solidFill>
+              </a:rPr>
+              <a:t>…</a:t>
+            </a:r>
+            <a:endParaRPr lang="zh-CN" altLang="en-US" dirty="0">
+              <a:solidFill>
+                <a:schemeClr val="tx1"/>
+              </a:solidFill>
+            </a:endParaRPr>
+          </a:p>
+        </p:txBody>
+      </p:sp>
+      <p:sp>
+        <p:nvSpPr>
+          <p:cNvPr id="19" name="矩形 18"/>
+          <p:cNvSpPr/>
+          <p:nvPr/>
+        </p:nvSpPr>
+        <p:spPr>
+          <a:xfrm>
+            <a:off x="4480335" y="3789040"/>
+            <a:ext cx="1152128" cy="360040"/>
+          </a:xfrm>
+          <a:prstGeom prst="rect">
+            <a:avLst/>
+          </a:prstGeom>
+          <a:noFill/>
+          <a:ln>
+            <a:solidFill>
+              <a:schemeClr val="tx1"/>
+            </a:solidFill>
+          </a:ln>
+        </p:spPr>
+        <p:style>
+          <a:lnRef idx="2">
+            <a:schemeClr val="accent1">
+              <a:shade val="50000"/>
+            </a:schemeClr>
+          </a:lnRef>
+          <a:fillRef idx="1">
+            <a:schemeClr val="accent1"/>
+          </a:fillRef>
+          <a:effectRef idx="0">
+            <a:schemeClr val="accent1"/>
+          </a:effectRef>
+          <a:fontRef idx="minor">
+            <a:schemeClr val="lt1"/>
+          </a:fontRef>
+        </p:style>
+        <p:txBody>
+          <a:bodyPr rtlCol="0" anchor="ctr"/>
+          <a:lstStyle/>
+          <a:p>
+            <a:pPr algn="ctr"/>
+            <a:r>
+              <a:rPr lang="en-US" altLang="zh-CN" dirty="0" smtClean="0">
+                <a:solidFill>
+                  <a:schemeClr val="tx1"/>
+                </a:solidFill>
+              </a:rPr>
+              <a:t>doc</a:t>
+            </a:r>
+            <a:endParaRPr lang="zh-CN" altLang="en-US" dirty="0">
+              <a:solidFill>
+                <a:schemeClr val="tx1"/>
+              </a:solidFill>
+            </a:endParaRPr>
+          </a:p>
+        </p:txBody>
+      </p:sp>
+      <p:sp>
+        <p:nvSpPr>
+          <p:cNvPr id="20" name="矩形 19"/>
+          <p:cNvSpPr/>
+          <p:nvPr/>
+        </p:nvSpPr>
+        <p:spPr>
+          <a:xfrm>
+            <a:off x="4480335" y="4149080"/>
+            <a:ext cx="1152128" cy="360040"/>
+          </a:xfrm>
+          <a:prstGeom prst="rect">
+            <a:avLst/>
+          </a:prstGeom>
+          <a:noFill/>
+          <a:ln>
+            <a:solidFill>
+              <a:schemeClr val="tx1"/>
+            </a:solidFill>
+          </a:ln>
+        </p:spPr>
+        <p:style>
+          <a:lnRef idx="2">
+            <a:schemeClr val="accent1">
+              <a:shade val="50000"/>
+            </a:schemeClr>
+          </a:lnRef>
+          <a:fillRef idx="1">
+            <a:schemeClr val="accent1"/>
+          </a:fillRef>
+          <a:effectRef idx="0">
+            <a:schemeClr val="accent1"/>
+          </a:effectRef>
+          <a:fontRef idx="minor">
+            <a:schemeClr val="lt1"/>
+          </a:fontRef>
+        </p:style>
+        <p:txBody>
+          <a:bodyPr rtlCol="0" anchor="ctr"/>
+          <a:lstStyle/>
+          <a:p>
+            <a:pPr algn="ctr"/>
+            <a:endParaRPr lang="zh-CN" altLang="en-US"/>
+          </a:p>
+        </p:txBody>
+      </p:sp>
+      <p:sp>
+        <p:nvSpPr>
+          <p:cNvPr id="21" name="矩形 20"/>
+          <p:cNvSpPr/>
+          <p:nvPr/>
+        </p:nvSpPr>
+        <p:spPr>
+          <a:xfrm>
+            <a:off x="4480335" y="4509120"/>
+            <a:ext cx="1152128" cy="360040"/>
+          </a:xfrm>
+          <a:prstGeom prst="rect">
+            <a:avLst/>
+          </a:prstGeom>
+          <a:noFill/>
+          <a:ln>
+            <a:solidFill>
+              <a:schemeClr val="tx1"/>
+            </a:solidFill>
+          </a:ln>
+        </p:spPr>
+        <p:style>
+          <a:lnRef idx="2">
+            <a:schemeClr val="accent1">
+              <a:shade val="50000"/>
+            </a:schemeClr>
+          </a:lnRef>
+          <a:fillRef idx="1">
+            <a:schemeClr val="accent1"/>
+          </a:fillRef>
+          <a:effectRef idx="0">
+            <a:schemeClr val="accent1"/>
+          </a:effectRef>
+          <a:fontRef idx="minor">
+            <a:schemeClr val="lt1"/>
+          </a:fontRef>
+        </p:style>
+        <p:txBody>
+          <a:bodyPr rtlCol="0" anchor="ctr"/>
+          <a:lstStyle/>
+          <a:p>
+            <a:pPr algn="ctr"/>
+            <a:endParaRPr lang="zh-CN" altLang="en-US"/>
+          </a:p>
+        </p:txBody>
+      </p:sp>
+      <p:sp>
+        <p:nvSpPr>
+          <p:cNvPr id="22" name="TextBox 21"/>
+          <p:cNvSpPr txBox="1"/>
+          <p:nvPr/>
+        </p:nvSpPr>
+        <p:spPr>
+          <a:xfrm>
+            <a:off x="4408327" y="1628800"/>
+            <a:ext cx="986167" cy="276999"/>
+          </a:xfrm>
+          <a:prstGeom prst="rect">
+            <a:avLst/>
+          </a:prstGeom>
+          <a:noFill/>
+        </p:spPr>
+        <p:txBody>
+          <a:bodyPr wrap="none" rtlCol="0">
+            <a:spAutoFit/>
+          </a:bodyPr>
+          <a:lstStyle/>
+          <a:p>
+            <a:r>
+              <a:rPr lang="en-US" altLang="zh-CN" sz="1200" i="1" dirty="0" smtClean="0"/>
+              <a:t>xmlNodePtr</a:t>
+            </a:r>
+            <a:endParaRPr lang="zh-CN" altLang="en-US" sz="1200" dirty="0"/>
+          </a:p>
+        </p:txBody>
+      </p:sp>
+      <p:cxnSp>
+        <p:nvCxnSpPr>
+          <p:cNvPr id="24" name="曲线连接符 23"/>
+          <p:cNvCxnSpPr>
+            <a:stCxn id="7" idx="3"/>
+          </p:cNvCxnSpPr>
+          <p:nvPr/>
+        </p:nvCxnSpPr>
+        <p:spPr>
+          <a:xfrm flipV="1">
+            <a:off x="2051720" y="1988840"/>
+            <a:ext cx="2448272" cy="900100"/>
+          </a:xfrm>
+          <a:prstGeom prst="curvedConnector3">
+            <a:avLst>
+              <a:gd name="adj1" fmla="val 50000"/>
+            </a:avLst>
+          </a:prstGeom>
+          <a:ln>
+            <a:solidFill>
+              <a:schemeClr val="tx1"/>
+            </a:solidFill>
+            <a:tailEnd type="arrow"/>
+          </a:ln>
+        </p:spPr>
+        <p:style>
+          <a:lnRef idx="1">
+            <a:schemeClr val="accent1"/>
+          </a:lnRef>
+          <a:fillRef idx="0">
+            <a:schemeClr val="accent1"/>
+          </a:fillRef>
+          <a:effectRef idx="0">
+            <a:schemeClr val="accent1"/>
+          </a:effectRef>
+          <a:fontRef idx="minor">
+            <a:schemeClr val="tx1"/>
+          </a:fontRef>
+        </p:style>
+      </p:cxnSp>
+      <p:cxnSp>
+        <p:nvCxnSpPr>
+          <p:cNvPr id="26" name="曲线连接符 25"/>
+          <p:cNvCxnSpPr>
+            <a:stCxn id="8" idx="3"/>
+          </p:cNvCxnSpPr>
+          <p:nvPr/>
+        </p:nvCxnSpPr>
+        <p:spPr>
+          <a:xfrm flipV="1">
+            <a:off x="2051720" y="1988840"/>
+            <a:ext cx="2448272" cy="1260140"/>
+          </a:xfrm>
+          <a:prstGeom prst="curvedConnector3">
+            <a:avLst>
+              <a:gd name="adj1" fmla="val 64006"/>
+            </a:avLst>
+          </a:prstGeom>
+          <a:ln>
+            <a:solidFill>
+              <a:schemeClr val="tx1"/>
+            </a:solidFill>
+            <a:tailEnd type="arrow"/>
+          </a:ln>
+        </p:spPr>
+        <p:style>
+          <a:lnRef idx="1">
+            <a:schemeClr val="accent1"/>
+          </a:lnRef>
+          <a:fillRef idx="0">
+            <a:schemeClr val="accent1"/>
+          </a:fillRef>
+          <a:effectRef idx="0">
+            <a:schemeClr val="accent1"/>
+          </a:effectRef>
+          <a:fontRef idx="minor">
+            <a:schemeClr val="tx1"/>
+          </a:fontRef>
+        </p:style>
+      </p:cxnSp>
+      <p:cxnSp>
+        <p:nvCxnSpPr>
+          <p:cNvPr id="36" name="直接箭头连接符 35"/>
+          <p:cNvCxnSpPr>
+            <a:stCxn id="17" idx="1"/>
+          </p:cNvCxnSpPr>
+          <p:nvPr/>
+        </p:nvCxnSpPr>
+        <p:spPr>
+          <a:xfrm flipH="1" flipV="1">
+            <a:off x="2051720" y="1988840"/>
+            <a:ext cx="2428615" cy="1260140"/>
+          </a:xfrm>
+          <a:prstGeom prst="straightConnector1">
+            <a:avLst/>
+          </a:prstGeom>
+          <a:ln>
+            <a:solidFill>
+              <a:schemeClr val="tx1"/>
+            </a:solidFill>
+            <a:tailEnd type="arrow"/>
+          </a:ln>
+        </p:spPr>
+        <p:style>
+          <a:lnRef idx="1">
+            <a:schemeClr val="accent1"/>
+          </a:lnRef>
+          <a:fillRef idx="0">
+            <a:schemeClr val="accent1"/>
+          </a:fillRef>
+          <a:effectRef idx="0">
+            <a:schemeClr val="accent1"/>
+          </a:effectRef>
+          <a:fontRef idx="minor">
+            <a:schemeClr val="tx1"/>
+          </a:fontRef>
+        </p:style>
+      </p:cxnSp>
+      <p:cxnSp>
+        <p:nvCxnSpPr>
+          <p:cNvPr id="38" name="直接箭头连接符 37"/>
+          <p:cNvCxnSpPr>
+            <a:stCxn id="19" idx="1"/>
+          </p:cNvCxnSpPr>
+          <p:nvPr/>
+        </p:nvCxnSpPr>
+        <p:spPr>
+          <a:xfrm flipH="1" flipV="1">
+            <a:off x="2051720" y="1988840"/>
+            <a:ext cx="2428615" cy="1980220"/>
+          </a:xfrm>
+          <a:prstGeom prst="straightConnector1">
+            <a:avLst/>
+          </a:prstGeom>
+          <a:ln>
+            <a:solidFill>
+              <a:schemeClr val="tx1"/>
+            </a:solidFill>
+            <a:tailEnd type="arrow"/>
+          </a:ln>
+        </p:spPr>
+        <p:style>
+          <a:lnRef idx="1">
+            <a:schemeClr val="accent1"/>
+          </a:lnRef>
+          <a:fillRef idx="0">
+            <a:schemeClr val="accent1"/>
+          </a:fillRef>
+          <a:effectRef idx="0">
+            <a:schemeClr val="accent1"/>
+          </a:effectRef>
+          <a:fontRef idx="minor">
+            <a:schemeClr val="tx1"/>
+          </a:fontRef>
+        </p:style>
+      </p:cxnSp>
+      <p:cxnSp>
+        <p:nvCxnSpPr>
+          <p:cNvPr id="40" name="直接箭头连接符 39"/>
+          <p:cNvCxnSpPr>
+            <a:stCxn id="15" idx="3"/>
+          </p:cNvCxnSpPr>
+          <p:nvPr/>
+        </p:nvCxnSpPr>
+        <p:spPr>
+          <a:xfrm>
+            <a:off x="5632463" y="2528900"/>
+            <a:ext cx="955761" cy="324036"/>
+          </a:xfrm>
+          <a:prstGeom prst="straightConnector1">
+            <a:avLst/>
+          </a:prstGeom>
+          <a:ln>
+            <a:solidFill>
+              <a:schemeClr val="tx1"/>
+            </a:solidFill>
+            <a:tailEnd type="arrow"/>
+          </a:ln>
+        </p:spPr>
+        <p:style>
+          <a:lnRef idx="1">
+            <a:schemeClr val="accent1"/>
+          </a:lnRef>
+          <a:fillRef idx="0">
+            <a:schemeClr val="accent1"/>
+          </a:fillRef>
+          <a:effectRef idx="0">
+            <a:schemeClr val="accent1"/>
+          </a:effectRef>
+          <a:fontRef idx="minor">
+            <a:schemeClr val="tx1"/>
+          </a:fontRef>
+        </p:style>
+      </p:cxnSp>
+      <p:sp>
+        <p:nvSpPr>
+          <p:cNvPr id="41" name="TextBox 40"/>
+          <p:cNvSpPr txBox="1"/>
+          <p:nvPr/>
+        </p:nvSpPr>
+        <p:spPr>
+          <a:xfrm>
+            <a:off x="6516216" y="2708920"/>
+            <a:ext cx="551754" cy="288032"/>
+          </a:xfrm>
+          <a:prstGeom prst="rect">
+            <a:avLst/>
+          </a:prstGeom>
+          <a:noFill/>
+        </p:spPr>
+        <p:txBody>
+          <a:bodyPr wrap="square" rtlCol="0">
+            <a:spAutoFit/>
+          </a:bodyPr>
+          <a:lstStyle/>
+          <a:p>
+            <a:r>
+              <a:rPr lang="en-US" altLang="zh-CN" sz="1200" dirty="0" smtClean="0"/>
+              <a:t>“root”</a:t>
+            </a:r>
+            <a:endParaRPr lang="zh-CN" altLang="en-US" sz="1200" dirty="0"/>
           </a:p>
         </p:txBody>
       </p:sp>
@@ -4502,24 +5313,2916 @@
       </p:grpSpPr>
       <p:sp>
         <p:nvSpPr>
-          <p:cNvPr id="2" name="标题 1"/>
-          <p:cNvSpPr>
-            <a:spLocks noGrp="1"/>
-          </p:cNvSpPr>
-          <p:nvPr>
-            <p:ph type="title"/>
-          </p:nvPr>
-        </p:nvSpPr>
-        <p:spPr/>
-        <p:txBody>
-          <a:bodyPr/>
+          <p:cNvPr id="4" name="TextBox 3"/>
+          <p:cNvSpPr txBox="1"/>
+          <p:nvPr/>
+        </p:nvSpPr>
+        <p:spPr>
+          <a:xfrm>
+            <a:off x="395536" y="692696"/>
+            <a:ext cx="3506088" cy="369332"/>
+          </a:xfrm>
+          <a:prstGeom prst="rect">
+            <a:avLst/>
+          </a:prstGeom>
+          <a:noFill/>
+        </p:spPr>
+        <p:txBody>
+          <a:bodyPr wrap="none" rtlCol="0">
+            <a:spAutoFit/>
+          </a:bodyPr>
           <a:lstStyle/>
           <a:p>
             <a:r>
+              <a:rPr lang="en-US" altLang="zh-CN" dirty="0" err="1" smtClean="0"/>
+              <a:t>xmlAddChild</a:t>
+            </a:r>
+            <a:r>
               <a:rPr lang="en-US" altLang="zh-CN" dirty="0" smtClean="0"/>
-              <a:t>Q &amp; A</a:t>
+              <a:t>(</a:t>
+            </a:r>
+            <a:r>
+              <a:rPr lang="en-US" altLang="zh-CN" dirty="0" err="1" smtClean="0"/>
+              <a:t>root_node</a:t>
+            </a:r>
+            <a:r>
+              <a:rPr lang="en-US" altLang="zh-CN" dirty="0" smtClean="0"/>
+              <a:t>, node1);</a:t>
             </a:r>
             <a:endParaRPr lang="zh-CN" altLang="en-US" dirty="0"/>
+          </a:p>
+        </p:txBody>
+      </p:sp>
+      <p:grpSp>
+        <p:nvGrpSpPr>
+          <p:cNvPr id="14" name="组合 13"/>
+          <p:cNvGrpSpPr/>
+          <p:nvPr/>
+        </p:nvGrpSpPr>
+        <p:grpSpPr>
+          <a:xfrm>
+            <a:off x="2411760" y="1772816"/>
+            <a:ext cx="864096" cy="2448272"/>
+            <a:chOff x="1115616" y="1772816"/>
+            <a:chExt cx="1152128" cy="2880320"/>
+          </a:xfrm>
+        </p:grpSpPr>
+        <p:sp>
+          <p:nvSpPr>
+            <p:cNvPr id="15" name="矩形 14"/>
+            <p:cNvSpPr/>
+            <p:nvPr/>
+          </p:nvSpPr>
+          <p:spPr>
+            <a:xfrm>
+              <a:off x="1115616" y="1772816"/>
+              <a:ext cx="1152128" cy="360040"/>
+            </a:xfrm>
+            <a:prstGeom prst="rect">
+              <a:avLst/>
+            </a:prstGeom>
+            <a:noFill/>
+            <a:ln>
+              <a:solidFill>
+                <a:schemeClr val="tx1"/>
+              </a:solidFill>
+            </a:ln>
+          </p:spPr>
+          <p:style>
+            <a:lnRef idx="2">
+              <a:schemeClr val="accent1">
+                <a:shade val="50000"/>
+              </a:schemeClr>
+            </a:lnRef>
+            <a:fillRef idx="1">
+              <a:schemeClr val="accent1"/>
+            </a:fillRef>
+            <a:effectRef idx="0">
+              <a:schemeClr val="accent1"/>
+            </a:effectRef>
+            <a:fontRef idx="minor">
+              <a:schemeClr val="lt1"/>
+            </a:fontRef>
+          </p:style>
+          <p:txBody>
+            <a:bodyPr rtlCol="0" anchor="ctr"/>
+            <a:lstStyle/>
+            <a:p>
+              <a:pPr algn="ctr"/>
+              <a:endParaRPr lang="zh-CN" altLang="en-US"/>
+            </a:p>
+          </p:txBody>
+        </p:sp>
+        <p:sp>
+          <p:nvSpPr>
+            <p:cNvPr id="16" name="矩形 15"/>
+            <p:cNvSpPr/>
+            <p:nvPr/>
+          </p:nvSpPr>
+          <p:spPr>
+            <a:xfrm>
+              <a:off x="1115616" y="2132856"/>
+              <a:ext cx="1152128" cy="360040"/>
+            </a:xfrm>
+            <a:prstGeom prst="rect">
+              <a:avLst/>
+            </a:prstGeom>
+            <a:noFill/>
+            <a:ln>
+              <a:solidFill>
+                <a:schemeClr val="tx1"/>
+              </a:solidFill>
+            </a:ln>
+          </p:spPr>
+          <p:style>
+            <a:lnRef idx="2">
+              <a:schemeClr val="accent1">
+                <a:shade val="50000"/>
+              </a:schemeClr>
+            </a:lnRef>
+            <a:fillRef idx="1">
+              <a:schemeClr val="accent1"/>
+            </a:fillRef>
+            <a:effectRef idx="0">
+              <a:schemeClr val="accent1"/>
+            </a:effectRef>
+            <a:fontRef idx="minor">
+              <a:schemeClr val="lt1"/>
+            </a:fontRef>
+          </p:style>
+          <p:txBody>
+            <a:bodyPr rtlCol="0" anchor="ctr"/>
+            <a:lstStyle/>
+            <a:p>
+              <a:pPr algn="ctr"/>
+              <a:r>
+                <a:rPr lang="en-US" altLang="zh-CN" dirty="0" smtClean="0">
+                  <a:solidFill>
+                    <a:schemeClr val="tx1"/>
+                  </a:solidFill>
+                </a:rPr>
+                <a:t>name</a:t>
+              </a:r>
+              <a:endParaRPr lang="zh-CN" altLang="en-US" dirty="0">
+                <a:solidFill>
+                  <a:schemeClr val="tx1"/>
+                </a:solidFill>
+              </a:endParaRPr>
+            </a:p>
+          </p:txBody>
+        </p:sp>
+        <p:sp>
+          <p:nvSpPr>
+            <p:cNvPr id="17" name="矩形 16"/>
+            <p:cNvSpPr/>
+            <p:nvPr/>
+          </p:nvSpPr>
+          <p:spPr>
+            <a:xfrm>
+              <a:off x="1115616" y="2492896"/>
+              <a:ext cx="1152128" cy="360040"/>
+            </a:xfrm>
+            <a:prstGeom prst="rect">
+              <a:avLst/>
+            </a:prstGeom>
+            <a:noFill/>
+            <a:ln>
+              <a:solidFill>
+                <a:schemeClr val="tx1"/>
+              </a:solidFill>
+            </a:ln>
+          </p:spPr>
+          <p:style>
+            <a:lnRef idx="2">
+              <a:schemeClr val="accent1">
+                <a:shade val="50000"/>
+              </a:schemeClr>
+            </a:lnRef>
+            <a:fillRef idx="1">
+              <a:schemeClr val="accent1"/>
+            </a:fillRef>
+            <a:effectRef idx="0">
+              <a:schemeClr val="accent1"/>
+            </a:effectRef>
+            <a:fontRef idx="minor">
+              <a:schemeClr val="lt1"/>
+            </a:fontRef>
+          </p:style>
+          <p:txBody>
+            <a:bodyPr rtlCol="0" anchor="ctr"/>
+            <a:lstStyle/>
+            <a:p>
+              <a:pPr algn="ctr"/>
+              <a:r>
+                <a:rPr lang="en-US" altLang="zh-CN" sz="1600" dirty="0" smtClean="0">
+                  <a:solidFill>
+                    <a:schemeClr val="tx1"/>
+                  </a:solidFill>
+                </a:rPr>
+                <a:t>children</a:t>
+              </a:r>
+              <a:endParaRPr lang="zh-CN" altLang="en-US" sz="1600" dirty="0" smtClean="0">
+                <a:solidFill>
+                  <a:schemeClr val="tx1"/>
+                </a:solidFill>
+              </a:endParaRPr>
+            </a:p>
+          </p:txBody>
+        </p:sp>
+        <p:sp>
+          <p:nvSpPr>
+            <p:cNvPr id="18" name="矩形 17"/>
+            <p:cNvSpPr/>
+            <p:nvPr/>
+          </p:nvSpPr>
+          <p:spPr>
+            <a:xfrm>
+              <a:off x="1115616" y="2852936"/>
+              <a:ext cx="1152128" cy="360040"/>
+            </a:xfrm>
+            <a:prstGeom prst="rect">
+              <a:avLst/>
+            </a:prstGeom>
+            <a:noFill/>
+            <a:ln>
+              <a:solidFill>
+                <a:schemeClr val="tx1"/>
+              </a:solidFill>
+            </a:ln>
+          </p:spPr>
+          <p:style>
+            <a:lnRef idx="2">
+              <a:schemeClr val="accent1">
+                <a:shade val="50000"/>
+              </a:schemeClr>
+            </a:lnRef>
+            <a:fillRef idx="1">
+              <a:schemeClr val="accent1"/>
+            </a:fillRef>
+            <a:effectRef idx="0">
+              <a:schemeClr val="accent1"/>
+            </a:effectRef>
+            <a:fontRef idx="minor">
+              <a:schemeClr val="lt1"/>
+            </a:fontRef>
+          </p:style>
+          <p:txBody>
+            <a:bodyPr rtlCol="0" anchor="ctr"/>
+            <a:lstStyle/>
+            <a:p>
+              <a:pPr algn="ctr"/>
+              <a:r>
+                <a:rPr lang="en-US" altLang="zh-CN" dirty="0" smtClean="0">
+                  <a:solidFill>
+                    <a:schemeClr val="tx1"/>
+                  </a:solidFill>
+                </a:rPr>
+                <a:t>last</a:t>
+              </a:r>
+              <a:endParaRPr lang="zh-CN" altLang="en-US" dirty="0" smtClean="0">
+                <a:solidFill>
+                  <a:schemeClr val="tx1"/>
+                </a:solidFill>
+              </a:endParaRPr>
+            </a:p>
+          </p:txBody>
+        </p:sp>
+        <p:sp>
+          <p:nvSpPr>
+            <p:cNvPr id="19" name="矩形 18"/>
+            <p:cNvSpPr/>
+            <p:nvPr/>
+          </p:nvSpPr>
+          <p:spPr>
+            <a:xfrm>
+              <a:off x="1115616" y="3212976"/>
+              <a:ext cx="1152128" cy="360040"/>
+            </a:xfrm>
+            <a:prstGeom prst="rect">
+              <a:avLst/>
+            </a:prstGeom>
+            <a:noFill/>
+            <a:ln>
+              <a:solidFill>
+                <a:schemeClr val="tx1"/>
+              </a:solidFill>
+            </a:ln>
+          </p:spPr>
+          <p:style>
+            <a:lnRef idx="2">
+              <a:schemeClr val="accent1">
+                <a:shade val="50000"/>
+              </a:schemeClr>
+            </a:lnRef>
+            <a:fillRef idx="1">
+              <a:schemeClr val="accent1"/>
+            </a:fillRef>
+            <a:effectRef idx="0">
+              <a:schemeClr val="accent1"/>
+            </a:effectRef>
+            <a:fontRef idx="minor">
+              <a:schemeClr val="lt1"/>
+            </a:fontRef>
+          </p:style>
+          <p:txBody>
+            <a:bodyPr rtlCol="0" anchor="ctr"/>
+            <a:lstStyle/>
+            <a:p>
+              <a:pPr algn="ctr"/>
+              <a:r>
+                <a:rPr lang="en-US" altLang="zh-CN" dirty="0" smtClean="0">
+                  <a:solidFill>
+                    <a:schemeClr val="tx1"/>
+                  </a:solidFill>
+                </a:rPr>
+                <a:t>…</a:t>
+              </a:r>
+              <a:endParaRPr lang="zh-CN" altLang="en-US" dirty="0" smtClean="0">
+                <a:solidFill>
+                  <a:schemeClr val="tx1"/>
+                </a:solidFill>
+              </a:endParaRPr>
+            </a:p>
+          </p:txBody>
+        </p:sp>
+        <p:sp>
+          <p:nvSpPr>
+            <p:cNvPr id="20" name="矩形 19"/>
+            <p:cNvSpPr/>
+            <p:nvPr/>
+          </p:nvSpPr>
+          <p:spPr>
+            <a:xfrm>
+              <a:off x="1115616" y="3573016"/>
+              <a:ext cx="1152128" cy="360040"/>
+            </a:xfrm>
+            <a:prstGeom prst="rect">
+              <a:avLst/>
+            </a:prstGeom>
+            <a:noFill/>
+            <a:ln>
+              <a:solidFill>
+                <a:schemeClr val="tx1"/>
+              </a:solidFill>
+            </a:ln>
+          </p:spPr>
+          <p:style>
+            <a:lnRef idx="2">
+              <a:schemeClr val="accent1">
+                <a:shade val="50000"/>
+              </a:schemeClr>
+            </a:lnRef>
+            <a:fillRef idx="1">
+              <a:schemeClr val="accent1"/>
+            </a:fillRef>
+            <a:effectRef idx="0">
+              <a:schemeClr val="accent1"/>
+            </a:effectRef>
+            <a:fontRef idx="minor">
+              <a:schemeClr val="lt1"/>
+            </a:fontRef>
+          </p:style>
+          <p:txBody>
+            <a:bodyPr rtlCol="0" anchor="ctr"/>
+            <a:lstStyle/>
+            <a:p>
+              <a:pPr algn="ctr"/>
+              <a:r>
+                <a:rPr lang="en-US" altLang="zh-CN" dirty="0" smtClean="0">
+                  <a:solidFill>
+                    <a:schemeClr val="tx1"/>
+                  </a:solidFill>
+                </a:rPr>
+                <a:t>parent</a:t>
+              </a:r>
+              <a:endParaRPr lang="zh-CN" altLang="en-US" dirty="0" smtClean="0">
+                <a:solidFill>
+                  <a:schemeClr val="tx1"/>
+                </a:solidFill>
+              </a:endParaRPr>
+            </a:p>
+          </p:txBody>
+        </p:sp>
+        <p:sp>
+          <p:nvSpPr>
+            <p:cNvPr id="21" name="矩形 20"/>
+            <p:cNvSpPr/>
+            <p:nvPr/>
+          </p:nvSpPr>
+          <p:spPr>
+            <a:xfrm>
+              <a:off x="1115616" y="3933056"/>
+              <a:ext cx="1152128" cy="360040"/>
+            </a:xfrm>
+            <a:prstGeom prst="rect">
+              <a:avLst/>
+            </a:prstGeom>
+            <a:noFill/>
+            <a:ln>
+              <a:solidFill>
+                <a:schemeClr val="tx1"/>
+              </a:solidFill>
+            </a:ln>
+          </p:spPr>
+          <p:style>
+            <a:lnRef idx="2">
+              <a:schemeClr val="accent1">
+                <a:shade val="50000"/>
+              </a:schemeClr>
+            </a:lnRef>
+            <a:fillRef idx="1">
+              <a:schemeClr val="accent1"/>
+            </a:fillRef>
+            <a:effectRef idx="0">
+              <a:schemeClr val="accent1"/>
+            </a:effectRef>
+            <a:fontRef idx="minor">
+              <a:schemeClr val="lt1"/>
+            </a:fontRef>
+          </p:style>
+          <p:txBody>
+            <a:bodyPr rtlCol="0" anchor="ctr"/>
+            <a:lstStyle/>
+            <a:p>
+              <a:pPr algn="ctr"/>
+              <a:r>
+                <a:rPr lang="en-US" altLang="zh-CN" dirty="0" smtClean="0">
+                  <a:solidFill>
+                    <a:schemeClr val="tx1"/>
+                  </a:solidFill>
+                </a:rPr>
+                <a:t>…</a:t>
+              </a:r>
+              <a:endParaRPr lang="zh-CN" altLang="en-US" dirty="0">
+                <a:solidFill>
+                  <a:schemeClr val="tx1"/>
+                </a:solidFill>
+              </a:endParaRPr>
+            </a:p>
+          </p:txBody>
+        </p:sp>
+        <p:sp>
+          <p:nvSpPr>
+            <p:cNvPr id="22" name="矩形 21"/>
+            <p:cNvSpPr/>
+            <p:nvPr/>
+          </p:nvSpPr>
+          <p:spPr>
+            <a:xfrm>
+              <a:off x="1115616" y="4293096"/>
+              <a:ext cx="1152128" cy="360040"/>
+            </a:xfrm>
+            <a:prstGeom prst="rect">
+              <a:avLst/>
+            </a:prstGeom>
+            <a:noFill/>
+            <a:ln>
+              <a:solidFill>
+                <a:schemeClr val="tx1"/>
+              </a:solidFill>
+            </a:ln>
+          </p:spPr>
+          <p:style>
+            <a:lnRef idx="2">
+              <a:schemeClr val="accent1">
+                <a:shade val="50000"/>
+              </a:schemeClr>
+            </a:lnRef>
+            <a:fillRef idx="1">
+              <a:schemeClr val="accent1"/>
+            </a:fillRef>
+            <a:effectRef idx="0">
+              <a:schemeClr val="accent1"/>
+            </a:effectRef>
+            <a:fontRef idx="minor">
+              <a:schemeClr val="lt1"/>
+            </a:fontRef>
+          </p:style>
+          <p:txBody>
+            <a:bodyPr rtlCol="0" anchor="ctr"/>
+            <a:lstStyle/>
+            <a:p>
+              <a:pPr algn="ctr"/>
+              <a:r>
+                <a:rPr lang="en-US" altLang="zh-CN" dirty="0" smtClean="0">
+                  <a:solidFill>
+                    <a:schemeClr val="tx1"/>
+                  </a:solidFill>
+                </a:rPr>
+                <a:t>doc</a:t>
+              </a:r>
+              <a:endParaRPr lang="zh-CN" altLang="en-US" dirty="0" smtClean="0">
+                <a:solidFill>
+                  <a:schemeClr val="tx1"/>
+                </a:solidFill>
+              </a:endParaRPr>
+            </a:p>
+          </p:txBody>
+        </p:sp>
+      </p:grpSp>
+      <p:cxnSp>
+        <p:nvCxnSpPr>
+          <p:cNvPr id="24" name="直接箭头连接符 23"/>
+          <p:cNvCxnSpPr>
+            <a:stCxn id="7" idx="3"/>
+          </p:cNvCxnSpPr>
+          <p:nvPr/>
+        </p:nvCxnSpPr>
+        <p:spPr>
+          <a:xfrm flipV="1">
+            <a:off x="1475656" y="1772816"/>
+            <a:ext cx="936104" cy="765085"/>
+          </a:xfrm>
+          <a:prstGeom prst="straightConnector1">
+            <a:avLst/>
+          </a:prstGeom>
+          <a:ln>
+            <a:solidFill>
+              <a:schemeClr val="tx1"/>
+            </a:solidFill>
+            <a:tailEnd type="arrow"/>
+          </a:ln>
+        </p:spPr>
+        <p:style>
+          <a:lnRef idx="1">
+            <a:schemeClr val="accent1"/>
+          </a:lnRef>
+          <a:fillRef idx="0">
+            <a:schemeClr val="accent1"/>
+          </a:fillRef>
+          <a:effectRef idx="0">
+            <a:schemeClr val="accent1"/>
+          </a:effectRef>
+          <a:fontRef idx="minor">
+            <a:schemeClr val="tx1"/>
+          </a:fontRef>
+        </p:style>
+      </p:cxnSp>
+      <p:cxnSp>
+        <p:nvCxnSpPr>
+          <p:cNvPr id="26" name="直接箭头连接符 25"/>
+          <p:cNvCxnSpPr>
+            <a:stCxn id="8" idx="3"/>
+          </p:cNvCxnSpPr>
+          <p:nvPr/>
+        </p:nvCxnSpPr>
+        <p:spPr>
+          <a:xfrm flipV="1">
+            <a:off x="1475656" y="1772816"/>
+            <a:ext cx="936104" cy="1071119"/>
+          </a:xfrm>
+          <a:prstGeom prst="straightConnector1">
+            <a:avLst/>
+          </a:prstGeom>
+          <a:ln>
+            <a:solidFill>
+              <a:schemeClr val="tx1"/>
+            </a:solidFill>
+            <a:tailEnd type="arrow"/>
+          </a:ln>
+        </p:spPr>
+        <p:style>
+          <a:lnRef idx="1">
+            <a:schemeClr val="accent1"/>
+          </a:lnRef>
+          <a:fillRef idx="0">
+            <a:schemeClr val="accent1"/>
+          </a:fillRef>
+          <a:effectRef idx="0">
+            <a:schemeClr val="accent1"/>
+          </a:effectRef>
+          <a:fontRef idx="minor">
+            <a:schemeClr val="tx1"/>
+          </a:fontRef>
+        </p:style>
+      </p:cxnSp>
+      <p:cxnSp>
+        <p:nvCxnSpPr>
+          <p:cNvPr id="28" name="直接箭头连接符 27"/>
+          <p:cNvCxnSpPr>
+            <a:stCxn id="20" idx="1"/>
+          </p:cNvCxnSpPr>
+          <p:nvPr/>
+        </p:nvCxnSpPr>
+        <p:spPr>
+          <a:xfrm flipH="1" flipV="1">
+            <a:off x="1475656" y="1772817"/>
+            <a:ext cx="936104" cy="1683186"/>
+          </a:xfrm>
+          <a:prstGeom prst="straightConnector1">
+            <a:avLst/>
+          </a:prstGeom>
+          <a:ln>
+            <a:solidFill>
+              <a:schemeClr val="tx1"/>
+            </a:solidFill>
+            <a:tailEnd type="arrow"/>
+          </a:ln>
+        </p:spPr>
+        <p:style>
+          <a:lnRef idx="1">
+            <a:schemeClr val="accent1"/>
+          </a:lnRef>
+          <a:fillRef idx="0">
+            <a:schemeClr val="accent1"/>
+          </a:fillRef>
+          <a:effectRef idx="0">
+            <a:schemeClr val="accent1"/>
+          </a:effectRef>
+          <a:fontRef idx="minor">
+            <a:schemeClr val="tx1"/>
+          </a:fontRef>
+        </p:style>
+      </p:cxnSp>
+      <p:grpSp>
+        <p:nvGrpSpPr>
+          <p:cNvPr id="31" name="组合 30"/>
+          <p:cNvGrpSpPr/>
+          <p:nvPr/>
+        </p:nvGrpSpPr>
+        <p:grpSpPr>
+          <a:xfrm>
+            <a:off x="611560" y="1772816"/>
+            <a:ext cx="864096" cy="2448272"/>
+            <a:chOff x="1115616" y="1772816"/>
+            <a:chExt cx="1152128" cy="2880320"/>
+          </a:xfrm>
+        </p:grpSpPr>
+        <p:sp>
+          <p:nvSpPr>
+            <p:cNvPr id="32" name="矩形 31"/>
+            <p:cNvSpPr/>
+            <p:nvPr/>
+          </p:nvSpPr>
+          <p:spPr>
+            <a:xfrm>
+              <a:off x="1115616" y="1772816"/>
+              <a:ext cx="1152128" cy="360040"/>
+            </a:xfrm>
+            <a:prstGeom prst="rect">
+              <a:avLst/>
+            </a:prstGeom>
+            <a:noFill/>
+            <a:ln>
+              <a:solidFill>
+                <a:schemeClr val="tx1"/>
+              </a:solidFill>
+            </a:ln>
+          </p:spPr>
+          <p:style>
+            <a:lnRef idx="2">
+              <a:schemeClr val="accent1">
+                <a:shade val="50000"/>
+              </a:schemeClr>
+            </a:lnRef>
+            <a:fillRef idx="1">
+              <a:schemeClr val="accent1"/>
+            </a:fillRef>
+            <a:effectRef idx="0">
+              <a:schemeClr val="accent1"/>
+            </a:effectRef>
+            <a:fontRef idx="minor">
+              <a:schemeClr val="lt1"/>
+            </a:fontRef>
+          </p:style>
+          <p:txBody>
+            <a:bodyPr rtlCol="0" anchor="ctr"/>
+            <a:lstStyle/>
+            <a:p>
+              <a:pPr algn="ctr"/>
+              <a:endParaRPr lang="zh-CN" altLang="en-US"/>
+            </a:p>
+          </p:txBody>
+        </p:sp>
+        <p:sp>
+          <p:nvSpPr>
+            <p:cNvPr id="33" name="矩形 32"/>
+            <p:cNvSpPr/>
+            <p:nvPr/>
+          </p:nvSpPr>
+          <p:spPr>
+            <a:xfrm>
+              <a:off x="1115616" y="2132856"/>
+              <a:ext cx="1152128" cy="360040"/>
+            </a:xfrm>
+            <a:prstGeom prst="rect">
+              <a:avLst/>
+            </a:prstGeom>
+            <a:noFill/>
+            <a:ln>
+              <a:solidFill>
+                <a:schemeClr val="tx1"/>
+              </a:solidFill>
+            </a:ln>
+          </p:spPr>
+          <p:style>
+            <a:lnRef idx="2">
+              <a:schemeClr val="accent1">
+                <a:shade val="50000"/>
+              </a:schemeClr>
+            </a:lnRef>
+            <a:fillRef idx="1">
+              <a:schemeClr val="accent1"/>
+            </a:fillRef>
+            <a:effectRef idx="0">
+              <a:schemeClr val="accent1"/>
+            </a:effectRef>
+            <a:fontRef idx="minor">
+              <a:schemeClr val="lt1"/>
+            </a:fontRef>
+          </p:style>
+          <p:txBody>
+            <a:bodyPr rtlCol="0" anchor="ctr"/>
+            <a:lstStyle/>
+            <a:p>
+              <a:pPr algn="ctr"/>
+              <a:r>
+                <a:rPr lang="en-US" altLang="zh-CN" dirty="0" smtClean="0">
+                  <a:solidFill>
+                    <a:schemeClr val="tx1"/>
+                  </a:solidFill>
+                </a:rPr>
+                <a:t>name</a:t>
+              </a:r>
+              <a:endParaRPr lang="zh-CN" altLang="en-US" dirty="0">
+                <a:solidFill>
+                  <a:schemeClr val="tx1"/>
+                </a:solidFill>
+              </a:endParaRPr>
+            </a:p>
+          </p:txBody>
+        </p:sp>
+        <p:sp>
+          <p:nvSpPr>
+            <p:cNvPr id="34" name="矩形 33"/>
+            <p:cNvSpPr/>
+            <p:nvPr/>
+          </p:nvSpPr>
+          <p:spPr>
+            <a:xfrm>
+              <a:off x="1115616" y="2492896"/>
+              <a:ext cx="1152128" cy="360040"/>
+            </a:xfrm>
+            <a:prstGeom prst="rect">
+              <a:avLst/>
+            </a:prstGeom>
+            <a:noFill/>
+            <a:ln>
+              <a:solidFill>
+                <a:schemeClr val="tx1"/>
+              </a:solidFill>
+            </a:ln>
+          </p:spPr>
+          <p:style>
+            <a:lnRef idx="2">
+              <a:schemeClr val="accent1">
+                <a:shade val="50000"/>
+              </a:schemeClr>
+            </a:lnRef>
+            <a:fillRef idx="1">
+              <a:schemeClr val="accent1"/>
+            </a:fillRef>
+            <a:effectRef idx="0">
+              <a:schemeClr val="accent1"/>
+            </a:effectRef>
+            <a:fontRef idx="minor">
+              <a:schemeClr val="lt1"/>
+            </a:fontRef>
+          </p:style>
+          <p:txBody>
+            <a:bodyPr rtlCol="0" anchor="ctr"/>
+            <a:lstStyle/>
+            <a:p>
+              <a:pPr algn="ctr"/>
+              <a:r>
+                <a:rPr lang="en-US" altLang="zh-CN" sz="1600" dirty="0" smtClean="0">
+                  <a:solidFill>
+                    <a:schemeClr val="tx1"/>
+                  </a:solidFill>
+                </a:rPr>
+                <a:t>children</a:t>
+              </a:r>
+              <a:endParaRPr lang="zh-CN" altLang="en-US" sz="1600" dirty="0" smtClean="0">
+                <a:solidFill>
+                  <a:schemeClr val="tx1"/>
+                </a:solidFill>
+              </a:endParaRPr>
+            </a:p>
+          </p:txBody>
+        </p:sp>
+        <p:sp>
+          <p:nvSpPr>
+            <p:cNvPr id="35" name="矩形 34"/>
+            <p:cNvSpPr/>
+            <p:nvPr/>
+          </p:nvSpPr>
+          <p:spPr>
+            <a:xfrm>
+              <a:off x="1115616" y="2852936"/>
+              <a:ext cx="1152128" cy="360040"/>
+            </a:xfrm>
+            <a:prstGeom prst="rect">
+              <a:avLst/>
+            </a:prstGeom>
+            <a:noFill/>
+            <a:ln>
+              <a:solidFill>
+                <a:schemeClr val="tx1"/>
+              </a:solidFill>
+            </a:ln>
+          </p:spPr>
+          <p:style>
+            <a:lnRef idx="2">
+              <a:schemeClr val="accent1">
+                <a:shade val="50000"/>
+              </a:schemeClr>
+            </a:lnRef>
+            <a:fillRef idx="1">
+              <a:schemeClr val="accent1"/>
+            </a:fillRef>
+            <a:effectRef idx="0">
+              <a:schemeClr val="accent1"/>
+            </a:effectRef>
+            <a:fontRef idx="minor">
+              <a:schemeClr val="lt1"/>
+            </a:fontRef>
+          </p:style>
+          <p:txBody>
+            <a:bodyPr rtlCol="0" anchor="ctr"/>
+            <a:lstStyle/>
+            <a:p>
+              <a:pPr algn="ctr"/>
+              <a:r>
+                <a:rPr lang="en-US" altLang="zh-CN" dirty="0" smtClean="0">
+                  <a:solidFill>
+                    <a:schemeClr val="tx1"/>
+                  </a:solidFill>
+                </a:rPr>
+                <a:t>last</a:t>
+              </a:r>
+              <a:endParaRPr lang="zh-CN" altLang="en-US" dirty="0" smtClean="0">
+                <a:solidFill>
+                  <a:schemeClr val="tx1"/>
+                </a:solidFill>
+              </a:endParaRPr>
+            </a:p>
+          </p:txBody>
+        </p:sp>
+        <p:sp>
+          <p:nvSpPr>
+            <p:cNvPr id="36" name="矩形 35"/>
+            <p:cNvSpPr/>
+            <p:nvPr/>
+          </p:nvSpPr>
+          <p:spPr>
+            <a:xfrm>
+              <a:off x="1115616" y="3212976"/>
+              <a:ext cx="1152128" cy="360040"/>
+            </a:xfrm>
+            <a:prstGeom prst="rect">
+              <a:avLst/>
+            </a:prstGeom>
+            <a:noFill/>
+            <a:ln>
+              <a:solidFill>
+                <a:schemeClr val="tx1"/>
+              </a:solidFill>
+            </a:ln>
+          </p:spPr>
+          <p:style>
+            <a:lnRef idx="2">
+              <a:schemeClr val="accent1">
+                <a:shade val="50000"/>
+              </a:schemeClr>
+            </a:lnRef>
+            <a:fillRef idx="1">
+              <a:schemeClr val="accent1"/>
+            </a:fillRef>
+            <a:effectRef idx="0">
+              <a:schemeClr val="accent1"/>
+            </a:effectRef>
+            <a:fontRef idx="minor">
+              <a:schemeClr val="lt1"/>
+            </a:fontRef>
+          </p:style>
+          <p:txBody>
+            <a:bodyPr rtlCol="0" anchor="ctr"/>
+            <a:lstStyle/>
+            <a:p>
+              <a:pPr algn="ctr"/>
+              <a:r>
+                <a:rPr lang="en-US" altLang="zh-CN" dirty="0" smtClean="0">
+                  <a:solidFill>
+                    <a:schemeClr val="tx1"/>
+                  </a:solidFill>
+                </a:rPr>
+                <a:t>…</a:t>
+              </a:r>
+              <a:endParaRPr lang="zh-CN" altLang="en-US" dirty="0" smtClean="0">
+                <a:solidFill>
+                  <a:schemeClr val="tx1"/>
+                </a:solidFill>
+              </a:endParaRPr>
+            </a:p>
+          </p:txBody>
+        </p:sp>
+        <p:sp>
+          <p:nvSpPr>
+            <p:cNvPr id="37" name="矩形 36"/>
+            <p:cNvSpPr/>
+            <p:nvPr/>
+          </p:nvSpPr>
+          <p:spPr>
+            <a:xfrm>
+              <a:off x="1115616" y="3573016"/>
+              <a:ext cx="1152128" cy="360040"/>
+            </a:xfrm>
+            <a:prstGeom prst="rect">
+              <a:avLst/>
+            </a:prstGeom>
+            <a:noFill/>
+            <a:ln>
+              <a:solidFill>
+                <a:schemeClr val="tx1"/>
+              </a:solidFill>
+            </a:ln>
+          </p:spPr>
+          <p:style>
+            <a:lnRef idx="2">
+              <a:schemeClr val="accent1">
+                <a:shade val="50000"/>
+              </a:schemeClr>
+            </a:lnRef>
+            <a:fillRef idx="1">
+              <a:schemeClr val="accent1"/>
+            </a:fillRef>
+            <a:effectRef idx="0">
+              <a:schemeClr val="accent1"/>
+            </a:effectRef>
+            <a:fontRef idx="minor">
+              <a:schemeClr val="lt1"/>
+            </a:fontRef>
+          </p:style>
+          <p:txBody>
+            <a:bodyPr rtlCol="0" anchor="ctr"/>
+            <a:lstStyle/>
+            <a:p>
+              <a:pPr algn="ctr"/>
+              <a:r>
+                <a:rPr lang="en-US" altLang="zh-CN" dirty="0" smtClean="0">
+                  <a:solidFill>
+                    <a:schemeClr val="tx1"/>
+                  </a:solidFill>
+                </a:rPr>
+                <a:t>parent</a:t>
+              </a:r>
+              <a:endParaRPr lang="zh-CN" altLang="en-US" dirty="0" smtClean="0">
+                <a:solidFill>
+                  <a:schemeClr val="tx1"/>
+                </a:solidFill>
+              </a:endParaRPr>
+            </a:p>
+          </p:txBody>
+        </p:sp>
+        <p:sp>
+          <p:nvSpPr>
+            <p:cNvPr id="38" name="矩形 37"/>
+            <p:cNvSpPr/>
+            <p:nvPr/>
+          </p:nvSpPr>
+          <p:spPr>
+            <a:xfrm>
+              <a:off x="1115616" y="3933056"/>
+              <a:ext cx="1152128" cy="360040"/>
+            </a:xfrm>
+            <a:prstGeom prst="rect">
+              <a:avLst/>
+            </a:prstGeom>
+            <a:noFill/>
+            <a:ln>
+              <a:solidFill>
+                <a:schemeClr val="tx1"/>
+              </a:solidFill>
+            </a:ln>
+          </p:spPr>
+          <p:style>
+            <a:lnRef idx="2">
+              <a:schemeClr val="accent1">
+                <a:shade val="50000"/>
+              </a:schemeClr>
+            </a:lnRef>
+            <a:fillRef idx="1">
+              <a:schemeClr val="accent1"/>
+            </a:fillRef>
+            <a:effectRef idx="0">
+              <a:schemeClr val="accent1"/>
+            </a:effectRef>
+            <a:fontRef idx="minor">
+              <a:schemeClr val="lt1"/>
+            </a:fontRef>
+          </p:style>
+          <p:txBody>
+            <a:bodyPr rtlCol="0" anchor="ctr"/>
+            <a:lstStyle/>
+            <a:p>
+              <a:pPr algn="ctr"/>
+              <a:r>
+                <a:rPr lang="en-US" altLang="zh-CN" dirty="0" smtClean="0">
+                  <a:solidFill>
+                    <a:schemeClr val="tx1"/>
+                  </a:solidFill>
+                </a:rPr>
+                <a:t>…</a:t>
+              </a:r>
+              <a:endParaRPr lang="zh-CN" altLang="en-US" dirty="0">
+                <a:solidFill>
+                  <a:schemeClr val="tx1"/>
+                </a:solidFill>
+              </a:endParaRPr>
+            </a:p>
+          </p:txBody>
+        </p:sp>
+        <p:sp>
+          <p:nvSpPr>
+            <p:cNvPr id="39" name="矩形 38"/>
+            <p:cNvSpPr/>
+            <p:nvPr/>
+          </p:nvSpPr>
+          <p:spPr>
+            <a:xfrm>
+              <a:off x="1115616" y="4293096"/>
+              <a:ext cx="1152128" cy="360040"/>
+            </a:xfrm>
+            <a:prstGeom prst="rect">
+              <a:avLst/>
+            </a:prstGeom>
+            <a:noFill/>
+            <a:ln>
+              <a:solidFill>
+                <a:schemeClr val="tx1"/>
+              </a:solidFill>
+            </a:ln>
+          </p:spPr>
+          <p:style>
+            <a:lnRef idx="2">
+              <a:schemeClr val="accent1">
+                <a:shade val="50000"/>
+              </a:schemeClr>
+            </a:lnRef>
+            <a:fillRef idx="1">
+              <a:schemeClr val="accent1"/>
+            </a:fillRef>
+            <a:effectRef idx="0">
+              <a:schemeClr val="accent1"/>
+            </a:effectRef>
+            <a:fontRef idx="minor">
+              <a:schemeClr val="lt1"/>
+            </a:fontRef>
+          </p:style>
+          <p:txBody>
+            <a:bodyPr rtlCol="0" anchor="ctr"/>
+            <a:lstStyle/>
+            <a:p>
+              <a:pPr algn="ctr"/>
+              <a:r>
+                <a:rPr lang="en-US" altLang="zh-CN" dirty="0" smtClean="0">
+                  <a:solidFill>
+                    <a:schemeClr val="tx1"/>
+                  </a:solidFill>
+                </a:rPr>
+                <a:t>doc</a:t>
+              </a:r>
+              <a:endParaRPr lang="zh-CN" altLang="en-US" dirty="0" smtClean="0">
+                <a:solidFill>
+                  <a:schemeClr val="tx1"/>
+                </a:solidFill>
+              </a:endParaRPr>
+            </a:p>
+          </p:txBody>
+        </p:sp>
+      </p:grpSp>
+      <p:sp>
+        <p:nvSpPr>
+          <p:cNvPr id="40" name="TextBox 39"/>
+          <p:cNvSpPr txBox="1"/>
+          <p:nvPr/>
+        </p:nvSpPr>
+        <p:spPr>
+          <a:xfrm>
+            <a:off x="611560" y="1484784"/>
+            <a:ext cx="819455" cy="261610"/>
+          </a:xfrm>
+          <a:prstGeom prst="rect">
+            <a:avLst/>
+          </a:prstGeom>
+          <a:noFill/>
+        </p:spPr>
+        <p:txBody>
+          <a:bodyPr wrap="none" rtlCol="0">
+            <a:spAutoFit/>
+          </a:bodyPr>
+          <a:lstStyle/>
+          <a:p>
+            <a:r>
+              <a:rPr lang="en-US" altLang="zh-CN" sz="1100" dirty="0" err="1" smtClean="0"/>
+              <a:t>r</a:t>
+            </a:r>
+            <a:r>
+              <a:rPr lang="en-US" altLang="zh-CN" sz="1100" dirty="0" err="1" smtClean="0"/>
+              <a:t>oot_node</a:t>
+            </a:r>
+            <a:endParaRPr lang="zh-CN" altLang="en-US" sz="1100" dirty="0"/>
+          </a:p>
+        </p:txBody>
+      </p:sp>
+      <p:sp>
+        <p:nvSpPr>
+          <p:cNvPr id="41" name="TextBox 40"/>
+          <p:cNvSpPr txBox="1"/>
+          <p:nvPr/>
+        </p:nvSpPr>
+        <p:spPr>
+          <a:xfrm>
+            <a:off x="2482430" y="1484784"/>
+            <a:ext cx="577402" cy="261610"/>
+          </a:xfrm>
+          <a:prstGeom prst="rect">
+            <a:avLst/>
+          </a:prstGeom>
+          <a:noFill/>
+        </p:spPr>
+        <p:txBody>
+          <a:bodyPr wrap="none" rtlCol="0">
+            <a:spAutoFit/>
+          </a:bodyPr>
+          <a:lstStyle/>
+          <a:p>
+            <a:r>
+              <a:rPr lang="en-US" altLang="zh-CN" sz="1100" dirty="0" smtClean="0"/>
+              <a:t>node1</a:t>
+            </a:r>
+            <a:endParaRPr lang="zh-CN" altLang="en-US" sz="1100" dirty="0"/>
+          </a:p>
+        </p:txBody>
+      </p:sp>
+      <p:sp>
+        <p:nvSpPr>
+          <p:cNvPr id="42" name="右箭头 41"/>
+          <p:cNvSpPr/>
+          <p:nvPr/>
+        </p:nvSpPr>
+        <p:spPr>
+          <a:xfrm>
+            <a:off x="3635896" y="2852936"/>
+            <a:ext cx="864096" cy="216024"/>
+          </a:xfrm>
+          <a:prstGeom prst="rightArrow">
+            <a:avLst/>
+          </a:prstGeom>
+          <a:solidFill>
+            <a:srgbClr val="FFC000"/>
+          </a:solidFill>
+        </p:spPr>
+        <p:style>
+          <a:lnRef idx="2">
+            <a:schemeClr val="accent1">
+              <a:shade val="50000"/>
+            </a:schemeClr>
+          </a:lnRef>
+          <a:fillRef idx="1">
+            <a:schemeClr val="accent1"/>
+          </a:fillRef>
+          <a:effectRef idx="0">
+            <a:schemeClr val="accent1"/>
+          </a:effectRef>
+          <a:fontRef idx="minor">
+            <a:schemeClr val="lt1"/>
+          </a:fontRef>
+        </p:style>
+        <p:txBody>
+          <a:bodyPr rtlCol="0" anchor="ctr"/>
+          <a:lstStyle/>
+          <a:p>
+            <a:pPr algn="ctr"/>
+            <a:endParaRPr lang="zh-CN" altLang="en-US"/>
+          </a:p>
+        </p:txBody>
+      </p:sp>
+      <p:grpSp>
+        <p:nvGrpSpPr>
+          <p:cNvPr id="43" name="组合 42"/>
+          <p:cNvGrpSpPr/>
+          <p:nvPr/>
+        </p:nvGrpSpPr>
+        <p:grpSpPr>
+          <a:xfrm>
+            <a:off x="4716016" y="1844824"/>
+            <a:ext cx="864096" cy="2448272"/>
+            <a:chOff x="1115616" y="1772816"/>
+            <a:chExt cx="1152128" cy="2880320"/>
+          </a:xfrm>
+        </p:grpSpPr>
+        <p:sp>
+          <p:nvSpPr>
+            <p:cNvPr id="44" name="矩形 43"/>
+            <p:cNvSpPr/>
+            <p:nvPr/>
+          </p:nvSpPr>
+          <p:spPr>
+            <a:xfrm>
+              <a:off x="1115616" y="1772816"/>
+              <a:ext cx="1152128" cy="360040"/>
+            </a:xfrm>
+            <a:prstGeom prst="rect">
+              <a:avLst/>
+            </a:prstGeom>
+            <a:noFill/>
+            <a:ln>
+              <a:solidFill>
+                <a:schemeClr val="tx1"/>
+              </a:solidFill>
+            </a:ln>
+          </p:spPr>
+          <p:style>
+            <a:lnRef idx="2">
+              <a:schemeClr val="accent1">
+                <a:shade val="50000"/>
+              </a:schemeClr>
+            </a:lnRef>
+            <a:fillRef idx="1">
+              <a:schemeClr val="accent1"/>
+            </a:fillRef>
+            <a:effectRef idx="0">
+              <a:schemeClr val="accent1"/>
+            </a:effectRef>
+            <a:fontRef idx="minor">
+              <a:schemeClr val="lt1"/>
+            </a:fontRef>
+          </p:style>
+          <p:txBody>
+            <a:bodyPr rtlCol="0" anchor="ctr"/>
+            <a:lstStyle/>
+            <a:p>
+              <a:pPr algn="ctr"/>
+              <a:endParaRPr lang="zh-CN" altLang="en-US"/>
+            </a:p>
+          </p:txBody>
+        </p:sp>
+        <p:sp>
+          <p:nvSpPr>
+            <p:cNvPr id="45" name="矩形 44"/>
+            <p:cNvSpPr/>
+            <p:nvPr/>
+          </p:nvSpPr>
+          <p:spPr>
+            <a:xfrm>
+              <a:off x="1115616" y="2132856"/>
+              <a:ext cx="1152128" cy="360040"/>
+            </a:xfrm>
+            <a:prstGeom prst="rect">
+              <a:avLst/>
+            </a:prstGeom>
+            <a:noFill/>
+            <a:ln>
+              <a:solidFill>
+                <a:schemeClr val="tx1"/>
+              </a:solidFill>
+            </a:ln>
+          </p:spPr>
+          <p:style>
+            <a:lnRef idx="2">
+              <a:schemeClr val="accent1">
+                <a:shade val="50000"/>
+              </a:schemeClr>
+            </a:lnRef>
+            <a:fillRef idx="1">
+              <a:schemeClr val="accent1"/>
+            </a:fillRef>
+            <a:effectRef idx="0">
+              <a:schemeClr val="accent1"/>
+            </a:effectRef>
+            <a:fontRef idx="minor">
+              <a:schemeClr val="lt1"/>
+            </a:fontRef>
+          </p:style>
+          <p:txBody>
+            <a:bodyPr rtlCol="0" anchor="ctr"/>
+            <a:lstStyle/>
+            <a:p>
+              <a:pPr algn="ctr"/>
+              <a:r>
+                <a:rPr lang="en-US" altLang="zh-CN" dirty="0" smtClean="0">
+                  <a:solidFill>
+                    <a:schemeClr val="tx1"/>
+                  </a:solidFill>
+                </a:rPr>
+                <a:t>name</a:t>
+              </a:r>
+              <a:endParaRPr lang="zh-CN" altLang="en-US" dirty="0">
+                <a:solidFill>
+                  <a:schemeClr val="tx1"/>
+                </a:solidFill>
+              </a:endParaRPr>
+            </a:p>
+          </p:txBody>
+        </p:sp>
+        <p:sp>
+          <p:nvSpPr>
+            <p:cNvPr id="46" name="矩形 45"/>
+            <p:cNvSpPr/>
+            <p:nvPr/>
+          </p:nvSpPr>
+          <p:spPr>
+            <a:xfrm>
+              <a:off x="1115616" y="2492896"/>
+              <a:ext cx="1152128" cy="360040"/>
+            </a:xfrm>
+            <a:prstGeom prst="rect">
+              <a:avLst/>
+            </a:prstGeom>
+            <a:noFill/>
+            <a:ln>
+              <a:solidFill>
+                <a:schemeClr val="tx1"/>
+              </a:solidFill>
+            </a:ln>
+          </p:spPr>
+          <p:style>
+            <a:lnRef idx="2">
+              <a:schemeClr val="accent1">
+                <a:shade val="50000"/>
+              </a:schemeClr>
+            </a:lnRef>
+            <a:fillRef idx="1">
+              <a:schemeClr val="accent1"/>
+            </a:fillRef>
+            <a:effectRef idx="0">
+              <a:schemeClr val="accent1"/>
+            </a:effectRef>
+            <a:fontRef idx="minor">
+              <a:schemeClr val="lt1"/>
+            </a:fontRef>
+          </p:style>
+          <p:txBody>
+            <a:bodyPr rtlCol="0" anchor="ctr"/>
+            <a:lstStyle/>
+            <a:p>
+              <a:pPr algn="ctr"/>
+              <a:r>
+                <a:rPr lang="en-US" altLang="zh-CN" sz="1600" dirty="0" smtClean="0">
+                  <a:solidFill>
+                    <a:schemeClr val="tx1"/>
+                  </a:solidFill>
+                </a:rPr>
+                <a:t>children</a:t>
+              </a:r>
+              <a:endParaRPr lang="zh-CN" altLang="en-US" sz="1600" dirty="0" smtClean="0">
+                <a:solidFill>
+                  <a:schemeClr val="tx1"/>
+                </a:solidFill>
+              </a:endParaRPr>
+            </a:p>
+          </p:txBody>
+        </p:sp>
+        <p:sp>
+          <p:nvSpPr>
+            <p:cNvPr id="47" name="矩形 46"/>
+            <p:cNvSpPr/>
+            <p:nvPr/>
+          </p:nvSpPr>
+          <p:spPr>
+            <a:xfrm>
+              <a:off x="1115616" y="2852936"/>
+              <a:ext cx="1152128" cy="360040"/>
+            </a:xfrm>
+            <a:prstGeom prst="rect">
+              <a:avLst/>
+            </a:prstGeom>
+            <a:noFill/>
+            <a:ln>
+              <a:solidFill>
+                <a:schemeClr val="tx1"/>
+              </a:solidFill>
+            </a:ln>
+          </p:spPr>
+          <p:style>
+            <a:lnRef idx="2">
+              <a:schemeClr val="accent1">
+                <a:shade val="50000"/>
+              </a:schemeClr>
+            </a:lnRef>
+            <a:fillRef idx="1">
+              <a:schemeClr val="accent1"/>
+            </a:fillRef>
+            <a:effectRef idx="0">
+              <a:schemeClr val="accent1"/>
+            </a:effectRef>
+            <a:fontRef idx="minor">
+              <a:schemeClr val="lt1"/>
+            </a:fontRef>
+          </p:style>
+          <p:txBody>
+            <a:bodyPr rtlCol="0" anchor="ctr"/>
+            <a:lstStyle/>
+            <a:p>
+              <a:pPr algn="ctr"/>
+              <a:r>
+                <a:rPr lang="en-US" altLang="zh-CN" dirty="0" smtClean="0">
+                  <a:solidFill>
+                    <a:schemeClr val="tx1"/>
+                  </a:solidFill>
+                </a:rPr>
+                <a:t>last</a:t>
+              </a:r>
+              <a:endParaRPr lang="zh-CN" altLang="en-US" dirty="0" smtClean="0">
+                <a:solidFill>
+                  <a:schemeClr val="tx1"/>
+                </a:solidFill>
+              </a:endParaRPr>
+            </a:p>
+          </p:txBody>
+        </p:sp>
+        <p:sp>
+          <p:nvSpPr>
+            <p:cNvPr id="48" name="矩形 47"/>
+            <p:cNvSpPr/>
+            <p:nvPr/>
+          </p:nvSpPr>
+          <p:spPr>
+            <a:xfrm>
+              <a:off x="1115616" y="3212976"/>
+              <a:ext cx="1152128" cy="360040"/>
+            </a:xfrm>
+            <a:prstGeom prst="rect">
+              <a:avLst/>
+            </a:prstGeom>
+            <a:noFill/>
+            <a:ln>
+              <a:solidFill>
+                <a:schemeClr val="tx1"/>
+              </a:solidFill>
+            </a:ln>
+          </p:spPr>
+          <p:style>
+            <a:lnRef idx="2">
+              <a:schemeClr val="accent1">
+                <a:shade val="50000"/>
+              </a:schemeClr>
+            </a:lnRef>
+            <a:fillRef idx="1">
+              <a:schemeClr val="accent1"/>
+            </a:fillRef>
+            <a:effectRef idx="0">
+              <a:schemeClr val="accent1"/>
+            </a:effectRef>
+            <a:fontRef idx="minor">
+              <a:schemeClr val="lt1"/>
+            </a:fontRef>
+          </p:style>
+          <p:txBody>
+            <a:bodyPr rtlCol="0" anchor="ctr"/>
+            <a:lstStyle/>
+            <a:p>
+              <a:pPr algn="ctr"/>
+              <a:r>
+                <a:rPr lang="en-US" altLang="zh-CN" dirty="0" smtClean="0">
+                  <a:solidFill>
+                    <a:schemeClr val="tx1"/>
+                  </a:solidFill>
+                </a:rPr>
+                <a:t>…</a:t>
+              </a:r>
+              <a:endParaRPr lang="zh-CN" altLang="en-US" dirty="0" smtClean="0">
+                <a:solidFill>
+                  <a:schemeClr val="tx1"/>
+                </a:solidFill>
+              </a:endParaRPr>
+            </a:p>
+          </p:txBody>
+        </p:sp>
+        <p:sp>
+          <p:nvSpPr>
+            <p:cNvPr id="49" name="矩形 48"/>
+            <p:cNvSpPr/>
+            <p:nvPr/>
+          </p:nvSpPr>
+          <p:spPr>
+            <a:xfrm>
+              <a:off x="1115616" y="3573016"/>
+              <a:ext cx="1152128" cy="360040"/>
+            </a:xfrm>
+            <a:prstGeom prst="rect">
+              <a:avLst/>
+            </a:prstGeom>
+            <a:noFill/>
+            <a:ln>
+              <a:solidFill>
+                <a:schemeClr val="tx1"/>
+              </a:solidFill>
+            </a:ln>
+          </p:spPr>
+          <p:style>
+            <a:lnRef idx="2">
+              <a:schemeClr val="accent1">
+                <a:shade val="50000"/>
+              </a:schemeClr>
+            </a:lnRef>
+            <a:fillRef idx="1">
+              <a:schemeClr val="accent1"/>
+            </a:fillRef>
+            <a:effectRef idx="0">
+              <a:schemeClr val="accent1"/>
+            </a:effectRef>
+            <a:fontRef idx="minor">
+              <a:schemeClr val="lt1"/>
+            </a:fontRef>
+          </p:style>
+          <p:txBody>
+            <a:bodyPr rtlCol="0" anchor="ctr"/>
+            <a:lstStyle/>
+            <a:p>
+              <a:pPr algn="ctr"/>
+              <a:r>
+                <a:rPr lang="en-US" altLang="zh-CN" dirty="0" smtClean="0">
+                  <a:solidFill>
+                    <a:schemeClr val="tx1"/>
+                  </a:solidFill>
+                </a:rPr>
+                <a:t>parent</a:t>
+              </a:r>
+              <a:endParaRPr lang="zh-CN" altLang="en-US" dirty="0" smtClean="0">
+                <a:solidFill>
+                  <a:schemeClr val="tx1"/>
+                </a:solidFill>
+              </a:endParaRPr>
+            </a:p>
+          </p:txBody>
+        </p:sp>
+        <p:sp>
+          <p:nvSpPr>
+            <p:cNvPr id="50" name="矩形 49"/>
+            <p:cNvSpPr/>
+            <p:nvPr/>
+          </p:nvSpPr>
+          <p:spPr>
+            <a:xfrm>
+              <a:off x="1115616" y="3933056"/>
+              <a:ext cx="1152128" cy="360040"/>
+            </a:xfrm>
+            <a:prstGeom prst="rect">
+              <a:avLst/>
+            </a:prstGeom>
+            <a:noFill/>
+            <a:ln>
+              <a:solidFill>
+                <a:schemeClr val="tx1"/>
+              </a:solidFill>
+            </a:ln>
+          </p:spPr>
+          <p:style>
+            <a:lnRef idx="2">
+              <a:schemeClr val="accent1">
+                <a:shade val="50000"/>
+              </a:schemeClr>
+            </a:lnRef>
+            <a:fillRef idx="1">
+              <a:schemeClr val="accent1"/>
+            </a:fillRef>
+            <a:effectRef idx="0">
+              <a:schemeClr val="accent1"/>
+            </a:effectRef>
+            <a:fontRef idx="minor">
+              <a:schemeClr val="lt1"/>
+            </a:fontRef>
+          </p:style>
+          <p:txBody>
+            <a:bodyPr rtlCol="0" anchor="ctr"/>
+            <a:lstStyle/>
+            <a:p>
+              <a:pPr algn="ctr"/>
+              <a:r>
+                <a:rPr lang="en-US" altLang="zh-CN" dirty="0" smtClean="0">
+                  <a:solidFill>
+                    <a:schemeClr val="tx1"/>
+                  </a:solidFill>
+                </a:rPr>
+                <a:t>…</a:t>
+              </a:r>
+              <a:endParaRPr lang="zh-CN" altLang="en-US" dirty="0">
+                <a:solidFill>
+                  <a:schemeClr val="tx1"/>
+                </a:solidFill>
+              </a:endParaRPr>
+            </a:p>
+          </p:txBody>
+        </p:sp>
+        <p:sp>
+          <p:nvSpPr>
+            <p:cNvPr id="51" name="矩形 50"/>
+            <p:cNvSpPr/>
+            <p:nvPr/>
+          </p:nvSpPr>
+          <p:spPr>
+            <a:xfrm>
+              <a:off x="1115616" y="4293096"/>
+              <a:ext cx="1152128" cy="360040"/>
+            </a:xfrm>
+            <a:prstGeom prst="rect">
+              <a:avLst/>
+            </a:prstGeom>
+            <a:noFill/>
+            <a:ln>
+              <a:solidFill>
+                <a:schemeClr val="tx1"/>
+              </a:solidFill>
+            </a:ln>
+          </p:spPr>
+          <p:style>
+            <a:lnRef idx="2">
+              <a:schemeClr val="accent1">
+                <a:shade val="50000"/>
+              </a:schemeClr>
+            </a:lnRef>
+            <a:fillRef idx="1">
+              <a:schemeClr val="accent1"/>
+            </a:fillRef>
+            <a:effectRef idx="0">
+              <a:schemeClr val="accent1"/>
+            </a:effectRef>
+            <a:fontRef idx="minor">
+              <a:schemeClr val="lt1"/>
+            </a:fontRef>
+          </p:style>
+          <p:txBody>
+            <a:bodyPr rtlCol="0" anchor="ctr"/>
+            <a:lstStyle/>
+            <a:p>
+              <a:pPr algn="ctr"/>
+              <a:r>
+                <a:rPr lang="en-US" altLang="zh-CN" dirty="0" smtClean="0">
+                  <a:solidFill>
+                    <a:schemeClr val="tx1"/>
+                  </a:solidFill>
+                </a:rPr>
+                <a:t>doc</a:t>
+              </a:r>
+              <a:endParaRPr lang="zh-CN" altLang="en-US" dirty="0" smtClean="0">
+                <a:solidFill>
+                  <a:schemeClr val="tx1"/>
+                </a:solidFill>
+              </a:endParaRPr>
+            </a:p>
+          </p:txBody>
+        </p:sp>
+      </p:grpSp>
+      <p:sp>
+        <p:nvSpPr>
+          <p:cNvPr id="52" name="TextBox 51"/>
+          <p:cNvSpPr txBox="1"/>
+          <p:nvPr/>
+        </p:nvSpPr>
+        <p:spPr>
+          <a:xfrm>
+            <a:off x="4234264" y="692696"/>
+            <a:ext cx="3506088" cy="369332"/>
+          </a:xfrm>
+          <a:prstGeom prst="rect">
+            <a:avLst/>
+          </a:prstGeom>
+          <a:noFill/>
+        </p:spPr>
+        <p:txBody>
+          <a:bodyPr wrap="none" rtlCol="0">
+            <a:spAutoFit/>
+          </a:bodyPr>
+          <a:lstStyle/>
+          <a:p>
+            <a:r>
+              <a:rPr lang="en-US" altLang="zh-CN" dirty="0" err="1" smtClean="0"/>
+              <a:t>xmlAddChild</a:t>
+            </a:r>
+            <a:r>
+              <a:rPr lang="en-US" altLang="zh-CN" dirty="0" smtClean="0"/>
+              <a:t>(</a:t>
+            </a:r>
+            <a:r>
+              <a:rPr lang="en-US" altLang="zh-CN" dirty="0" err="1" smtClean="0"/>
+              <a:t>root_node</a:t>
+            </a:r>
+            <a:r>
+              <a:rPr lang="en-US" altLang="zh-CN" dirty="0" smtClean="0"/>
+              <a:t>, </a:t>
+            </a:r>
+            <a:r>
+              <a:rPr lang="en-US" altLang="zh-CN" dirty="0" smtClean="0"/>
+              <a:t>node2);</a:t>
+            </a:r>
+            <a:endParaRPr lang="zh-CN" altLang="en-US" dirty="0"/>
+          </a:p>
+        </p:txBody>
+      </p:sp>
+      <p:sp>
+        <p:nvSpPr>
+          <p:cNvPr id="53" name="TextBox 52"/>
+          <p:cNvSpPr txBox="1"/>
+          <p:nvPr/>
+        </p:nvSpPr>
+        <p:spPr>
+          <a:xfrm>
+            <a:off x="4760657" y="1583214"/>
+            <a:ext cx="819455" cy="261610"/>
+          </a:xfrm>
+          <a:prstGeom prst="rect">
+            <a:avLst/>
+          </a:prstGeom>
+          <a:noFill/>
+        </p:spPr>
+        <p:txBody>
+          <a:bodyPr wrap="none" rtlCol="0">
+            <a:spAutoFit/>
+          </a:bodyPr>
+          <a:lstStyle/>
+          <a:p>
+            <a:r>
+              <a:rPr lang="en-US" altLang="zh-CN" sz="1100" dirty="0" err="1" smtClean="0"/>
+              <a:t>r</a:t>
+            </a:r>
+            <a:r>
+              <a:rPr lang="en-US" altLang="zh-CN" sz="1100" dirty="0" err="1" smtClean="0"/>
+              <a:t>oot_node</a:t>
+            </a:r>
+            <a:endParaRPr lang="zh-CN" altLang="en-US" sz="1100" dirty="0"/>
+          </a:p>
+        </p:txBody>
+      </p:sp>
+      <p:grpSp>
+        <p:nvGrpSpPr>
+          <p:cNvPr id="54" name="组合 53"/>
+          <p:cNvGrpSpPr/>
+          <p:nvPr/>
+        </p:nvGrpSpPr>
+        <p:grpSpPr>
+          <a:xfrm>
+            <a:off x="6228184" y="1844824"/>
+            <a:ext cx="864096" cy="2448272"/>
+            <a:chOff x="1115616" y="1772816"/>
+            <a:chExt cx="1152128" cy="2880320"/>
+          </a:xfrm>
+        </p:grpSpPr>
+        <p:sp>
+          <p:nvSpPr>
+            <p:cNvPr id="55" name="矩形 54"/>
+            <p:cNvSpPr/>
+            <p:nvPr/>
+          </p:nvSpPr>
+          <p:spPr>
+            <a:xfrm>
+              <a:off x="1115616" y="1772816"/>
+              <a:ext cx="1152128" cy="360040"/>
+            </a:xfrm>
+            <a:prstGeom prst="rect">
+              <a:avLst/>
+            </a:prstGeom>
+            <a:noFill/>
+            <a:ln>
+              <a:solidFill>
+                <a:schemeClr val="tx1"/>
+              </a:solidFill>
+            </a:ln>
+          </p:spPr>
+          <p:style>
+            <a:lnRef idx="2">
+              <a:schemeClr val="accent1">
+                <a:shade val="50000"/>
+              </a:schemeClr>
+            </a:lnRef>
+            <a:fillRef idx="1">
+              <a:schemeClr val="accent1"/>
+            </a:fillRef>
+            <a:effectRef idx="0">
+              <a:schemeClr val="accent1"/>
+            </a:effectRef>
+            <a:fontRef idx="minor">
+              <a:schemeClr val="lt1"/>
+            </a:fontRef>
+          </p:style>
+          <p:txBody>
+            <a:bodyPr rtlCol="0" anchor="ctr"/>
+            <a:lstStyle/>
+            <a:p>
+              <a:pPr algn="ctr"/>
+              <a:endParaRPr lang="zh-CN" altLang="en-US"/>
+            </a:p>
+          </p:txBody>
+        </p:sp>
+        <p:sp>
+          <p:nvSpPr>
+            <p:cNvPr id="56" name="矩形 55"/>
+            <p:cNvSpPr/>
+            <p:nvPr/>
+          </p:nvSpPr>
+          <p:spPr>
+            <a:xfrm>
+              <a:off x="1115616" y="2132856"/>
+              <a:ext cx="1152128" cy="360040"/>
+            </a:xfrm>
+            <a:prstGeom prst="rect">
+              <a:avLst/>
+            </a:prstGeom>
+            <a:noFill/>
+            <a:ln>
+              <a:solidFill>
+                <a:schemeClr val="tx1"/>
+              </a:solidFill>
+            </a:ln>
+          </p:spPr>
+          <p:style>
+            <a:lnRef idx="2">
+              <a:schemeClr val="accent1">
+                <a:shade val="50000"/>
+              </a:schemeClr>
+            </a:lnRef>
+            <a:fillRef idx="1">
+              <a:schemeClr val="accent1"/>
+            </a:fillRef>
+            <a:effectRef idx="0">
+              <a:schemeClr val="accent1"/>
+            </a:effectRef>
+            <a:fontRef idx="minor">
+              <a:schemeClr val="lt1"/>
+            </a:fontRef>
+          </p:style>
+          <p:txBody>
+            <a:bodyPr rtlCol="0" anchor="ctr"/>
+            <a:lstStyle/>
+            <a:p>
+              <a:pPr algn="ctr"/>
+              <a:r>
+                <a:rPr lang="en-US" altLang="zh-CN" dirty="0" smtClean="0">
+                  <a:solidFill>
+                    <a:schemeClr val="tx1"/>
+                  </a:solidFill>
+                </a:rPr>
+                <a:t>name</a:t>
+              </a:r>
+              <a:endParaRPr lang="zh-CN" altLang="en-US" dirty="0">
+                <a:solidFill>
+                  <a:schemeClr val="tx1"/>
+                </a:solidFill>
+              </a:endParaRPr>
+            </a:p>
+          </p:txBody>
+        </p:sp>
+        <p:sp>
+          <p:nvSpPr>
+            <p:cNvPr id="57" name="矩形 56"/>
+            <p:cNvSpPr/>
+            <p:nvPr/>
+          </p:nvSpPr>
+          <p:spPr>
+            <a:xfrm>
+              <a:off x="1115616" y="2492896"/>
+              <a:ext cx="1152128" cy="360040"/>
+            </a:xfrm>
+            <a:prstGeom prst="rect">
+              <a:avLst/>
+            </a:prstGeom>
+            <a:noFill/>
+            <a:ln>
+              <a:solidFill>
+                <a:schemeClr val="tx1"/>
+              </a:solidFill>
+            </a:ln>
+          </p:spPr>
+          <p:style>
+            <a:lnRef idx="2">
+              <a:schemeClr val="accent1">
+                <a:shade val="50000"/>
+              </a:schemeClr>
+            </a:lnRef>
+            <a:fillRef idx="1">
+              <a:schemeClr val="accent1"/>
+            </a:fillRef>
+            <a:effectRef idx="0">
+              <a:schemeClr val="accent1"/>
+            </a:effectRef>
+            <a:fontRef idx="minor">
+              <a:schemeClr val="lt1"/>
+            </a:fontRef>
+          </p:style>
+          <p:txBody>
+            <a:bodyPr rtlCol="0" anchor="ctr"/>
+            <a:lstStyle/>
+            <a:p>
+              <a:pPr algn="ctr"/>
+              <a:r>
+                <a:rPr lang="en-US" altLang="zh-CN" sz="1600" dirty="0" smtClean="0">
+                  <a:solidFill>
+                    <a:schemeClr val="tx1"/>
+                  </a:solidFill>
+                </a:rPr>
+                <a:t>children</a:t>
+              </a:r>
+              <a:endParaRPr lang="zh-CN" altLang="en-US" sz="1600" dirty="0" smtClean="0">
+                <a:solidFill>
+                  <a:schemeClr val="tx1"/>
+                </a:solidFill>
+              </a:endParaRPr>
+            </a:p>
+          </p:txBody>
+        </p:sp>
+        <p:sp>
+          <p:nvSpPr>
+            <p:cNvPr id="58" name="矩形 57"/>
+            <p:cNvSpPr/>
+            <p:nvPr/>
+          </p:nvSpPr>
+          <p:spPr>
+            <a:xfrm>
+              <a:off x="1115616" y="2852936"/>
+              <a:ext cx="1152128" cy="360040"/>
+            </a:xfrm>
+            <a:prstGeom prst="rect">
+              <a:avLst/>
+            </a:prstGeom>
+            <a:noFill/>
+            <a:ln>
+              <a:solidFill>
+                <a:schemeClr val="tx1"/>
+              </a:solidFill>
+            </a:ln>
+          </p:spPr>
+          <p:style>
+            <a:lnRef idx="2">
+              <a:schemeClr val="accent1">
+                <a:shade val="50000"/>
+              </a:schemeClr>
+            </a:lnRef>
+            <a:fillRef idx="1">
+              <a:schemeClr val="accent1"/>
+            </a:fillRef>
+            <a:effectRef idx="0">
+              <a:schemeClr val="accent1"/>
+            </a:effectRef>
+            <a:fontRef idx="minor">
+              <a:schemeClr val="lt1"/>
+            </a:fontRef>
+          </p:style>
+          <p:txBody>
+            <a:bodyPr rtlCol="0" anchor="ctr"/>
+            <a:lstStyle/>
+            <a:p>
+              <a:pPr algn="ctr"/>
+              <a:r>
+                <a:rPr lang="en-US" altLang="zh-CN" dirty="0" smtClean="0">
+                  <a:solidFill>
+                    <a:schemeClr val="tx1"/>
+                  </a:solidFill>
+                </a:rPr>
+                <a:t>last</a:t>
+              </a:r>
+              <a:endParaRPr lang="zh-CN" altLang="en-US" dirty="0" smtClean="0">
+                <a:solidFill>
+                  <a:schemeClr val="tx1"/>
+                </a:solidFill>
+              </a:endParaRPr>
+            </a:p>
+          </p:txBody>
+        </p:sp>
+        <p:sp>
+          <p:nvSpPr>
+            <p:cNvPr id="59" name="矩形 58"/>
+            <p:cNvSpPr/>
+            <p:nvPr/>
+          </p:nvSpPr>
+          <p:spPr>
+            <a:xfrm>
+              <a:off x="1115616" y="3212976"/>
+              <a:ext cx="1152128" cy="360040"/>
+            </a:xfrm>
+            <a:prstGeom prst="rect">
+              <a:avLst/>
+            </a:prstGeom>
+            <a:noFill/>
+            <a:ln>
+              <a:solidFill>
+                <a:schemeClr val="tx1"/>
+              </a:solidFill>
+            </a:ln>
+          </p:spPr>
+          <p:style>
+            <a:lnRef idx="2">
+              <a:schemeClr val="accent1">
+                <a:shade val="50000"/>
+              </a:schemeClr>
+            </a:lnRef>
+            <a:fillRef idx="1">
+              <a:schemeClr val="accent1"/>
+            </a:fillRef>
+            <a:effectRef idx="0">
+              <a:schemeClr val="accent1"/>
+            </a:effectRef>
+            <a:fontRef idx="minor">
+              <a:schemeClr val="lt1"/>
+            </a:fontRef>
+          </p:style>
+          <p:txBody>
+            <a:bodyPr rtlCol="0" anchor="ctr"/>
+            <a:lstStyle/>
+            <a:p>
+              <a:pPr algn="ctr"/>
+              <a:r>
+                <a:rPr lang="en-US" altLang="zh-CN" dirty="0" smtClean="0">
+                  <a:solidFill>
+                    <a:schemeClr val="tx1"/>
+                  </a:solidFill>
+                </a:rPr>
+                <a:t>next</a:t>
+              </a:r>
+              <a:endParaRPr lang="zh-CN" altLang="en-US" dirty="0" smtClean="0">
+                <a:solidFill>
+                  <a:schemeClr val="tx1"/>
+                </a:solidFill>
+              </a:endParaRPr>
+            </a:p>
+          </p:txBody>
+        </p:sp>
+        <p:sp>
+          <p:nvSpPr>
+            <p:cNvPr id="60" name="矩形 59"/>
+            <p:cNvSpPr/>
+            <p:nvPr/>
+          </p:nvSpPr>
+          <p:spPr>
+            <a:xfrm>
+              <a:off x="1115616" y="3573016"/>
+              <a:ext cx="1152128" cy="360040"/>
+            </a:xfrm>
+            <a:prstGeom prst="rect">
+              <a:avLst/>
+            </a:prstGeom>
+            <a:noFill/>
+            <a:ln>
+              <a:solidFill>
+                <a:schemeClr val="tx1"/>
+              </a:solidFill>
+            </a:ln>
+          </p:spPr>
+          <p:style>
+            <a:lnRef idx="2">
+              <a:schemeClr val="accent1">
+                <a:shade val="50000"/>
+              </a:schemeClr>
+            </a:lnRef>
+            <a:fillRef idx="1">
+              <a:schemeClr val="accent1"/>
+            </a:fillRef>
+            <a:effectRef idx="0">
+              <a:schemeClr val="accent1"/>
+            </a:effectRef>
+            <a:fontRef idx="minor">
+              <a:schemeClr val="lt1"/>
+            </a:fontRef>
+          </p:style>
+          <p:txBody>
+            <a:bodyPr rtlCol="0" anchor="ctr"/>
+            <a:lstStyle/>
+            <a:p>
+              <a:pPr algn="ctr"/>
+              <a:r>
+                <a:rPr lang="en-US" altLang="zh-CN" dirty="0" smtClean="0">
+                  <a:solidFill>
+                    <a:schemeClr val="tx1"/>
+                  </a:solidFill>
+                </a:rPr>
+                <a:t>parent</a:t>
+              </a:r>
+              <a:endParaRPr lang="zh-CN" altLang="en-US" dirty="0" smtClean="0">
+                <a:solidFill>
+                  <a:schemeClr val="tx1"/>
+                </a:solidFill>
+              </a:endParaRPr>
+            </a:p>
+          </p:txBody>
+        </p:sp>
+        <p:sp>
+          <p:nvSpPr>
+            <p:cNvPr id="61" name="矩形 60"/>
+            <p:cNvSpPr/>
+            <p:nvPr/>
+          </p:nvSpPr>
+          <p:spPr>
+            <a:xfrm>
+              <a:off x="1115616" y="3933056"/>
+              <a:ext cx="1152128" cy="360040"/>
+            </a:xfrm>
+            <a:prstGeom prst="rect">
+              <a:avLst/>
+            </a:prstGeom>
+            <a:noFill/>
+            <a:ln>
+              <a:solidFill>
+                <a:schemeClr val="tx1"/>
+              </a:solidFill>
+            </a:ln>
+          </p:spPr>
+          <p:style>
+            <a:lnRef idx="2">
+              <a:schemeClr val="accent1">
+                <a:shade val="50000"/>
+              </a:schemeClr>
+            </a:lnRef>
+            <a:fillRef idx="1">
+              <a:schemeClr val="accent1"/>
+            </a:fillRef>
+            <a:effectRef idx="0">
+              <a:schemeClr val="accent1"/>
+            </a:effectRef>
+            <a:fontRef idx="minor">
+              <a:schemeClr val="lt1"/>
+            </a:fontRef>
+          </p:style>
+          <p:txBody>
+            <a:bodyPr rtlCol="0" anchor="ctr"/>
+            <a:lstStyle/>
+            <a:p>
+              <a:pPr algn="ctr"/>
+              <a:r>
+                <a:rPr lang="en-US" altLang="zh-CN" dirty="0" smtClean="0">
+                  <a:solidFill>
+                    <a:schemeClr val="tx1"/>
+                  </a:solidFill>
+                </a:rPr>
+                <a:t>…</a:t>
+              </a:r>
+              <a:endParaRPr lang="zh-CN" altLang="en-US" dirty="0">
+                <a:solidFill>
+                  <a:schemeClr val="tx1"/>
+                </a:solidFill>
+              </a:endParaRPr>
+            </a:p>
+          </p:txBody>
+        </p:sp>
+        <p:sp>
+          <p:nvSpPr>
+            <p:cNvPr id="62" name="矩形 61"/>
+            <p:cNvSpPr/>
+            <p:nvPr/>
+          </p:nvSpPr>
+          <p:spPr>
+            <a:xfrm>
+              <a:off x="1115616" y="4293096"/>
+              <a:ext cx="1152128" cy="360040"/>
+            </a:xfrm>
+            <a:prstGeom prst="rect">
+              <a:avLst/>
+            </a:prstGeom>
+            <a:noFill/>
+            <a:ln>
+              <a:solidFill>
+                <a:schemeClr val="tx1"/>
+              </a:solidFill>
+            </a:ln>
+          </p:spPr>
+          <p:style>
+            <a:lnRef idx="2">
+              <a:schemeClr val="accent1">
+                <a:shade val="50000"/>
+              </a:schemeClr>
+            </a:lnRef>
+            <a:fillRef idx="1">
+              <a:schemeClr val="accent1"/>
+            </a:fillRef>
+            <a:effectRef idx="0">
+              <a:schemeClr val="accent1"/>
+            </a:effectRef>
+            <a:fontRef idx="minor">
+              <a:schemeClr val="lt1"/>
+            </a:fontRef>
+          </p:style>
+          <p:txBody>
+            <a:bodyPr rtlCol="0" anchor="ctr"/>
+            <a:lstStyle/>
+            <a:p>
+              <a:pPr algn="ctr"/>
+              <a:r>
+                <a:rPr lang="en-US" altLang="zh-CN" dirty="0" smtClean="0">
+                  <a:solidFill>
+                    <a:schemeClr val="tx1"/>
+                  </a:solidFill>
+                </a:rPr>
+                <a:t>doc</a:t>
+              </a:r>
+              <a:endParaRPr lang="zh-CN" altLang="en-US" dirty="0" smtClean="0">
+                <a:solidFill>
+                  <a:schemeClr val="tx1"/>
+                </a:solidFill>
+              </a:endParaRPr>
+            </a:p>
+          </p:txBody>
+        </p:sp>
+      </p:grpSp>
+      <p:sp>
+        <p:nvSpPr>
+          <p:cNvPr id="63" name="TextBox 62"/>
+          <p:cNvSpPr txBox="1"/>
+          <p:nvPr/>
+        </p:nvSpPr>
+        <p:spPr>
+          <a:xfrm>
+            <a:off x="6372200" y="1583214"/>
+            <a:ext cx="577402" cy="261610"/>
+          </a:xfrm>
+          <a:prstGeom prst="rect">
+            <a:avLst/>
+          </a:prstGeom>
+          <a:noFill/>
+        </p:spPr>
+        <p:txBody>
+          <a:bodyPr wrap="none" rtlCol="0">
+            <a:spAutoFit/>
+          </a:bodyPr>
+          <a:lstStyle/>
+          <a:p>
+            <a:r>
+              <a:rPr lang="en-US" altLang="zh-CN" sz="1100" dirty="0" smtClean="0"/>
+              <a:t>node1</a:t>
+            </a:r>
+            <a:endParaRPr lang="zh-CN" altLang="en-US" sz="1100" dirty="0"/>
+          </a:p>
+        </p:txBody>
+      </p:sp>
+      <p:grpSp>
+        <p:nvGrpSpPr>
+          <p:cNvPr id="64" name="组合 63"/>
+          <p:cNvGrpSpPr/>
+          <p:nvPr/>
+        </p:nvGrpSpPr>
+        <p:grpSpPr>
+          <a:xfrm>
+            <a:off x="7740352" y="1844824"/>
+            <a:ext cx="864096" cy="2448272"/>
+            <a:chOff x="1115616" y="1772816"/>
+            <a:chExt cx="1152128" cy="2880320"/>
+          </a:xfrm>
+        </p:grpSpPr>
+        <p:sp>
+          <p:nvSpPr>
+            <p:cNvPr id="65" name="矩形 64"/>
+            <p:cNvSpPr/>
+            <p:nvPr/>
+          </p:nvSpPr>
+          <p:spPr>
+            <a:xfrm>
+              <a:off x="1115616" y="1772816"/>
+              <a:ext cx="1152128" cy="360040"/>
+            </a:xfrm>
+            <a:prstGeom prst="rect">
+              <a:avLst/>
+            </a:prstGeom>
+            <a:noFill/>
+            <a:ln>
+              <a:solidFill>
+                <a:schemeClr val="tx1"/>
+              </a:solidFill>
+            </a:ln>
+          </p:spPr>
+          <p:style>
+            <a:lnRef idx="2">
+              <a:schemeClr val="accent1">
+                <a:shade val="50000"/>
+              </a:schemeClr>
+            </a:lnRef>
+            <a:fillRef idx="1">
+              <a:schemeClr val="accent1"/>
+            </a:fillRef>
+            <a:effectRef idx="0">
+              <a:schemeClr val="accent1"/>
+            </a:effectRef>
+            <a:fontRef idx="minor">
+              <a:schemeClr val="lt1"/>
+            </a:fontRef>
+          </p:style>
+          <p:txBody>
+            <a:bodyPr rtlCol="0" anchor="ctr"/>
+            <a:lstStyle/>
+            <a:p>
+              <a:pPr algn="ctr"/>
+              <a:endParaRPr lang="zh-CN" altLang="en-US"/>
+            </a:p>
+          </p:txBody>
+        </p:sp>
+        <p:sp>
+          <p:nvSpPr>
+            <p:cNvPr id="66" name="矩形 65"/>
+            <p:cNvSpPr/>
+            <p:nvPr/>
+          </p:nvSpPr>
+          <p:spPr>
+            <a:xfrm>
+              <a:off x="1115616" y="2132856"/>
+              <a:ext cx="1152128" cy="360040"/>
+            </a:xfrm>
+            <a:prstGeom prst="rect">
+              <a:avLst/>
+            </a:prstGeom>
+            <a:noFill/>
+            <a:ln>
+              <a:solidFill>
+                <a:schemeClr val="tx1"/>
+              </a:solidFill>
+            </a:ln>
+          </p:spPr>
+          <p:style>
+            <a:lnRef idx="2">
+              <a:schemeClr val="accent1">
+                <a:shade val="50000"/>
+              </a:schemeClr>
+            </a:lnRef>
+            <a:fillRef idx="1">
+              <a:schemeClr val="accent1"/>
+            </a:fillRef>
+            <a:effectRef idx="0">
+              <a:schemeClr val="accent1"/>
+            </a:effectRef>
+            <a:fontRef idx="minor">
+              <a:schemeClr val="lt1"/>
+            </a:fontRef>
+          </p:style>
+          <p:txBody>
+            <a:bodyPr rtlCol="0" anchor="ctr"/>
+            <a:lstStyle/>
+            <a:p>
+              <a:pPr algn="ctr"/>
+              <a:r>
+                <a:rPr lang="en-US" altLang="zh-CN" dirty="0" smtClean="0">
+                  <a:solidFill>
+                    <a:schemeClr val="tx1"/>
+                  </a:solidFill>
+                </a:rPr>
+                <a:t>name</a:t>
+              </a:r>
+              <a:endParaRPr lang="zh-CN" altLang="en-US" dirty="0">
+                <a:solidFill>
+                  <a:schemeClr val="tx1"/>
+                </a:solidFill>
+              </a:endParaRPr>
+            </a:p>
+          </p:txBody>
+        </p:sp>
+        <p:sp>
+          <p:nvSpPr>
+            <p:cNvPr id="67" name="矩形 66"/>
+            <p:cNvSpPr/>
+            <p:nvPr/>
+          </p:nvSpPr>
+          <p:spPr>
+            <a:xfrm>
+              <a:off x="1115616" y="2492896"/>
+              <a:ext cx="1152128" cy="360040"/>
+            </a:xfrm>
+            <a:prstGeom prst="rect">
+              <a:avLst/>
+            </a:prstGeom>
+            <a:noFill/>
+            <a:ln>
+              <a:solidFill>
+                <a:schemeClr val="tx1"/>
+              </a:solidFill>
+            </a:ln>
+          </p:spPr>
+          <p:style>
+            <a:lnRef idx="2">
+              <a:schemeClr val="accent1">
+                <a:shade val="50000"/>
+              </a:schemeClr>
+            </a:lnRef>
+            <a:fillRef idx="1">
+              <a:schemeClr val="accent1"/>
+            </a:fillRef>
+            <a:effectRef idx="0">
+              <a:schemeClr val="accent1"/>
+            </a:effectRef>
+            <a:fontRef idx="minor">
+              <a:schemeClr val="lt1"/>
+            </a:fontRef>
+          </p:style>
+          <p:txBody>
+            <a:bodyPr rtlCol="0" anchor="ctr"/>
+            <a:lstStyle/>
+            <a:p>
+              <a:pPr algn="ctr"/>
+              <a:r>
+                <a:rPr lang="en-US" altLang="zh-CN" sz="1600" dirty="0" smtClean="0">
+                  <a:solidFill>
+                    <a:schemeClr val="tx1"/>
+                  </a:solidFill>
+                </a:rPr>
+                <a:t>children</a:t>
+              </a:r>
+              <a:endParaRPr lang="zh-CN" altLang="en-US" sz="1600" dirty="0" smtClean="0">
+                <a:solidFill>
+                  <a:schemeClr val="tx1"/>
+                </a:solidFill>
+              </a:endParaRPr>
+            </a:p>
+          </p:txBody>
+        </p:sp>
+        <p:sp>
+          <p:nvSpPr>
+            <p:cNvPr id="68" name="矩形 67"/>
+            <p:cNvSpPr/>
+            <p:nvPr/>
+          </p:nvSpPr>
+          <p:spPr>
+            <a:xfrm>
+              <a:off x="1115616" y="2852936"/>
+              <a:ext cx="1152128" cy="360040"/>
+            </a:xfrm>
+            <a:prstGeom prst="rect">
+              <a:avLst/>
+            </a:prstGeom>
+            <a:noFill/>
+            <a:ln>
+              <a:solidFill>
+                <a:schemeClr val="tx1"/>
+              </a:solidFill>
+            </a:ln>
+          </p:spPr>
+          <p:style>
+            <a:lnRef idx="2">
+              <a:schemeClr val="accent1">
+                <a:shade val="50000"/>
+              </a:schemeClr>
+            </a:lnRef>
+            <a:fillRef idx="1">
+              <a:schemeClr val="accent1"/>
+            </a:fillRef>
+            <a:effectRef idx="0">
+              <a:schemeClr val="accent1"/>
+            </a:effectRef>
+            <a:fontRef idx="minor">
+              <a:schemeClr val="lt1"/>
+            </a:fontRef>
+          </p:style>
+          <p:txBody>
+            <a:bodyPr rtlCol="0" anchor="ctr"/>
+            <a:lstStyle/>
+            <a:p>
+              <a:pPr algn="ctr"/>
+              <a:r>
+                <a:rPr lang="en-US" altLang="zh-CN" dirty="0" smtClean="0">
+                  <a:solidFill>
+                    <a:schemeClr val="tx1"/>
+                  </a:solidFill>
+                </a:rPr>
+                <a:t>last</a:t>
+              </a:r>
+              <a:endParaRPr lang="zh-CN" altLang="en-US" dirty="0" smtClean="0">
+                <a:solidFill>
+                  <a:schemeClr val="tx1"/>
+                </a:solidFill>
+              </a:endParaRPr>
+            </a:p>
+          </p:txBody>
+        </p:sp>
+        <p:sp>
+          <p:nvSpPr>
+            <p:cNvPr id="69" name="矩形 68"/>
+            <p:cNvSpPr/>
+            <p:nvPr/>
+          </p:nvSpPr>
+          <p:spPr>
+            <a:xfrm>
+              <a:off x="1115616" y="3212976"/>
+              <a:ext cx="1152128" cy="360040"/>
+            </a:xfrm>
+            <a:prstGeom prst="rect">
+              <a:avLst/>
+            </a:prstGeom>
+            <a:noFill/>
+            <a:ln>
+              <a:solidFill>
+                <a:schemeClr val="tx1"/>
+              </a:solidFill>
+            </a:ln>
+          </p:spPr>
+          <p:style>
+            <a:lnRef idx="2">
+              <a:schemeClr val="accent1">
+                <a:shade val="50000"/>
+              </a:schemeClr>
+            </a:lnRef>
+            <a:fillRef idx="1">
+              <a:schemeClr val="accent1"/>
+            </a:fillRef>
+            <a:effectRef idx="0">
+              <a:schemeClr val="accent1"/>
+            </a:effectRef>
+            <a:fontRef idx="minor">
+              <a:schemeClr val="lt1"/>
+            </a:fontRef>
+          </p:style>
+          <p:txBody>
+            <a:bodyPr rtlCol="0" anchor="ctr"/>
+            <a:lstStyle/>
+            <a:p>
+              <a:pPr algn="ctr"/>
+              <a:r>
+                <a:rPr lang="en-US" altLang="zh-CN" dirty="0" smtClean="0">
+                  <a:solidFill>
+                    <a:schemeClr val="tx1"/>
+                  </a:solidFill>
+                </a:rPr>
+                <a:t>…</a:t>
+              </a:r>
+              <a:endParaRPr lang="zh-CN" altLang="en-US" dirty="0" smtClean="0">
+                <a:solidFill>
+                  <a:schemeClr val="tx1"/>
+                </a:solidFill>
+              </a:endParaRPr>
+            </a:p>
+          </p:txBody>
+        </p:sp>
+        <p:sp>
+          <p:nvSpPr>
+            <p:cNvPr id="70" name="矩形 69"/>
+            <p:cNvSpPr/>
+            <p:nvPr/>
+          </p:nvSpPr>
+          <p:spPr>
+            <a:xfrm>
+              <a:off x="1115616" y="3573016"/>
+              <a:ext cx="1152128" cy="360040"/>
+            </a:xfrm>
+            <a:prstGeom prst="rect">
+              <a:avLst/>
+            </a:prstGeom>
+            <a:noFill/>
+            <a:ln>
+              <a:solidFill>
+                <a:schemeClr val="tx1"/>
+              </a:solidFill>
+            </a:ln>
+          </p:spPr>
+          <p:style>
+            <a:lnRef idx="2">
+              <a:schemeClr val="accent1">
+                <a:shade val="50000"/>
+              </a:schemeClr>
+            </a:lnRef>
+            <a:fillRef idx="1">
+              <a:schemeClr val="accent1"/>
+            </a:fillRef>
+            <a:effectRef idx="0">
+              <a:schemeClr val="accent1"/>
+            </a:effectRef>
+            <a:fontRef idx="minor">
+              <a:schemeClr val="lt1"/>
+            </a:fontRef>
+          </p:style>
+          <p:txBody>
+            <a:bodyPr rtlCol="0" anchor="ctr"/>
+            <a:lstStyle/>
+            <a:p>
+              <a:pPr algn="ctr"/>
+              <a:r>
+                <a:rPr lang="en-US" altLang="zh-CN" dirty="0" smtClean="0">
+                  <a:solidFill>
+                    <a:schemeClr val="tx1"/>
+                  </a:solidFill>
+                </a:rPr>
+                <a:t>parent</a:t>
+              </a:r>
+              <a:endParaRPr lang="zh-CN" altLang="en-US" dirty="0" smtClean="0">
+                <a:solidFill>
+                  <a:schemeClr val="tx1"/>
+                </a:solidFill>
+              </a:endParaRPr>
+            </a:p>
+          </p:txBody>
+        </p:sp>
+        <p:sp>
+          <p:nvSpPr>
+            <p:cNvPr id="71" name="矩形 70"/>
+            <p:cNvSpPr/>
+            <p:nvPr/>
+          </p:nvSpPr>
+          <p:spPr>
+            <a:xfrm>
+              <a:off x="1115616" y="3933056"/>
+              <a:ext cx="1152128" cy="360040"/>
+            </a:xfrm>
+            <a:prstGeom prst="rect">
+              <a:avLst/>
+            </a:prstGeom>
+            <a:noFill/>
+            <a:ln>
+              <a:solidFill>
+                <a:schemeClr val="tx1"/>
+              </a:solidFill>
+            </a:ln>
+          </p:spPr>
+          <p:style>
+            <a:lnRef idx="2">
+              <a:schemeClr val="accent1">
+                <a:shade val="50000"/>
+              </a:schemeClr>
+            </a:lnRef>
+            <a:fillRef idx="1">
+              <a:schemeClr val="accent1"/>
+            </a:fillRef>
+            <a:effectRef idx="0">
+              <a:schemeClr val="accent1"/>
+            </a:effectRef>
+            <a:fontRef idx="minor">
+              <a:schemeClr val="lt1"/>
+            </a:fontRef>
+          </p:style>
+          <p:txBody>
+            <a:bodyPr rtlCol="0" anchor="ctr"/>
+            <a:lstStyle/>
+            <a:p>
+              <a:pPr algn="ctr"/>
+              <a:r>
+                <a:rPr lang="en-US" altLang="zh-CN" dirty="0" smtClean="0">
+                  <a:solidFill>
+                    <a:schemeClr val="tx1"/>
+                  </a:solidFill>
+                </a:rPr>
+                <a:t>…</a:t>
+              </a:r>
+              <a:endParaRPr lang="zh-CN" altLang="en-US" dirty="0">
+                <a:solidFill>
+                  <a:schemeClr val="tx1"/>
+                </a:solidFill>
+              </a:endParaRPr>
+            </a:p>
+          </p:txBody>
+        </p:sp>
+        <p:sp>
+          <p:nvSpPr>
+            <p:cNvPr id="72" name="矩形 71"/>
+            <p:cNvSpPr/>
+            <p:nvPr/>
+          </p:nvSpPr>
+          <p:spPr>
+            <a:xfrm>
+              <a:off x="1115616" y="4293096"/>
+              <a:ext cx="1152128" cy="360040"/>
+            </a:xfrm>
+            <a:prstGeom prst="rect">
+              <a:avLst/>
+            </a:prstGeom>
+            <a:noFill/>
+            <a:ln>
+              <a:solidFill>
+                <a:schemeClr val="tx1"/>
+              </a:solidFill>
+            </a:ln>
+          </p:spPr>
+          <p:style>
+            <a:lnRef idx="2">
+              <a:schemeClr val="accent1">
+                <a:shade val="50000"/>
+              </a:schemeClr>
+            </a:lnRef>
+            <a:fillRef idx="1">
+              <a:schemeClr val="accent1"/>
+            </a:fillRef>
+            <a:effectRef idx="0">
+              <a:schemeClr val="accent1"/>
+            </a:effectRef>
+            <a:fontRef idx="minor">
+              <a:schemeClr val="lt1"/>
+            </a:fontRef>
+          </p:style>
+          <p:txBody>
+            <a:bodyPr rtlCol="0" anchor="ctr"/>
+            <a:lstStyle/>
+            <a:p>
+              <a:pPr algn="ctr"/>
+              <a:r>
+                <a:rPr lang="en-US" altLang="zh-CN" dirty="0" smtClean="0">
+                  <a:solidFill>
+                    <a:schemeClr val="tx1"/>
+                  </a:solidFill>
+                </a:rPr>
+                <a:t>doc</a:t>
+              </a:r>
+              <a:endParaRPr lang="zh-CN" altLang="en-US" dirty="0" smtClean="0">
+                <a:solidFill>
+                  <a:schemeClr val="tx1"/>
+                </a:solidFill>
+              </a:endParaRPr>
+            </a:p>
+          </p:txBody>
+        </p:sp>
+      </p:grpSp>
+      <p:sp>
+        <p:nvSpPr>
+          <p:cNvPr id="73" name="TextBox 72"/>
+          <p:cNvSpPr txBox="1"/>
+          <p:nvPr/>
+        </p:nvSpPr>
+        <p:spPr>
+          <a:xfrm>
+            <a:off x="7883030" y="1583214"/>
+            <a:ext cx="577402" cy="261610"/>
+          </a:xfrm>
+          <a:prstGeom prst="rect">
+            <a:avLst/>
+          </a:prstGeom>
+          <a:noFill/>
+        </p:spPr>
+        <p:txBody>
+          <a:bodyPr wrap="none" rtlCol="0">
+            <a:spAutoFit/>
+          </a:bodyPr>
+          <a:lstStyle/>
+          <a:p>
+            <a:r>
+              <a:rPr lang="en-US" altLang="zh-CN" sz="1100" dirty="0" smtClean="0"/>
+              <a:t>node2</a:t>
+            </a:r>
+            <a:endParaRPr lang="zh-CN" altLang="en-US" sz="1100" dirty="0"/>
+          </a:p>
+        </p:txBody>
+      </p:sp>
+      <p:cxnSp>
+        <p:nvCxnSpPr>
+          <p:cNvPr id="116" name="直接箭头连接符 115"/>
+          <p:cNvCxnSpPr>
+            <a:stCxn id="46" idx="3"/>
+          </p:cNvCxnSpPr>
+          <p:nvPr/>
+        </p:nvCxnSpPr>
+        <p:spPr>
+          <a:xfrm flipV="1">
+            <a:off x="5580112" y="1844824"/>
+            <a:ext cx="648072" cy="765085"/>
+          </a:xfrm>
+          <a:prstGeom prst="straightConnector1">
+            <a:avLst/>
+          </a:prstGeom>
+          <a:ln>
+            <a:solidFill>
+              <a:schemeClr val="tx1"/>
+            </a:solidFill>
+            <a:tailEnd type="arrow"/>
+          </a:ln>
+        </p:spPr>
+        <p:style>
+          <a:lnRef idx="1">
+            <a:schemeClr val="accent1"/>
+          </a:lnRef>
+          <a:fillRef idx="0">
+            <a:schemeClr val="accent1"/>
+          </a:fillRef>
+          <a:effectRef idx="0">
+            <a:schemeClr val="accent1"/>
+          </a:effectRef>
+          <a:fontRef idx="minor">
+            <a:schemeClr val="tx1"/>
+          </a:fontRef>
+        </p:style>
+      </p:cxnSp>
+      <p:cxnSp>
+        <p:nvCxnSpPr>
+          <p:cNvPr id="118" name="直接箭头连接符 117"/>
+          <p:cNvCxnSpPr>
+            <a:stCxn id="59" idx="3"/>
+          </p:cNvCxnSpPr>
+          <p:nvPr/>
+        </p:nvCxnSpPr>
+        <p:spPr>
+          <a:xfrm flipV="1">
+            <a:off x="7092280" y="1844824"/>
+            <a:ext cx="648072" cy="1377153"/>
+          </a:xfrm>
+          <a:prstGeom prst="straightConnector1">
+            <a:avLst/>
+          </a:prstGeom>
+          <a:ln>
+            <a:solidFill>
+              <a:schemeClr val="tx1"/>
+            </a:solidFill>
+            <a:tailEnd type="arrow"/>
+          </a:ln>
+        </p:spPr>
+        <p:style>
+          <a:lnRef idx="1">
+            <a:schemeClr val="accent1"/>
+          </a:lnRef>
+          <a:fillRef idx="0">
+            <a:schemeClr val="accent1"/>
+          </a:fillRef>
+          <a:effectRef idx="0">
+            <a:schemeClr val="accent1"/>
+          </a:effectRef>
+          <a:fontRef idx="minor">
+            <a:schemeClr val="tx1"/>
+          </a:fontRef>
+        </p:style>
+      </p:cxnSp>
+      <p:sp>
+        <p:nvSpPr>
+          <p:cNvPr id="120" name="任意多边形 119"/>
+          <p:cNvSpPr/>
+          <p:nvPr/>
+        </p:nvSpPr>
+        <p:spPr>
+          <a:xfrm>
+            <a:off x="3637280" y="1294674"/>
+            <a:ext cx="4095931" cy="1640115"/>
+          </a:xfrm>
+          <a:custGeom>
+            <a:avLst/>
+            <a:gdLst>
+              <a:gd name="connsiteX0" fmla="*/ 1091474 w 4095931"/>
+              <a:gd name="connsiteY0" fmla="*/ 1640115 h 1640115"/>
+              <a:gd name="connsiteX1" fmla="*/ 542834 w 4095931"/>
+              <a:gd name="connsiteY1" fmla="*/ 812800 h 1640115"/>
+              <a:gd name="connsiteX2" fmla="*/ 447040 w 4095931"/>
+              <a:gd name="connsiteY2" fmla="*/ 107406 h 1640115"/>
+              <a:gd name="connsiteX3" fmla="*/ 3225074 w 4095931"/>
+              <a:gd name="connsiteY3" fmla="*/ 168366 h 1640115"/>
+              <a:gd name="connsiteX4" fmla="*/ 4095931 w 4095931"/>
+              <a:gd name="connsiteY4" fmla="*/ 542835 h 1640115"/>
+            </a:gdLst>
+            <a:ahLst/>
+            <a:cxnLst>
+              <a:cxn ang="0">
+                <a:pos x="connsiteX0" y="connsiteY0"/>
+              </a:cxn>
+              <a:cxn ang="0">
+                <a:pos x="connsiteX1" y="connsiteY1"/>
+              </a:cxn>
+              <a:cxn ang="0">
+                <a:pos x="connsiteX2" y="connsiteY2"/>
+              </a:cxn>
+              <a:cxn ang="0">
+                <a:pos x="connsiteX3" y="connsiteY3"/>
+              </a:cxn>
+              <a:cxn ang="0">
+                <a:pos x="connsiteX4" y="connsiteY4"/>
+              </a:cxn>
+            </a:cxnLst>
+            <a:rect l="l" t="t" r="r" b="b"/>
+            <a:pathLst>
+              <a:path w="4095931" h="1640115">
+                <a:moveTo>
+                  <a:pt x="1091474" y="1640115"/>
+                </a:moveTo>
+                <a:cubicBezTo>
+                  <a:pt x="870857" y="1354183"/>
+                  <a:pt x="650240" y="1068251"/>
+                  <a:pt x="542834" y="812800"/>
+                </a:cubicBezTo>
+                <a:cubicBezTo>
+                  <a:pt x="435428" y="557349"/>
+                  <a:pt x="0" y="214812"/>
+                  <a:pt x="447040" y="107406"/>
+                </a:cubicBezTo>
+                <a:cubicBezTo>
+                  <a:pt x="894080" y="0"/>
+                  <a:pt x="2616926" y="95795"/>
+                  <a:pt x="3225074" y="168366"/>
+                </a:cubicBezTo>
+                <a:cubicBezTo>
+                  <a:pt x="3833223" y="240938"/>
+                  <a:pt x="3964577" y="391886"/>
+                  <a:pt x="4095931" y="542835"/>
+                </a:cubicBezTo>
+              </a:path>
+            </a:pathLst>
+          </a:custGeom>
+          <a:ln>
+            <a:solidFill>
+              <a:schemeClr val="tx1"/>
+            </a:solidFill>
+          </a:ln>
+        </p:spPr>
+        <p:style>
+          <a:lnRef idx="1">
+            <a:schemeClr val="accent1"/>
+          </a:lnRef>
+          <a:fillRef idx="0">
+            <a:schemeClr val="accent1"/>
+          </a:fillRef>
+          <a:effectRef idx="0">
+            <a:schemeClr val="accent1"/>
+          </a:effectRef>
+          <a:fontRef idx="minor">
+            <a:schemeClr val="tx1"/>
+          </a:fontRef>
+        </p:style>
+        <p:txBody>
+          <a:bodyPr rtlCol="0" anchor="ctr"/>
+          <a:lstStyle/>
+          <a:p>
+            <a:pPr algn="ctr"/>
+            <a:endParaRPr lang="zh-CN" altLang="en-US"/>
           </a:p>
         </p:txBody>
       </p:sp>
@@ -4532,6 +8235,440 @@
 </file>
 
 <file path=ppt/slides/slide12.xml><?xml version="1.0" encoding="utf-8"?>
+<p:sld xmlns:a="http://schemas.openxmlformats.org/drawingml/2006/main" xmlns:r="http://schemas.openxmlformats.org/officeDocument/2006/relationships" xmlns:p="http://schemas.openxmlformats.org/presentationml/2006/main">
+  <p:cSld>
+    <p:spTree>
+      <p:nvGrpSpPr>
+        <p:cNvPr id="1" name=""/>
+        <p:cNvGrpSpPr/>
+        <p:nvPr/>
+      </p:nvGrpSpPr>
+      <p:grpSpPr>
+        <a:xfrm>
+          <a:off x="0" y="0"/>
+          <a:ext cx="0" cy="0"/>
+          <a:chOff x="0" y="0"/>
+          <a:chExt cx="0" cy="0"/>
+        </a:xfrm>
+      </p:grpSpPr>
+      <p:sp>
+        <p:nvSpPr>
+          <p:cNvPr id="3074" name="TextBox 5" hidden="1"/>
+          <p:cNvSpPr txBox="1">
+            <a:spLocks noChangeArrowheads="1"/>
+          </p:cNvSpPr>
+          <p:nvPr/>
+        </p:nvSpPr>
+        <p:spPr bwMode="auto">
+          <a:xfrm>
+            <a:off x="1939925" y="1954213"/>
+            <a:ext cx="1943100" cy="369887"/>
+          </a:xfrm>
+          <a:prstGeom prst="rect">
+            <a:avLst/>
+          </a:prstGeom>
+          <a:noFill/>
+          <a:ln w="9525">
+            <a:noFill/>
+            <a:miter lim="800000"/>
+            <a:headEnd/>
+            <a:tailEnd/>
+          </a:ln>
+        </p:spPr>
+        <p:txBody>
+          <a:bodyPr>
+            <a:spAutoFit/>
+          </a:bodyPr>
+          <a:lstStyle/>
+          <a:p>
+            <a:r>
+              <a:rPr lang="zh-CN" altLang="en-US">
+                <a:latin typeface="微软雅黑" pitchFamily="34" charset="-122"/>
+                <a:ea typeface="微软雅黑" pitchFamily="34" charset="-122"/>
+              </a:rPr>
+              <a:t>点击添加文本</a:t>
+            </a:r>
+          </a:p>
+        </p:txBody>
+      </p:sp>
+      <p:sp>
+        <p:nvSpPr>
+          <p:cNvPr id="3075" name="矩形 6" hidden="1"/>
+          <p:cNvSpPr>
+            <a:spLocks noChangeArrowheads="1"/>
+          </p:cNvSpPr>
+          <p:nvPr/>
+        </p:nvSpPr>
+        <p:spPr bwMode="auto">
+          <a:xfrm>
+            <a:off x="1939925" y="3025775"/>
+            <a:ext cx="1471613" cy="646113"/>
+          </a:xfrm>
+          <a:prstGeom prst="rect">
+            <a:avLst/>
+          </a:prstGeom>
+          <a:noFill/>
+          <a:ln w="9525">
+            <a:noFill/>
+            <a:miter lim="800000"/>
+            <a:headEnd/>
+            <a:tailEnd/>
+          </a:ln>
+        </p:spPr>
+        <p:txBody>
+          <a:bodyPr>
+            <a:spAutoFit/>
+          </a:bodyPr>
+          <a:lstStyle/>
+          <a:p>
+            <a:r>
+              <a:rPr lang="zh-CN" altLang="en-US">
+                <a:latin typeface="微软雅黑" pitchFamily="34" charset="-122"/>
+                <a:ea typeface="微软雅黑" pitchFamily="34" charset="-122"/>
+              </a:rPr>
+              <a:t>点击添加文本</a:t>
+            </a:r>
+          </a:p>
+        </p:txBody>
+      </p:sp>
+      <p:sp>
+        <p:nvSpPr>
+          <p:cNvPr id="3076" name="矩形 7" hidden="1"/>
+          <p:cNvSpPr>
+            <a:spLocks noChangeArrowheads="1"/>
+          </p:cNvSpPr>
+          <p:nvPr/>
+        </p:nvSpPr>
+        <p:spPr bwMode="auto">
+          <a:xfrm>
+            <a:off x="2011363" y="4240213"/>
+            <a:ext cx="1471612" cy="646112"/>
+          </a:xfrm>
+          <a:prstGeom prst="rect">
+            <a:avLst/>
+          </a:prstGeom>
+          <a:noFill/>
+          <a:ln w="9525">
+            <a:noFill/>
+            <a:miter lim="800000"/>
+            <a:headEnd/>
+            <a:tailEnd/>
+          </a:ln>
+        </p:spPr>
+        <p:txBody>
+          <a:bodyPr>
+            <a:spAutoFit/>
+          </a:bodyPr>
+          <a:lstStyle/>
+          <a:p>
+            <a:r>
+              <a:rPr lang="zh-CN" altLang="en-US">
+                <a:latin typeface="微软雅黑" pitchFamily="34" charset="-122"/>
+                <a:ea typeface="微软雅黑" pitchFamily="34" charset="-122"/>
+              </a:rPr>
+              <a:t>点击添加文本</a:t>
+            </a:r>
+          </a:p>
+        </p:txBody>
+      </p:sp>
+      <p:sp>
+        <p:nvSpPr>
+          <p:cNvPr id="3077" name="矩形 8" hidden="1"/>
+          <p:cNvSpPr>
+            <a:spLocks noChangeArrowheads="1"/>
+          </p:cNvSpPr>
+          <p:nvPr/>
+        </p:nvSpPr>
+        <p:spPr bwMode="auto">
+          <a:xfrm>
+            <a:off x="2011363" y="5526088"/>
+            <a:ext cx="1471612" cy="646112"/>
+          </a:xfrm>
+          <a:prstGeom prst="rect">
+            <a:avLst/>
+          </a:prstGeom>
+          <a:noFill/>
+          <a:ln w="9525">
+            <a:noFill/>
+            <a:miter lim="800000"/>
+            <a:headEnd/>
+            <a:tailEnd/>
+          </a:ln>
+        </p:spPr>
+        <p:txBody>
+          <a:bodyPr>
+            <a:spAutoFit/>
+          </a:bodyPr>
+          <a:lstStyle/>
+          <a:p>
+            <a:r>
+              <a:rPr lang="zh-CN" altLang="en-US">
+                <a:latin typeface="微软雅黑" pitchFamily="34" charset="-122"/>
+                <a:ea typeface="微软雅黑" pitchFamily="34" charset="-122"/>
+              </a:rPr>
+              <a:t>点击添加文本</a:t>
+            </a:r>
+          </a:p>
+        </p:txBody>
+      </p:sp>
+      <p:sp>
+        <p:nvSpPr>
+          <p:cNvPr id="11" name="TextBox 12"/>
+          <p:cNvSpPr txBox="1">
+            <a:spLocks noChangeArrowheads="1"/>
+          </p:cNvSpPr>
+          <p:nvPr/>
+        </p:nvSpPr>
+        <p:spPr bwMode="auto">
+          <a:xfrm>
+            <a:off x="323528" y="500063"/>
+            <a:ext cx="7888361" cy="523220"/>
+          </a:xfrm>
+          <a:prstGeom prst="rect">
+            <a:avLst/>
+          </a:prstGeom>
+          <a:noFill/>
+          <a:ln w="9525">
+            <a:noFill/>
+            <a:miter lim="800000"/>
+            <a:headEnd/>
+            <a:tailEnd/>
+          </a:ln>
+        </p:spPr>
+        <p:txBody>
+          <a:bodyPr wrap="square">
+            <a:spAutoFit/>
+          </a:bodyPr>
+          <a:lstStyle/>
+          <a:p>
+            <a:r>
+              <a:rPr lang="zh-CN" altLang="en-US" sz="2800" dirty="0" smtClean="0">
+                <a:latin typeface="微软雅黑" pitchFamily="34" charset="-122"/>
+                <a:ea typeface="微软雅黑" pitchFamily="34" charset="-122"/>
+              </a:rPr>
+              <a:t>练习四</a:t>
+            </a:r>
+            <a:endParaRPr lang="zh-CN" altLang="en-US" sz="2800" dirty="0">
+              <a:latin typeface="微软雅黑" pitchFamily="34" charset="-122"/>
+              <a:ea typeface="微软雅黑" pitchFamily="34" charset="-122"/>
+            </a:endParaRPr>
+          </a:p>
+        </p:txBody>
+      </p:sp>
+      <p:pic>
+        <p:nvPicPr>
+          <p:cNvPr id="4098" name="Picture 2"/>
+          <p:cNvPicPr>
+            <a:picLocks noChangeAspect="1" noChangeArrowheads="1"/>
+          </p:cNvPicPr>
+          <p:nvPr/>
+        </p:nvPicPr>
+        <p:blipFill>
+          <a:blip r:embed="rId2" cstate="print"/>
+          <a:srcRect/>
+          <a:stretch>
+            <a:fillRect/>
+          </a:stretch>
+        </p:blipFill>
+        <p:spPr bwMode="auto">
+          <a:xfrm>
+            <a:off x="323528" y="1227554"/>
+            <a:ext cx="5551710" cy="5081766"/>
+          </a:xfrm>
+          <a:prstGeom prst="rect">
+            <a:avLst/>
+          </a:prstGeom>
+          <a:noFill/>
+          <a:ln w="9525">
+            <a:noFill/>
+            <a:miter lim="800000"/>
+            <a:headEnd/>
+            <a:tailEnd/>
+          </a:ln>
+        </p:spPr>
+      </p:pic>
+      <p:sp>
+        <p:nvSpPr>
+          <p:cNvPr id="9" name="内容占位符 2"/>
+          <p:cNvSpPr txBox="1">
+            <a:spLocks/>
+          </p:cNvSpPr>
+          <p:nvPr/>
+        </p:nvSpPr>
+        <p:spPr bwMode="auto">
+          <a:xfrm>
+            <a:off x="4967536" y="1124744"/>
+            <a:ext cx="4176464" cy="748680"/>
+          </a:xfrm>
+          <a:prstGeom prst="rect">
+            <a:avLst/>
+          </a:prstGeom>
+          <a:noFill/>
+          <a:ln w="9525">
+            <a:noFill/>
+            <a:miter lim="800000"/>
+            <a:headEnd/>
+            <a:tailEnd/>
+          </a:ln>
+        </p:spPr>
+        <p:txBody>
+          <a:bodyPr vert="horz" wrap="square" lIns="91440" tIns="45720" rIns="91440" bIns="45720" numCol="1" anchor="t" anchorCtr="0" compatLnSpc="1">
+            <a:prstTxWarp prst="textNoShape">
+              <a:avLst/>
+            </a:prstTxWarp>
+          </a:bodyPr>
+          <a:lstStyle/>
+          <a:p>
+            <a:pPr marL="0" marR="0" lvl="0" indent="0" defTabSz="914400" rtl="0" eaLnBrk="0" fontAlgn="base" latinLnBrk="0" hangingPunct="0">
+              <a:lnSpc>
+                <a:spcPct val="100000"/>
+              </a:lnSpc>
+              <a:spcBef>
+                <a:spcPct val="20000"/>
+              </a:spcBef>
+              <a:spcAft>
+                <a:spcPct val="0"/>
+              </a:spcAft>
+              <a:buClrTx/>
+              <a:buSzTx/>
+              <a:buFont typeface="Arial" pitchFamily="34" charset="0"/>
+              <a:buNone/>
+              <a:tabLst/>
+              <a:defRPr/>
+            </a:pPr>
+            <a:r>
+              <a:rPr kumimoji="0" lang="zh-CN" altLang="en-US" sz="2400" b="1" i="0" u="none" strike="noStrike" kern="1200" cap="none" spc="0" normalizeH="0" baseline="0" noProof="0" dirty="0" smtClean="0">
+                <a:ln>
+                  <a:noFill/>
+                </a:ln>
+                <a:solidFill>
+                  <a:schemeClr val="tx1">
+                    <a:tint val="75000"/>
+                  </a:schemeClr>
+                </a:solidFill>
+                <a:effectLst/>
+                <a:uLnTx/>
+                <a:uFillTx/>
+                <a:latin typeface="+mn-lt"/>
+                <a:ea typeface="+mn-ea"/>
+                <a:cs typeface="+mn-cs"/>
+              </a:rPr>
+              <a:t>画出</a:t>
+            </a:r>
+            <a:r>
+              <a:rPr kumimoji="0" lang="en-US" altLang="zh-CN" sz="2400" b="1" i="0" u="none" strike="noStrike" kern="1200" cap="none" spc="0" normalizeH="0" baseline="0" noProof="0" dirty="0" smtClean="0">
+                <a:ln>
+                  <a:noFill/>
+                </a:ln>
+                <a:solidFill>
+                  <a:schemeClr val="tx1">
+                    <a:tint val="75000"/>
+                  </a:schemeClr>
+                </a:solidFill>
+                <a:effectLst/>
+                <a:uLnTx/>
+                <a:uFillTx/>
+                <a:latin typeface="+mn-lt"/>
+                <a:ea typeface="+mn-ea"/>
+                <a:cs typeface="+mn-cs"/>
+              </a:rPr>
+              <a:t>xml</a:t>
+            </a:r>
+            <a:r>
+              <a:rPr kumimoji="0" lang="zh-CN" altLang="en-US" sz="2400" b="1" i="0" u="none" strike="noStrike" kern="1200" cap="none" spc="0" normalizeH="0" baseline="0" noProof="0" dirty="0" smtClean="0">
+                <a:ln>
+                  <a:noFill/>
+                </a:ln>
+                <a:solidFill>
+                  <a:schemeClr val="tx1">
+                    <a:tint val="75000"/>
+                  </a:schemeClr>
+                </a:solidFill>
+                <a:effectLst/>
+                <a:uLnTx/>
+                <a:uFillTx/>
+                <a:latin typeface="+mn-lt"/>
+                <a:ea typeface="+mn-ea"/>
+                <a:cs typeface="+mn-cs"/>
+              </a:rPr>
+              <a:t>节点内存布局</a:t>
+            </a:r>
+            <a:endParaRPr kumimoji="0" lang="zh-CN" altLang="en-US" sz="2400" b="1" i="0" u="none" strike="noStrike" kern="1200" cap="none" spc="0" normalizeH="0" baseline="0" noProof="0" dirty="0">
+              <a:ln>
+                <a:noFill/>
+              </a:ln>
+              <a:solidFill>
+                <a:schemeClr val="tx1">
+                  <a:tint val="75000"/>
+                </a:schemeClr>
+              </a:solidFill>
+              <a:effectLst/>
+              <a:uLnTx/>
+              <a:uFillTx/>
+              <a:latin typeface="+mn-lt"/>
+              <a:ea typeface="+mn-ea"/>
+              <a:cs typeface="+mn-cs"/>
+            </a:endParaRPr>
+          </a:p>
+        </p:txBody>
+      </p:sp>
+    </p:spTree>
+  </p:cSld>
+  <p:clrMapOvr>
+    <a:masterClrMapping/>
+  </p:clrMapOvr>
+</p:sld>
+</file>
+
+<file path=ppt/slides/slide13.xml><?xml version="1.0" encoding="utf-8"?>
+<p:sld xmlns:a="http://schemas.openxmlformats.org/drawingml/2006/main" xmlns:r="http://schemas.openxmlformats.org/officeDocument/2006/relationships" xmlns:p="http://schemas.openxmlformats.org/presentationml/2006/main">
+  <p:cSld>
+    <p:spTree>
+      <p:nvGrpSpPr>
+        <p:cNvPr id="1" name=""/>
+        <p:cNvGrpSpPr/>
+        <p:nvPr/>
+      </p:nvGrpSpPr>
+      <p:grpSpPr>
+        <a:xfrm>
+          <a:off x="0" y="0"/>
+          <a:ext cx="0" cy="0"/>
+          <a:chOff x="0" y="0"/>
+          <a:chExt cx="0" cy="0"/>
+        </a:xfrm>
+      </p:grpSpPr>
+      <p:sp>
+        <p:nvSpPr>
+          <p:cNvPr id="2" name="标题 1"/>
+          <p:cNvSpPr>
+            <a:spLocks noGrp="1"/>
+          </p:cNvSpPr>
+          <p:nvPr>
+            <p:ph type="title"/>
+          </p:nvPr>
+        </p:nvSpPr>
+        <p:spPr/>
+        <p:txBody>
+          <a:bodyPr/>
+          <a:lstStyle/>
+          <a:p>
+            <a:r>
+              <a:rPr lang="en-US" altLang="zh-CN" dirty="0" smtClean="0"/>
+              <a:t>Q &amp; A</a:t>
+            </a:r>
+            <a:endParaRPr lang="zh-CN" altLang="en-US" dirty="0"/>
+          </a:p>
+        </p:txBody>
+      </p:sp>
+    </p:spTree>
+  </p:cSld>
+  <p:clrMapOvr>
+    <a:masterClrMapping/>
+  </p:clrMapOvr>
+</p:sld>
+</file>
+
+<file path=ppt/slides/slide14.xml><?xml version="1.0" encoding="utf-8"?>
 <p:sld xmlns:a="http://schemas.openxmlformats.org/drawingml/2006/main" xmlns:r="http://schemas.openxmlformats.org/officeDocument/2006/relationships" xmlns:p="http://schemas.openxmlformats.org/presentationml/2006/main">
   <p:cSld>
     <p:spTree>
